--- a/app/.vitepress/public/category/brand/download/PPT_Dark_cn.pptx
+++ b/app/.vitepress/public/category/brand/download/PPT_Dark_cn.pptx
@@ -2,17 +2,23 @@
 <file path=ppt/presentation.xml><?xml version="1.0" encoding="utf-8"?>
 <p:presentation xmlns:a="http://schemas.openxmlformats.org/drawingml/2006/main" xmlns:r="http://schemas.openxmlformats.org/officeDocument/2006/relationships" xmlns:p="http://schemas.openxmlformats.org/presentationml/2006/main" saveSubsetFonts="1">
   <p:sldMasterIdLst>
-    <p:sldMasterId id="2147483648" r:id="rId1"/>
+    <p:sldMasterId id="2147483686" r:id="rId1"/>
   </p:sldMasterIdLst>
   <p:notesMasterIdLst>
-    <p:notesMasterId r:id="rId7"/>
+    <p:notesMasterId r:id="rId13"/>
   </p:notesMasterIdLst>
   <p:sldIdLst>
     <p:sldId id="261" r:id="rId2"/>
     <p:sldId id="262" r:id="rId3"/>
     <p:sldId id="263" r:id="rId4"/>
-    <p:sldId id="264" r:id="rId5"/>
-    <p:sldId id="266" r:id="rId6"/>
+    <p:sldId id="266" r:id="rId5"/>
+    <p:sldId id="267" r:id="rId6"/>
+    <p:sldId id="268" r:id="rId7"/>
+    <p:sldId id="269" r:id="rId8"/>
+    <p:sldId id="270" r:id="rId9"/>
+    <p:sldId id="271" r:id="rId10"/>
+    <p:sldId id="264" r:id="rId11"/>
+    <p:sldId id="265" r:id="rId12"/>
   </p:sldIdLst>
   <p:sldSz cx="12192000" cy="6858000"/>
   <p:notesSz cx="6858000" cy="9144000"/>
@@ -122,6 +128,18 @@
 </p:presentation>
 </file>
 
+<file path=ppt/commentAuthors.xml><?xml version="1.0" encoding="utf-8"?>
+<p:cmAuthorLst xmlns:a="http://schemas.openxmlformats.org/drawingml/2006/main" xmlns:r="http://schemas.openxmlformats.org/officeDocument/2006/relationships" xmlns:p="http://schemas.openxmlformats.org/presentationml/2006/main">
+  <p:cmAuthor id="1" name="Microsoft Office User" initials="MOU" lastIdx="1" clrIdx="0">
+    <p:extLst>
+      <p:ext uri="{19B8F6BF-5375-455C-9EA6-DF929625EA0E}">
+        <p15:presenceInfo xmlns:p15="http://schemas.microsoft.com/office/powerpoint/2012/main" userId="Microsoft Office User" providerId="None"/>
+      </p:ext>
+    </p:extLst>
+  </p:cmAuthor>
+</p:cmAuthorLst>
+</file>
+
 <file path=ppt/notesMasters/notesMaster1.xml><?xml version="1.0" encoding="utf-8"?>
 <p:notesMaster xmlns:a="http://schemas.openxmlformats.org/drawingml/2006/main" xmlns:r="http://schemas.openxmlformats.org/officeDocument/2006/relationships" xmlns:p="http://schemas.openxmlformats.org/presentationml/2006/main">
   <p:cSld>
@@ -204,7 +222,7 @@
           <a:p>
             <a:fld id="{9802DAE7-1433-4BF1-83FB-1D08D997CEC7}" type="datetimeFigureOut">
               <a:rPr lang="zh-CN" altLang="en-US" smtClean="0"/>
-              <a:t>2020/12/1</a:t>
+              <a:t>2023/3/24</a:t>
             </a:fld>
             <a:endParaRPr lang="zh-CN" altLang="en-US"/>
           </a:p>
@@ -268,38 +286,37 @@
           <a:p>
             <a:pPr lvl="0"/>
             <a:r>
-              <a:rPr lang="zh-CN" altLang="en-US" smtClean="0"/>
+              <a:rPr lang="zh-CN" altLang="en-US"/>
               <a:t>单击此处编辑母版文本样式</a:t>
             </a:r>
           </a:p>
           <a:p>
             <a:pPr lvl="1"/>
             <a:r>
-              <a:rPr lang="zh-CN" altLang="en-US" smtClean="0"/>
+              <a:rPr lang="zh-CN" altLang="en-US"/>
               <a:t>第二级</a:t>
             </a:r>
           </a:p>
           <a:p>
             <a:pPr lvl="2"/>
             <a:r>
-              <a:rPr lang="zh-CN" altLang="en-US" smtClean="0"/>
+              <a:rPr lang="zh-CN" altLang="en-US"/>
               <a:t>第三级</a:t>
             </a:r>
           </a:p>
           <a:p>
             <a:pPr lvl="3"/>
             <a:r>
-              <a:rPr lang="zh-CN" altLang="en-US" smtClean="0"/>
+              <a:rPr lang="zh-CN" altLang="en-US"/>
               <a:t>第四级</a:t>
             </a:r>
           </a:p>
           <a:p>
             <a:pPr lvl="4"/>
             <a:r>
-              <a:rPr lang="zh-CN" altLang="en-US" smtClean="0"/>
+              <a:rPr lang="zh-CN" altLang="en-US"/>
               <a:t>第五级</a:t>
             </a:r>
-            <a:endParaRPr lang="zh-CN" altLang="en-US"/>
           </a:p>
         </p:txBody>
       </p:sp>
@@ -473,7 +490,820 @@
 </file>
 
 <file path=ppt/slideLayouts/slideLayout1.xml><?xml version="1.0" encoding="utf-8"?>
+<p:sldLayout xmlns:a="http://schemas.openxmlformats.org/drawingml/2006/main" xmlns:r="http://schemas.openxmlformats.org/officeDocument/2006/relationships" xmlns:p="http://schemas.openxmlformats.org/presentationml/2006/main" type="title" preserve="1">
+  <p:cSld name="标题幻灯片">
+    <p:spTree>
+      <p:nvGrpSpPr>
+        <p:cNvPr id="1" name=""/>
+        <p:cNvGrpSpPr/>
+        <p:nvPr/>
+      </p:nvGrpSpPr>
+      <p:grpSpPr>
+        <a:xfrm>
+          <a:off x="0" y="0"/>
+          <a:ext cx="0" cy="0"/>
+          <a:chOff x="0" y="0"/>
+          <a:chExt cx="0" cy="0"/>
+        </a:xfrm>
+      </p:grpSpPr>
+      <p:pic>
+        <p:nvPicPr>
+          <p:cNvPr id="10" name="图片 9">
+            <a:extLst>
+              <a:ext uri="{FF2B5EF4-FFF2-40B4-BE49-F238E27FC236}">
+                <a16:creationId xmlns:a16="http://schemas.microsoft.com/office/drawing/2014/main" id="{C82076C9-7DF6-444E-80B9-1B5C6D80152B}"/>
+              </a:ext>
+            </a:extLst>
+          </p:cNvPr>
+          <p:cNvPicPr>
+            <a:picLocks noChangeAspect="1"/>
+          </p:cNvPicPr>
+          <p:nvPr userDrawn="1"/>
+        </p:nvPicPr>
+        <p:blipFill>
+          <a:blip r:embed="rId2">
+            <a:extLst>
+              <a:ext uri="{28A0092B-C50C-407E-A947-70E740481C1C}">
+                <a14:useLocalDpi xmlns:a14="http://schemas.microsoft.com/office/drawing/2010/main" val="0"/>
+              </a:ext>
+            </a:extLst>
+          </a:blip>
+          <a:stretch>
+            <a:fillRect/>
+          </a:stretch>
+        </p:blipFill>
+        <p:spPr>
+          <a:xfrm>
+            <a:off x="0" y="0"/>
+            <a:ext cx="12192000" cy="6858000"/>
+          </a:xfrm>
+          <a:prstGeom prst="rect">
+            <a:avLst/>
+          </a:prstGeom>
+        </p:spPr>
+      </p:pic>
+      <p:sp>
+        <p:nvSpPr>
+          <p:cNvPr id="2" name="标题 1">
+            <a:extLst>
+              <a:ext uri="{FF2B5EF4-FFF2-40B4-BE49-F238E27FC236}">
+                <a16:creationId xmlns:a16="http://schemas.microsoft.com/office/drawing/2014/main" id="{1157AA57-9F11-C140-8D88-F4E44F37F3F8}"/>
+              </a:ext>
+            </a:extLst>
+          </p:cNvPr>
+          <p:cNvSpPr>
+            <a:spLocks noGrp="1"/>
+          </p:cNvSpPr>
+          <p:nvPr>
+            <p:ph type="ctrTitle" hasCustomPrompt="1"/>
+          </p:nvPr>
+        </p:nvSpPr>
+        <p:spPr>
+          <a:xfrm>
+            <a:off x="838200" y="1815026"/>
+            <a:ext cx="7643149" cy="1033503"/>
+          </a:xfrm>
+        </p:spPr>
+        <p:txBody>
+          <a:bodyPr anchor="b"/>
+          <a:lstStyle>
+            <a:lvl1pPr algn="l">
+              <a:defRPr sz="6000">
+                <a:solidFill>
+                  <a:schemeClr val="bg1"/>
+                </a:solidFill>
+                <a:latin typeface="FZLanTingHeiS-B-GB" panose="02000000000000000000" pitchFamily="2" charset="-122"/>
+                <a:ea typeface="FZLanTingHeiS-B-GB" panose="02000000000000000000" pitchFamily="2" charset="-122"/>
+              </a:defRPr>
+            </a:lvl1pPr>
+          </a:lstStyle>
+          <a:p>
+            <a:r>
+              <a:rPr kumimoji="1" lang="zh-CN" altLang="en-US" dirty="0"/>
+              <a:t>母版标题样式</a:t>
+            </a:r>
+          </a:p>
+        </p:txBody>
+      </p:sp>
+      <p:sp>
+        <p:nvSpPr>
+          <p:cNvPr id="3" name="副标题 2">
+            <a:extLst>
+              <a:ext uri="{FF2B5EF4-FFF2-40B4-BE49-F238E27FC236}">
+                <a16:creationId xmlns:a16="http://schemas.microsoft.com/office/drawing/2014/main" id="{B9C1B79A-FBE5-9048-A1A9-233753241042}"/>
+              </a:ext>
+            </a:extLst>
+          </p:cNvPr>
+          <p:cNvSpPr>
+            <a:spLocks noGrp="1"/>
+          </p:cNvSpPr>
+          <p:nvPr>
+            <p:ph type="subTitle" idx="1"/>
+          </p:nvPr>
+        </p:nvSpPr>
+        <p:spPr>
+          <a:xfrm>
+            <a:off x="838200" y="3181591"/>
+            <a:ext cx="9144000" cy="938996"/>
+          </a:xfrm>
+        </p:spPr>
+        <p:txBody>
+          <a:bodyPr/>
+          <a:lstStyle>
+            <a:lvl1pPr marL="0" indent="0" algn="l">
+              <a:buNone/>
+              <a:defRPr sz="2400">
+                <a:solidFill>
+                  <a:schemeClr val="bg1"/>
+                </a:solidFill>
+              </a:defRPr>
+            </a:lvl1pPr>
+            <a:lvl2pPr marL="457200" indent="0" algn="ctr">
+              <a:buNone/>
+              <a:defRPr sz="2000"/>
+            </a:lvl2pPr>
+            <a:lvl3pPr marL="914400" indent="0" algn="ctr">
+              <a:buNone/>
+              <a:defRPr sz="1800"/>
+            </a:lvl3pPr>
+            <a:lvl4pPr marL="1371600" indent="0" algn="ctr">
+              <a:buNone/>
+              <a:defRPr sz="1600"/>
+            </a:lvl4pPr>
+            <a:lvl5pPr marL="1828800" indent="0" algn="ctr">
+              <a:buNone/>
+              <a:defRPr sz="1600"/>
+            </a:lvl5pPr>
+            <a:lvl6pPr marL="2286000" indent="0" algn="ctr">
+              <a:buNone/>
+              <a:defRPr sz="1600"/>
+            </a:lvl6pPr>
+            <a:lvl7pPr marL="2743200" indent="0" algn="ctr">
+              <a:buNone/>
+              <a:defRPr sz="1600"/>
+            </a:lvl7pPr>
+            <a:lvl8pPr marL="3200400" indent="0" algn="ctr">
+              <a:buNone/>
+              <a:defRPr sz="1600"/>
+            </a:lvl8pPr>
+            <a:lvl9pPr marL="3657600" indent="0" algn="ctr">
+              <a:buNone/>
+              <a:defRPr sz="1600"/>
+            </a:lvl9pPr>
+          </a:lstStyle>
+          <a:p>
+            <a:r>
+              <a:rPr kumimoji="1" lang="zh-CN" altLang="en-US" dirty="0"/>
+              <a:t>单击此处编辑母版副标题样式</a:t>
+            </a:r>
+          </a:p>
+        </p:txBody>
+      </p:sp>
+      <p:sp>
+        <p:nvSpPr>
+          <p:cNvPr id="4" name="日期占位符 3">
+            <a:extLst>
+              <a:ext uri="{FF2B5EF4-FFF2-40B4-BE49-F238E27FC236}">
+                <a16:creationId xmlns:a16="http://schemas.microsoft.com/office/drawing/2014/main" id="{73C28A98-322B-8D47-96B4-5E7270BB2B58}"/>
+              </a:ext>
+            </a:extLst>
+          </p:cNvPr>
+          <p:cNvSpPr>
+            <a:spLocks noGrp="1"/>
+          </p:cNvSpPr>
+          <p:nvPr>
+            <p:ph type="dt" sz="half" idx="10"/>
+          </p:nvPr>
+        </p:nvSpPr>
+        <p:spPr/>
+        <p:txBody>
+          <a:bodyPr/>
+          <a:lstStyle/>
+          <a:p>
+            <a:fld id="{E9D72C00-5B30-4947-A6A0-816C099A8315}" type="datetimeFigureOut">
+              <a:rPr kumimoji="1" lang="zh-CN" altLang="en-US" smtClean="0"/>
+              <a:t>2023/3/24</a:t>
+            </a:fld>
+            <a:endParaRPr kumimoji="1" lang="zh-CN" altLang="en-US"/>
+          </a:p>
+        </p:txBody>
+      </p:sp>
+      <p:sp>
+        <p:nvSpPr>
+          <p:cNvPr id="5" name="页脚占位符 4">
+            <a:extLst>
+              <a:ext uri="{FF2B5EF4-FFF2-40B4-BE49-F238E27FC236}">
+                <a16:creationId xmlns:a16="http://schemas.microsoft.com/office/drawing/2014/main" id="{A6CBE8FC-6370-0141-9879-23116A10F3AD}"/>
+              </a:ext>
+            </a:extLst>
+          </p:cNvPr>
+          <p:cNvSpPr>
+            <a:spLocks noGrp="1"/>
+          </p:cNvSpPr>
+          <p:nvPr>
+            <p:ph type="ftr" sz="quarter" idx="11"/>
+          </p:nvPr>
+        </p:nvSpPr>
+        <p:spPr/>
+        <p:txBody>
+          <a:bodyPr/>
+          <a:lstStyle>
+            <a:lvl1pPr>
+              <a:defRPr>
+                <a:solidFill>
+                  <a:schemeClr val="bg1"/>
+                </a:solidFill>
+              </a:defRPr>
+            </a:lvl1pPr>
+          </a:lstStyle>
+          <a:p>
+            <a:endParaRPr kumimoji="1" lang="zh-CN" altLang="en-US"/>
+          </a:p>
+        </p:txBody>
+      </p:sp>
+      <p:sp>
+        <p:nvSpPr>
+          <p:cNvPr id="6" name="灯片编号占位符 5">
+            <a:extLst>
+              <a:ext uri="{FF2B5EF4-FFF2-40B4-BE49-F238E27FC236}">
+                <a16:creationId xmlns:a16="http://schemas.microsoft.com/office/drawing/2014/main" id="{A07E41F1-B444-0D44-8C28-920310759E79}"/>
+              </a:ext>
+            </a:extLst>
+          </p:cNvPr>
+          <p:cNvSpPr>
+            <a:spLocks noGrp="1"/>
+          </p:cNvSpPr>
+          <p:nvPr>
+            <p:ph type="sldNum" sz="quarter" idx="12"/>
+          </p:nvPr>
+        </p:nvSpPr>
+        <p:spPr/>
+        <p:txBody>
+          <a:bodyPr/>
+          <a:lstStyle/>
+          <a:p>
+            <a:fld id="{391D3646-2F20-B841-87F3-910C3752A608}" type="slidenum">
+              <a:rPr kumimoji="1" lang="zh-CN" altLang="en-US" smtClean="0"/>
+              <a:t>‹#›</a:t>
+            </a:fld>
+            <a:endParaRPr kumimoji="1" lang="zh-CN" altLang="en-US"/>
+          </a:p>
+        </p:txBody>
+      </p:sp>
+      <p:sp>
+        <p:nvSpPr>
+          <p:cNvPr id="7" name="副标题 2">
+            <a:extLst>
+              <a:ext uri="{FF2B5EF4-FFF2-40B4-BE49-F238E27FC236}">
+                <a16:creationId xmlns:a16="http://schemas.microsoft.com/office/drawing/2014/main" id="{7D947288-8279-A844-98D3-DD3D3830B898}"/>
+              </a:ext>
+            </a:extLst>
+          </p:cNvPr>
+          <p:cNvSpPr txBox="1">
+            <a:spLocks/>
+          </p:cNvSpPr>
+          <p:nvPr userDrawn="1"/>
+        </p:nvSpPr>
+        <p:spPr>
+          <a:xfrm>
+            <a:off x="838200" y="5862053"/>
+            <a:ext cx="9144000" cy="365125"/>
+          </a:xfrm>
+          <a:prstGeom prst="rect">
+            <a:avLst/>
+          </a:prstGeom>
+        </p:spPr>
+        <p:txBody>
+          <a:bodyPr vert="horz" lIns="91440" tIns="45720" rIns="91440" bIns="45720" rtlCol="0">
+            <a:normAutofit/>
+          </a:bodyPr>
+          <a:lstStyle>
+            <a:lvl1pPr marL="0" indent="0" algn="l" defTabSz="914400" rtl="0" eaLnBrk="1" latinLnBrk="0" hangingPunct="1">
+              <a:lnSpc>
+                <a:spcPct val="90000"/>
+              </a:lnSpc>
+              <a:spcBef>
+                <a:spcPts val="1000"/>
+              </a:spcBef>
+              <a:buFont typeface="Arial" panose="020B0604020202020204" pitchFamily="34" charset="0"/>
+              <a:buNone/>
+              <a:defRPr sz="2400" kern="1200">
+                <a:solidFill>
+                  <a:schemeClr val="tx1"/>
+                </a:solidFill>
+                <a:latin typeface="+mn-lt"/>
+                <a:ea typeface="+mn-ea"/>
+                <a:cs typeface="+mn-cs"/>
+              </a:defRPr>
+            </a:lvl1pPr>
+            <a:lvl2pPr marL="457200" indent="0" algn="ctr" defTabSz="914400" rtl="0" eaLnBrk="1" latinLnBrk="0" hangingPunct="1">
+              <a:lnSpc>
+                <a:spcPct val="90000"/>
+              </a:lnSpc>
+              <a:spcBef>
+                <a:spcPts val="500"/>
+              </a:spcBef>
+              <a:buFont typeface="Arial" panose="020B0604020202020204" pitchFamily="34" charset="0"/>
+              <a:buNone/>
+              <a:defRPr sz="2000" kern="1200">
+                <a:solidFill>
+                  <a:schemeClr val="tx1"/>
+                </a:solidFill>
+                <a:latin typeface="+mn-lt"/>
+                <a:ea typeface="+mn-ea"/>
+                <a:cs typeface="+mn-cs"/>
+              </a:defRPr>
+            </a:lvl2pPr>
+            <a:lvl3pPr marL="914400" indent="0" algn="ctr" defTabSz="914400" rtl="0" eaLnBrk="1" latinLnBrk="0" hangingPunct="1">
+              <a:lnSpc>
+                <a:spcPct val="90000"/>
+              </a:lnSpc>
+              <a:spcBef>
+                <a:spcPts val="500"/>
+              </a:spcBef>
+              <a:buFont typeface="Arial" panose="020B0604020202020204" pitchFamily="34" charset="0"/>
+              <a:buNone/>
+              <a:defRPr sz="1800" kern="1200">
+                <a:solidFill>
+                  <a:schemeClr val="tx1"/>
+                </a:solidFill>
+                <a:latin typeface="+mn-lt"/>
+                <a:ea typeface="+mn-ea"/>
+                <a:cs typeface="+mn-cs"/>
+              </a:defRPr>
+            </a:lvl3pPr>
+            <a:lvl4pPr marL="1371600" indent="0" algn="ctr" defTabSz="914400" rtl="0" eaLnBrk="1" latinLnBrk="0" hangingPunct="1">
+              <a:lnSpc>
+                <a:spcPct val="90000"/>
+              </a:lnSpc>
+              <a:spcBef>
+                <a:spcPts val="500"/>
+              </a:spcBef>
+              <a:buFont typeface="Arial" panose="020B0604020202020204" pitchFamily="34" charset="0"/>
+              <a:buNone/>
+              <a:defRPr sz="1600" kern="1200">
+                <a:solidFill>
+                  <a:schemeClr val="tx1"/>
+                </a:solidFill>
+                <a:latin typeface="+mn-lt"/>
+                <a:ea typeface="+mn-ea"/>
+                <a:cs typeface="+mn-cs"/>
+              </a:defRPr>
+            </a:lvl4pPr>
+            <a:lvl5pPr marL="1828800" indent="0" algn="ctr" defTabSz="914400" rtl="0" eaLnBrk="1" latinLnBrk="0" hangingPunct="1">
+              <a:lnSpc>
+                <a:spcPct val="90000"/>
+              </a:lnSpc>
+              <a:spcBef>
+                <a:spcPts val="500"/>
+              </a:spcBef>
+              <a:buFont typeface="Arial" panose="020B0604020202020204" pitchFamily="34" charset="0"/>
+              <a:buNone/>
+              <a:defRPr sz="1600" kern="1200">
+                <a:solidFill>
+                  <a:schemeClr val="tx1"/>
+                </a:solidFill>
+                <a:latin typeface="+mn-lt"/>
+                <a:ea typeface="+mn-ea"/>
+                <a:cs typeface="+mn-cs"/>
+              </a:defRPr>
+            </a:lvl5pPr>
+            <a:lvl6pPr marL="2286000" indent="0" algn="ctr" defTabSz="914400" rtl="0" eaLnBrk="1" latinLnBrk="0" hangingPunct="1">
+              <a:lnSpc>
+                <a:spcPct val="90000"/>
+              </a:lnSpc>
+              <a:spcBef>
+                <a:spcPts val="500"/>
+              </a:spcBef>
+              <a:buFont typeface="Arial" panose="020B0604020202020204" pitchFamily="34" charset="0"/>
+              <a:buNone/>
+              <a:defRPr sz="1600" kern="1200">
+                <a:solidFill>
+                  <a:schemeClr val="tx1"/>
+                </a:solidFill>
+                <a:latin typeface="+mn-lt"/>
+                <a:ea typeface="+mn-ea"/>
+                <a:cs typeface="+mn-cs"/>
+              </a:defRPr>
+            </a:lvl6pPr>
+            <a:lvl7pPr marL="2743200" indent="0" algn="ctr" defTabSz="914400" rtl="0" eaLnBrk="1" latinLnBrk="0" hangingPunct="1">
+              <a:lnSpc>
+                <a:spcPct val="90000"/>
+              </a:lnSpc>
+              <a:spcBef>
+                <a:spcPts val="500"/>
+              </a:spcBef>
+              <a:buFont typeface="Arial" panose="020B0604020202020204" pitchFamily="34" charset="0"/>
+              <a:buNone/>
+              <a:defRPr sz="1600" kern="1200">
+                <a:solidFill>
+                  <a:schemeClr val="tx1"/>
+                </a:solidFill>
+                <a:latin typeface="+mn-lt"/>
+                <a:ea typeface="+mn-ea"/>
+                <a:cs typeface="+mn-cs"/>
+              </a:defRPr>
+            </a:lvl7pPr>
+            <a:lvl8pPr marL="3200400" indent="0" algn="ctr" defTabSz="914400" rtl="0" eaLnBrk="1" latinLnBrk="0" hangingPunct="1">
+              <a:lnSpc>
+                <a:spcPct val="90000"/>
+              </a:lnSpc>
+              <a:spcBef>
+                <a:spcPts val="500"/>
+              </a:spcBef>
+              <a:buFont typeface="Arial" panose="020B0604020202020204" pitchFamily="34" charset="0"/>
+              <a:buNone/>
+              <a:defRPr sz="1600" kern="1200">
+                <a:solidFill>
+                  <a:schemeClr val="tx1"/>
+                </a:solidFill>
+                <a:latin typeface="+mn-lt"/>
+                <a:ea typeface="+mn-ea"/>
+                <a:cs typeface="+mn-cs"/>
+              </a:defRPr>
+            </a:lvl8pPr>
+            <a:lvl9pPr marL="3657600" indent="0" algn="ctr" defTabSz="914400" rtl="0" eaLnBrk="1" latinLnBrk="0" hangingPunct="1">
+              <a:lnSpc>
+                <a:spcPct val="90000"/>
+              </a:lnSpc>
+              <a:spcBef>
+                <a:spcPts val="500"/>
+              </a:spcBef>
+              <a:buFont typeface="Arial" panose="020B0604020202020204" pitchFamily="34" charset="0"/>
+              <a:buNone/>
+              <a:defRPr sz="1600" kern="1200">
+                <a:solidFill>
+                  <a:schemeClr val="tx1"/>
+                </a:solidFill>
+                <a:latin typeface="+mn-lt"/>
+                <a:ea typeface="+mn-ea"/>
+                <a:cs typeface="+mn-cs"/>
+              </a:defRPr>
+            </a:lvl9pPr>
+          </a:lstStyle>
+          <a:p>
+            <a:pPr algn="l"/>
+            <a:r>
+              <a:rPr lang="zh-CN" altLang="en-US" sz="1600" b="0" i="0" kern="1200" dirty="0">
+                <a:solidFill>
+                  <a:schemeClr val="bg1"/>
+                </a:solidFill>
+                <a:effectLst/>
+                <a:latin typeface="+mn-lt"/>
+                <a:ea typeface="+mn-ea"/>
+                <a:cs typeface="+mn-cs"/>
+              </a:rPr>
+              <a:t>作者日期说明</a:t>
+            </a:r>
+          </a:p>
+        </p:txBody>
+      </p:sp>
+    </p:spTree>
+    <p:extLst>
+      <p:ext uri="{BB962C8B-B14F-4D97-AF65-F5344CB8AC3E}">
+        <p14:creationId xmlns:p14="http://schemas.microsoft.com/office/powerpoint/2010/main" val="1941124380"/>
+      </p:ext>
+    </p:extLst>
+  </p:cSld>
+  <p:clrMapOvr>
+    <a:masterClrMapping/>
+  </p:clrMapOvr>
+</p:sldLayout>
+</file>
+
+<file path=ppt/slideLayouts/slideLayout10.xml><?xml version="1.0" encoding="utf-8"?>
 <p:sldLayout xmlns:a="http://schemas.openxmlformats.org/drawingml/2006/main" xmlns:r="http://schemas.openxmlformats.org/officeDocument/2006/relationships" xmlns:p="http://schemas.openxmlformats.org/presentationml/2006/main" preserve="1" userDrawn="1">
+  <p:cSld name="标题和竖排文字">
+    <p:spTree>
+      <p:nvGrpSpPr>
+        <p:cNvPr id="1" name=""/>
+        <p:cNvGrpSpPr/>
+        <p:nvPr/>
+      </p:nvGrpSpPr>
+      <p:grpSpPr>
+        <a:xfrm>
+          <a:off x="0" y="0"/>
+          <a:ext cx="0" cy="0"/>
+          <a:chOff x="0" y="0"/>
+          <a:chExt cx="0" cy="0"/>
+        </a:xfrm>
+      </p:grpSpPr>
+      <p:sp>
+        <p:nvSpPr>
+          <p:cNvPr id="4" name="日期占位符 3">
+            <a:extLst>
+              <a:ext uri="{FF2B5EF4-FFF2-40B4-BE49-F238E27FC236}">
+                <a16:creationId xmlns:a16="http://schemas.microsoft.com/office/drawing/2014/main" id="{1FDCA784-0A05-514C-A0FF-A017F2D42755}"/>
+              </a:ext>
+            </a:extLst>
+          </p:cNvPr>
+          <p:cNvSpPr>
+            <a:spLocks noGrp="1"/>
+          </p:cNvSpPr>
+          <p:nvPr>
+            <p:ph type="dt" sz="half" idx="10"/>
+          </p:nvPr>
+        </p:nvSpPr>
+        <p:spPr/>
+        <p:txBody>
+          <a:bodyPr/>
+          <a:lstStyle/>
+          <a:p>
+            <a:fld id="{E9D72C00-5B30-4947-A6A0-816C099A8315}" type="datetimeFigureOut">
+              <a:rPr kumimoji="1" lang="zh-CN" altLang="en-US" smtClean="0"/>
+              <a:t>2023/3/24</a:t>
+            </a:fld>
+            <a:endParaRPr kumimoji="1" lang="zh-CN" altLang="en-US"/>
+          </a:p>
+        </p:txBody>
+      </p:sp>
+      <p:sp>
+        <p:nvSpPr>
+          <p:cNvPr id="5" name="页脚占位符 4">
+            <a:extLst>
+              <a:ext uri="{FF2B5EF4-FFF2-40B4-BE49-F238E27FC236}">
+                <a16:creationId xmlns:a16="http://schemas.microsoft.com/office/drawing/2014/main" id="{23F02EB5-30F5-D448-8A19-E1B08E1A95B4}"/>
+              </a:ext>
+            </a:extLst>
+          </p:cNvPr>
+          <p:cNvSpPr>
+            <a:spLocks noGrp="1"/>
+          </p:cNvSpPr>
+          <p:nvPr>
+            <p:ph type="ftr" sz="quarter" idx="11"/>
+          </p:nvPr>
+        </p:nvSpPr>
+        <p:spPr/>
+        <p:txBody>
+          <a:bodyPr/>
+          <a:lstStyle/>
+          <a:p>
+            <a:endParaRPr kumimoji="1" lang="zh-CN" altLang="en-US"/>
+          </a:p>
+        </p:txBody>
+      </p:sp>
+      <p:sp>
+        <p:nvSpPr>
+          <p:cNvPr id="6" name="灯片编号占位符 5">
+            <a:extLst>
+              <a:ext uri="{FF2B5EF4-FFF2-40B4-BE49-F238E27FC236}">
+                <a16:creationId xmlns:a16="http://schemas.microsoft.com/office/drawing/2014/main" id="{F7922880-1D5F-7C42-BD06-F891CDD6AD8B}"/>
+              </a:ext>
+            </a:extLst>
+          </p:cNvPr>
+          <p:cNvSpPr>
+            <a:spLocks noGrp="1"/>
+          </p:cNvSpPr>
+          <p:nvPr>
+            <p:ph type="sldNum" sz="quarter" idx="12"/>
+          </p:nvPr>
+        </p:nvSpPr>
+        <p:spPr/>
+        <p:txBody>
+          <a:bodyPr/>
+          <a:lstStyle/>
+          <a:p>
+            <a:fld id="{391D3646-2F20-B841-87F3-910C3752A608}" type="slidenum">
+              <a:rPr kumimoji="1" lang="zh-CN" altLang="en-US" smtClean="0"/>
+              <a:t>‹#›</a:t>
+            </a:fld>
+            <a:endParaRPr kumimoji="1" lang="zh-CN" altLang="en-US"/>
+          </a:p>
+        </p:txBody>
+      </p:sp>
+      <p:sp>
+        <p:nvSpPr>
+          <p:cNvPr id="7" name="文本框 6">
+            <a:extLst>
+              <a:ext uri="{FF2B5EF4-FFF2-40B4-BE49-F238E27FC236}">
+                <a16:creationId xmlns:a16="http://schemas.microsoft.com/office/drawing/2014/main" id="{A3F69339-8020-934E-9D4C-0A6A11CC5C8C}"/>
+              </a:ext>
+            </a:extLst>
+          </p:cNvPr>
+          <p:cNvSpPr txBox="1"/>
+          <p:nvPr userDrawn="1"/>
+        </p:nvSpPr>
+        <p:spPr>
+          <a:xfrm>
+            <a:off x="5047475" y="3105834"/>
+            <a:ext cx="2097049" cy="646331"/>
+          </a:xfrm>
+          <a:prstGeom prst="rect">
+            <a:avLst/>
+          </a:prstGeom>
+          <a:noFill/>
+        </p:spPr>
+        <p:txBody>
+          <a:bodyPr wrap="none" rtlCol="0">
+            <a:spAutoFit/>
+          </a:bodyPr>
+          <a:lstStyle/>
+          <a:p>
+            <a:pPr marL="0" marR="0" lvl="0" indent="0" algn="l" defTabSz="914400" rtl="0" eaLnBrk="1" fontAlgn="auto" latinLnBrk="0" hangingPunct="1">
+              <a:lnSpc>
+                <a:spcPct val="100000"/>
+              </a:lnSpc>
+              <a:spcBef>
+                <a:spcPts val="0"/>
+              </a:spcBef>
+              <a:spcAft>
+                <a:spcPts val="0"/>
+              </a:spcAft>
+              <a:buClrTx/>
+              <a:buSzTx/>
+              <a:buFontTx/>
+              <a:buNone/>
+              <a:tabLst/>
+              <a:defRPr/>
+            </a:pPr>
+            <a:r>
+              <a:rPr lang="en" altLang="zh-CN" sz="3600" b="0" i="0" kern="1200" dirty="0">
+                <a:solidFill>
+                  <a:schemeClr val="tx1"/>
+                </a:solidFill>
+                <a:effectLst/>
+                <a:latin typeface="FZLanTingHeiS-B-GB" panose="02000000000000000000" pitchFamily="2" charset="-122"/>
+                <a:ea typeface="FZLanTingHeiS-B-GB" panose="02000000000000000000" pitchFamily="2" charset="-122"/>
+                <a:cs typeface="+mn-cs"/>
+              </a:rPr>
+              <a:t>Thanks</a:t>
+            </a:r>
+            <a:endParaRPr lang="zh-CN" altLang="en-US" sz="3600" b="0" i="0" kern="1200" dirty="0">
+              <a:solidFill>
+                <a:schemeClr val="tx1"/>
+              </a:solidFill>
+              <a:effectLst/>
+              <a:latin typeface="FZLanTingHeiS-B-GB" panose="02000000000000000000" pitchFamily="2" charset="-122"/>
+              <a:ea typeface="FZLanTingHeiS-B-GB" panose="02000000000000000000" pitchFamily="2" charset="-122"/>
+              <a:cs typeface="+mn-cs"/>
+            </a:endParaRPr>
+          </a:p>
+        </p:txBody>
+      </p:sp>
+    </p:spTree>
+    <p:extLst>
+      <p:ext uri="{BB962C8B-B14F-4D97-AF65-F5344CB8AC3E}">
+        <p14:creationId xmlns:p14="http://schemas.microsoft.com/office/powerpoint/2010/main" val="2622663574"/>
+      </p:ext>
+    </p:extLst>
+  </p:cSld>
+  <p:clrMapOvr>
+    <a:masterClrMapping/>
+  </p:clrMapOvr>
+</p:sldLayout>
+</file>
+
+<file path=ppt/slideLayouts/slideLayout11.xml><?xml version="1.0" encoding="utf-8"?>
+<p:sldLayout xmlns:a="http://schemas.openxmlformats.org/drawingml/2006/main" xmlns:r="http://schemas.openxmlformats.org/officeDocument/2006/relationships" xmlns:p="http://schemas.openxmlformats.org/presentationml/2006/main" preserve="1" userDrawn="1">
+  <p:cSld name="竖排标题与文本">
+    <p:spTree>
+      <p:nvGrpSpPr>
+        <p:cNvPr id="1" name=""/>
+        <p:cNvGrpSpPr/>
+        <p:nvPr/>
+      </p:nvGrpSpPr>
+      <p:grpSpPr>
+        <a:xfrm>
+          <a:off x="0" y="0"/>
+          <a:ext cx="0" cy="0"/>
+          <a:chOff x="0" y="0"/>
+          <a:chExt cx="0" cy="0"/>
+        </a:xfrm>
+      </p:grpSpPr>
+      <p:pic>
+        <p:nvPicPr>
+          <p:cNvPr id="7" name="图片 6">
+            <a:extLst>
+              <a:ext uri="{FF2B5EF4-FFF2-40B4-BE49-F238E27FC236}">
+                <a16:creationId xmlns:a16="http://schemas.microsoft.com/office/drawing/2014/main" id="{0184DB6D-DC3D-5849-9974-FE960383A56B}"/>
+              </a:ext>
+            </a:extLst>
+          </p:cNvPr>
+          <p:cNvPicPr>
+            <a:picLocks noChangeAspect="1"/>
+          </p:cNvPicPr>
+          <p:nvPr userDrawn="1"/>
+        </p:nvPicPr>
+        <p:blipFill>
+          <a:blip r:embed="rId2">
+            <a:extLst>
+              <a:ext uri="{28A0092B-C50C-407E-A947-70E740481C1C}">
+                <a14:useLocalDpi xmlns:a14="http://schemas.microsoft.com/office/drawing/2010/main" val="0"/>
+              </a:ext>
+            </a:extLst>
+          </a:blip>
+          <a:stretch>
+            <a:fillRect/>
+          </a:stretch>
+        </p:blipFill>
+        <p:spPr>
+          <a:xfrm>
+            <a:off x="0" y="0"/>
+            <a:ext cx="12192000" cy="6858000"/>
+          </a:xfrm>
+          <a:prstGeom prst="rect">
+            <a:avLst/>
+          </a:prstGeom>
+        </p:spPr>
+      </p:pic>
+      <p:sp>
+        <p:nvSpPr>
+          <p:cNvPr id="4" name="日期占位符 3">
+            <a:extLst>
+              <a:ext uri="{FF2B5EF4-FFF2-40B4-BE49-F238E27FC236}">
+                <a16:creationId xmlns:a16="http://schemas.microsoft.com/office/drawing/2014/main" id="{11939576-5B5A-DD48-A597-1A073B6DB23D}"/>
+              </a:ext>
+            </a:extLst>
+          </p:cNvPr>
+          <p:cNvSpPr>
+            <a:spLocks noGrp="1"/>
+          </p:cNvSpPr>
+          <p:nvPr>
+            <p:ph type="dt" sz="half" idx="10"/>
+          </p:nvPr>
+        </p:nvSpPr>
+        <p:spPr/>
+        <p:txBody>
+          <a:bodyPr/>
+          <a:lstStyle/>
+          <a:p>
+            <a:fld id="{E9D72C00-5B30-4947-A6A0-816C099A8315}" type="datetimeFigureOut">
+              <a:rPr kumimoji="1" lang="zh-CN" altLang="en-US" smtClean="0"/>
+              <a:t>2023/3/24</a:t>
+            </a:fld>
+            <a:endParaRPr kumimoji="1" lang="zh-CN" altLang="en-US"/>
+          </a:p>
+        </p:txBody>
+      </p:sp>
+      <p:sp>
+        <p:nvSpPr>
+          <p:cNvPr id="5" name="页脚占位符 4">
+            <a:extLst>
+              <a:ext uri="{FF2B5EF4-FFF2-40B4-BE49-F238E27FC236}">
+                <a16:creationId xmlns:a16="http://schemas.microsoft.com/office/drawing/2014/main" id="{FBEAFE51-C0A1-8046-8BB6-8CFBD57A3A19}"/>
+              </a:ext>
+            </a:extLst>
+          </p:cNvPr>
+          <p:cNvSpPr>
+            <a:spLocks noGrp="1"/>
+          </p:cNvSpPr>
+          <p:nvPr>
+            <p:ph type="ftr" sz="quarter" idx="11"/>
+          </p:nvPr>
+        </p:nvSpPr>
+        <p:spPr/>
+        <p:txBody>
+          <a:bodyPr/>
+          <a:lstStyle/>
+          <a:p>
+            <a:endParaRPr kumimoji="1" lang="zh-CN" altLang="en-US"/>
+          </a:p>
+        </p:txBody>
+      </p:sp>
+      <p:sp>
+        <p:nvSpPr>
+          <p:cNvPr id="6" name="灯片编号占位符 5">
+            <a:extLst>
+              <a:ext uri="{FF2B5EF4-FFF2-40B4-BE49-F238E27FC236}">
+                <a16:creationId xmlns:a16="http://schemas.microsoft.com/office/drawing/2014/main" id="{DD8A6860-5DED-7D45-8E22-3E7D8AB33F0B}"/>
+              </a:ext>
+            </a:extLst>
+          </p:cNvPr>
+          <p:cNvSpPr>
+            <a:spLocks noGrp="1"/>
+          </p:cNvSpPr>
+          <p:nvPr>
+            <p:ph type="sldNum" sz="quarter" idx="12"/>
+          </p:nvPr>
+        </p:nvSpPr>
+        <p:spPr/>
+        <p:txBody>
+          <a:bodyPr/>
+          <a:lstStyle/>
+          <a:p>
+            <a:fld id="{391D3646-2F20-B841-87F3-910C3752A608}" type="slidenum">
+              <a:rPr kumimoji="1" lang="zh-CN" altLang="en-US" smtClean="0"/>
+              <a:t>‹#›</a:t>
+            </a:fld>
+            <a:endParaRPr kumimoji="1" lang="zh-CN" altLang="en-US"/>
+          </a:p>
+        </p:txBody>
+      </p:sp>
+    </p:spTree>
+    <p:extLst>
+      <p:ext uri="{BB962C8B-B14F-4D97-AF65-F5344CB8AC3E}">
+        <p14:creationId xmlns:p14="http://schemas.microsoft.com/office/powerpoint/2010/main" val="924515850"/>
+      </p:ext>
+    </p:extLst>
+  </p:cSld>
+  <p:clrMapOvr>
+    <a:masterClrMapping/>
+  </p:clrMapOvr>
+</p:sldLayout>
+</file>
+
+<file path=ppt/slideLayouts/slideLayout12.xml><?xml version="1.0" encoding="utf-8"?>
+<p:sldLayout xmlns:a="http://schemas.openxmlformats.org/drawingml/2006/main" xmlns:r="http://schemas.openxmlformats.org/officeDocument/2006/relationships" xmlns:p="http://schemas.openxmlformats.org/presentationml/2006/main" userDrawn="1">
   <p:cSld name="封面">
     <p:spTree>
       <p:nvGrpSpPr>
@@ -489,46 +1319,111 @@
           <a:chExt cx="0" cy="0"/>
         </a:xfrm>
       </p:grpSpPr>
-      <p:sp>
-        <p:nvSpPr>
-          <p:cNvPr id="31" name="标题 1"/>
-          <p:cNvSpPr>
-            <a:spLocks noGrp="1"/>
-          </p:cNvSpPr>
-          <p:nvPr>
-            <p:ph type="ctrTitle" hasCustomPrompt="1"/>
-          </p:nvPr>
-        </p:nvSpPr>
-        <p:spPr>
-          <a:xfrm>
-            <a:off x="1531730" y="2768355"/>
-            <a:ext cx="8160910" cy="701731"/>
+      <p:pic>
+        <p:nvPicPr>
+          <p:cNvPr id="8" name="图片 7">
+            <a:extLst>
+              <a:ext uri="{FF2B5EF4-FFF2-40B4-BE49-F238E27FC236}">
+                <a16:creationId xmlns:a16="http://schemas.microsoft.com/office/drawing/2014/main" id="{E62B36D2-E419-4E44-90D2-08B88292A6B8}"/>
+              </a:ext>
+            </a:extLst>
+          </p:cNvPr>
+          <p:cNvPicPr>
+            <a:picLocks noChangeAspect="1"/>
+          </p:cNvPicPr>
+          <p:nvPr userDrawn="1"/>
+        </p:nvPicPr>
+        <p:blipFill>
+          <a:blip r:embed="rId2">
+            <a:extLst>
+              <a:ext uri="{28A0092B-C50C-407E-A947-70E740481C1C}">
+                <a14:useLocalDpi xmlns:a14="http://schemas.microsoft.com/office/drawing/2010/main" val="0"/>
+              </a:ext>
+            </a:extLst>
+          </a:blip>
+          <a:stretch>
+            <a:fillRect/>
+          </a:stretch>
+        </p:blipFill>
+        <p:spPr>
+          <a:xfrm>
+            <a:off x="0" y="0"/>
+            <a:ext cx="12192000" cy="6858000"/>
           </a:xfrm>
           <a:prstGeom prst="rect">
             <a:avLst/>
           </a:prstGeom>
         </p:spPr>
-        <p:txBody>
-          <a:bodyPr anchor="ctr" anchorCtr="0">
-            <a:spAutoFit/>
-          </a:bodyPr>
+      </p:pic>
+      <p:pic>
+        <p:nvPicPr>
+          <p:cNvPr id="7" name="图片 6">
+            <a:extLst>
+              <a:ext uri="{FF2B5EF4-FFF2-40B4-BE49-F238E27FC236}">
+                <a16:creationId xmlns:a16="http://schemas.microsoft.com/office/drawing/2014/main" id="{004DB21C-2091-6646-83E1-109BEA7C560F}"/>
+              </a:ext>
+            </a:extLst>
+          </p:cNvPr>
+          <p:cNvPicPr>
+            <a:picLocks noChangeAspect="1"/>
+          </p:cNvPicPr>
+          <p:nvPr userDrawn="1"/>
+        </p:nvPicPr>
+        <p:blipFill>
+          <a:blip r:embed="rId3">
+            <a:biLevel thresh="25000"/>
+          </a:blip>
+          <a:stretch>
+            <a:fillRect/>
+          </a:stretch>
+        </p:blipFill>
+        <p:spPr>
+          <a:xfrm>
+            <a:off x="11458742" y="6178531"/>
+            <a:ext cx="441605" cy="469792"/>
+          </a:xfrm>
+          <a:prstGeom prst="rect">
+            <a:avLst/>
+          </a:prstGeom>
+        </p:spPr>
+      </p:pic>
+      <p:sp>
+        <p:nvSpPr>
+          <p:cNvPr id="31" name="标题 1"/>
+          <p:cNvSpPr>
+            <a:spLocks noGrp="1"/>
+          </p:cNvSpPr>
+          <p:nvPr>
+            <p:ph type="ctrTitle" hasCustomPrompt="1"/>
+          </p:nvPr>
+        </p:nvSpPr>
+        <p:spPr>
+          <a:xfrm>
+            <a:off x="1531730" y="2708224"/>
+            <a:ext cx="8160910" cy="821994"/>
+          </a:xfrm>
+          <a:prstGeom prst="rect">
+            <a:avLst/>
+          </a:prstGeom>
+        </p:spPr>
+        <p:txBody>
+          <a:bodyPr anchor="ctr" anchorCtr="0"/>
           <a:lstStyle>
             <a:lvl1pPr algn="l">
-              <a:defRPr sz="4400">
+              <a:defRPr sz="4400" b="1" i="0">
                 <a:solidFill>
                   <a:schemeClr val="bg1"/>
                 </a:solidFill>
-                <a:latin typeface="微软雅黑" panose="020B0503020204020204" pitchFamily="34" charset="-122"/>
-                <a:ea typeface="微软雅黑" panose="020B0503020204020204" pitchFamily="34" charset="-122"/>
+                <a:latin typeface="Microsoft YaHei" panose="020B0503020204020204" pitchFamily="34" charset="-122"/>
+                <a:ea typeface="Microsoft YaHei" panose="020B0503020204020204" pitchFamily="34" charset="-122"/>
               </a:defRPr>
             </a:lvl1pPr>
           </a:lstStyle>
           <a:p>
             <a:r>
-              <a:rPr lang="zh-CN" altLang="en-US" smtClean="0"/>
+              <a:rPr lang="zh-CN" altLang="en-US" dirty="0"/>
               <a:t>单击此处添加标题</a:t>
             </a:r>
-            <a:endParaRPr lang="zh-CN" altLang="en-US"/>
           </a:p>
         </p:txBody>
       </p:sp>
@@ -600,7 +1495,7 @@
           <a:p>
             <a:pPr lvl="0"/>
             <a:r>
-              <a:rPr lang="zh-CN" altLang="en-US" smtClean="0"/>
+              <a:rPr lang="zh-CN" altLang="en-US" dirty="0"/>
               <a:t>单击此处添加演讲人</a:t>
             </a:r>
           </a:p>
@@ -609,25 +1504,18 @@
     </p:spTree>
     <p:extLst>
       <p:ext uri="{BB962C8B-B14F-4D97-AF65-F5344CB8AC3E}">
-        <p14:creationId xmlns:p14="http://schemas.microsoft.com/office/powerpoint/2010/main" val="1189740406"/>
+        <p14:creationId xmlns:p14="http://schemas.microsoft.com/office/powerpoint/2010/main" val="3112298907"/>
       </p:ext>
     </p:extLst>
   </p:cSld>
   <p:clrMapOvr>
     <a:masterClrMapping/>
   </p:clrMapOvr>
-  <p:timing>
-    <p:tnLst>
-      <p:par>
-        <p:cTn id="1" dur="indefinite" restart="never" nodeType="tmRoot"/>
-      </p:par>
-    </p:tnLst>
-  </p:timing>
 </p:sldLayout>
 </file>
 
-<file path=ppt/slideLayouts/slideLayout2.xml><?xml version="1.0" encoding="utf-8"?>
-<p:sldLayout xmlns:a="http://schemas.openxmlformats.org/drawingml/2006/main" xmlns:r="http://schemas.openxmlformats.org/officeDocument/2006/relationships" xmlns:p="http://schemas.openxmlformats.org/presentationml/2006/main" preserve="1" userDrawn="1">
+<file path=ppt/slideLayouts/slideLayout13.xml><?xml version="1.0" encoding="utf-8"?>
+<p:sldLayout xmlns:a="http://schemas.openxmlformats.org/drawingml/2006/main" xmlns:r="http://schemas.openxmlformats.org/officeDocument/2006/relationships" xmlns:p="http://schemas.openxmlformats.org/presentationml/2006/main" userDrawn="1">
   <p:cSld name="目录">
     <p:spTree>
       <p:nvGrpSpPr>
@@ -643,6 +1531,74 @@
           <a:chExt cx="0" cy="0"/>
         </a:xfrm>
       </p:grpSpPr>
+      <p:pic>
+        <p:nvPicPr>
+          <p:cNvPr id="18" name="图片 17">
+            <a:extLst>
+              <a:ext uri="{FF2B5EF4-FFF2-40B4-BE49-F238E27FC236}">
+                <a16:creationId xmlns:a16="http://schemas.microsoft.com/office/drawing/2014/main" id="{534B4A7A-C8BE-B148-B0A8-EF148E355525}"/>
+              </a:ext>
+            </a:extLst>
+          </p:cNvPr>
+          <p:cNvPicPr>
+            <a:picLocks noChangeAspect="1"/>
+          </p:cNvPicPr>
+          <p:nvPr userDrawn="1"/>
+        </p:nvPicPr>
+        <p:blipFill>
+          <a:blip r:embed="rId2">
+            <a:extLst>
+              <a:ext uri="{28A0092B-C50C-407E-A947-70E740481C1C}">
+                <a14:useLocalDpi xmlns:a14="http://schemas.microsoft.com/office/drawing/2010/main" val="0"/>
+              </a:ext>
+            </a:extLst>
+          </a:blip>
+          <a:stretch>
+            <a:fillRect/>
+          </a:stretch>
+        </p:blipFill>
+        <p:spPr>
+          <a:xfrm>
+            <a:off x="0" y="0"/>
+            <a:ext cx="12192000" cy="6858000"/>
+          </a:xfrm>
+          <a:prstGeom prst="rect">
+            <a:avLst/>
+          </a:prstGeom>
+        </p:spPr>
+      </p:pic>
+      <p:pic>
+        <p:nvPicPr>
+          <p:cNvPr id="13" name="图片 12">
+            <a:extLst>
+              <a:ext uri="{FF2B5EF4-FFF2-40B4-BE49-F238E27FC236}">
+                <a16:creationId xmlns:a16="http://schemas.microsoft.com/office/drawing/2014/main" id="{51000D98-6D57-604D-AAA7-0A27D1C8CB2A}"/>
+              </a:ext>
+            </a:extLst>
+          </p:cNvPr>
+          <p:cNvPicPr>
+            <a:picLocks noChangeAspect="1"/>
+          </p:cNvPicPr>
+          <p:nvPr userDrawn="1"/>
+        </p:nvPicPr>
+        <p:blipFill>
+          <a:blip r:embed="rId3">
+            <a:biLevel thresh="25000"/>
+          </a:blip>
+          <a:stretch>
+            <a:fillRect/>
+          </a:stretch>
+        </p:blipFill>
+        <p:spPr>
+          <a:xfrm>
+            <a:off x="11458742" y="6178531"/>
+            <a:ext cx="441605" cy="469792"/>
+          </a:xfrm>
+          <a:prstGeom prst="rect">
+            <a:avLst/>
+          </a:prstGeom>
+        </p:spPr>
+      </p:pic>
       <p:sp>
         <p:nvSpPr>
           <p:cNvPr id="31" name="Rectangle 13"/>
@@ -658,7 +1614,7 @@
             <a:avLst/>
           </a:prstGeom>
           <a:solidFill>
-            <a:schemeClr val="bg1"/>
+            <a:srgbClr val="9A74EA"/>
           </a:solidFill>
           <a:ln>
             <a:noFill/>
@@ -685,20 +1641,387 @@
           <a:lstStyle/>
           <a:p>
             <a:pPr algn="ctr"/>
-            <a:endParaRPr lang="en-US">
-              <a:ln>
-                <a:noFill/>
-              </a:ln>
-              <a:solidFill>
-                <a:schemeClr val="bg1"/>
-              </a:solidFill>
-            </a:endParaRPr>
-          </a:p>
-        </p:txBody>
-      </p:sp>
-      <p:sp>
-        <p:nvSpPr>
-          <p:cNvPr id="32" name="圆角矩形 31"/>
+            <a:endParaRPr lang="en-US"/>
+          </a:p>
+        </p:txBody>
+      </p:sp>
+      <p:sp>
+        <p:nvSpPr>
+          <p:cNvPr id="44" name="文本占位符 2"/>
+          <p:cNvSpPr>
+            <a:spLocks noGrp="1"/>
+          </p:cNvSpPr>
+          <p:nvPr userDrawn="1">
+            <p:ph type="body" idx="1" hasCustomPrompt="1"/>
+          </p:nvPr>
+        </p:nvSpPr>
+        <p:spPr>
+          <a:xfrm>
+            <a:off x="877253" y="665625"/>
+            <a:ext cx="5157787" cy="540000"/>
+          </a:xfrm>
+          <a:prstGeom prst="rect">
+            <a:avLst/>
+          </a:prstGeom>
+        </p:spPr>
+        <p:txBody>
+          <a:bodyPr anchor="ctr" anchorCtr="0"/>
+          <a:lstStyle>
+            <a:lvl1pPr marL="0" indent="0">
+              <a:buNone/>
+              <a:defRPr sz="3200" b="0">
+                <a:solidFill>
+                  <a:schemeClr val="bg1"/>
+                </a:solidFill>
+                <a:latin typeface="微软雅黑" panose="020B0503020204020204" pitchFamily="34" charset="-122"/>
+                <a:ea typeface="微软雅黑" panose="020B0503020204020204" pitchFamily="34" charset="-122"/>
+              </a:defRPr>
+            </a:lvl1pPr>
+            <a:lvl2pPr marL="457200" indent="0">
+              <a:buNone/>
+              <a:defRPr sz="2000" b="1"/>
+            </a:lvl2pPr>
+            <a:lvl3pPr marL="914400" indent="0">
+              <a:buNone/>
+              <a:defRPr sz="1800" b="1"/>
+            </a:lvl3pPr>
+            <a:lvl4pPr marL="1371600" indent="0">
+              <a:buNone/>
+              <a:defRPr sz="1600" b="1"/>
+            </a:lvl4pPr>
+            <a:lvl5pPr marL="1828800" indent="0">
+              <a:buNone/>
+              <a:defRPr sz="1600" b="1"/>
+            </a:lvl5pPr>
+            <a:lvl6pPr marL="2286000" indent="0">
+              <a:buNone/>
+              <a:defRPr sz="1600" b="1"/>
+            </a:lvl6pPr>
+            <a:lvl7pPr marL="2743200" indent="0">
+              <a:buNone/>
+              <a:defRPr sz="1600" b="1"/>
+            </a:lvl7pPr>
+            <a:lvl8pPr marL="3200400" indent="0">
+              <a:buNone/>
+              <a:defRPr sz="1600" b="1"/>
+            </a:lvl8pPr>
+            <a:lvl9pPr marL="3657600" indent="0">
+              <a:buNone/>
+              <a:defRPr sz="1600" b="1"/>
+            </a:lvl9pPr>
+          </a:lstStyle>
+          <a:p>
+            <a:pPr lvl="0"/>
+            <a:r>
+              <a:rPr lang="zh-CN" altLang="en-US" dirty="0"/>
+              <a:t>目录</a:t>
+            </a:r>
+          </a:p>
+        </p:txBody>
+      </p:sp>
+      <p:sp>
+        <p:nvSpPr>
+          <p:cNvPr id="45" name="文本占位符 2"/>
+          <p:cNvSpPr>
+            <a:spLocks noGrp="1"/>
+          </p:cNvSpPr>
+          <p:nvPr>
+            <p:ph type="body" idx="10" hasCustomPrompt="1"/>
+          </p:nvPr>
+        </p:nvSpPr>
+        <p:spPr>
+          <a:xfrm>
+            <a:off x="1513784" y="1765348"/>
+            <a:ext cx="5157787" cy="540000"/>
+          </a:xfrm>
+          <a:prstGeom prst="rect">
+            <a:avLst/>
+          </a:prstGeom>
+        </p:spPr>
+        <p:txBody>
+          <a:bodyPr anchor="ctr" anchorCtr="0"/>
+          <a:lstStyle>
+            <a:lvl1pPr marL="0" indent="0">
+              <a:buNone/>
+              <a:defRPr sz="2600" b="0">
+                <a:solidFill>
+                  <a:schemeClr val="bg1"/>
+                </a:solidFill>
+                <a:latin typeface="微软雅黑" panose="020B0503020204020204" pitchFamily="34" charset="-122"/>
+                <a:ea typeface="微软雅黑" panose="020B0503020204020204" pitchFamily="34" charset="-122"/>
+              </a:defRPr>
+            </a:lvl1pPr>
+            <a:lvl2pPr marL="457200" indent="0">
+              <a:buNone/>
+              <a:defRPr sz="2000" b="1"/>
+            </a:lvl2pPr>
+            <a:lvl3pPr marL="914400" indent="0">
+              <a:buNone/>
+              <a:defRPr sz="1800" b="1"/>
+            </a:lvl3pPr>
+            <a:lvl4pPr marL="1371600" indent="0">
+              <a:buNone/>
+              <a:defRPr sz="1600" b="1"/>
+            </a:lvl4pPr>
+            <a:lvl5pPr marL="1828800" indent="0">
+              <a:buNone/>
+              <a:defRPr sz="1600" b="1"/>
+            </a:lvl5pPr>
+            <a:lvl6pPr marL="2286000" indent="0">
+              <a:buNone/>
+              <a:defRPr sz="1600" b="1"/>
+            </a:lvl6pPr>
+            <a:lvl7pPr marL="2743200" indent="0">
+              <a:buNone/>
+              <a:defRPr sz="1600" b="1"/>
+            </a:lvl7pPr>
+            <a:lvl8pPr marL="3200400" indent="0">
+              <a:buNone/>
+              <a:defRPr sz="1600" b="1"/>
+            </a:lvl8pPr>
+            <a:lvl9pPr marL="3657600" indent="0">
+              <a:buNone/>
+              <a:defRPr sz="1600" b="1"/>
+            </a:lvl9pPr>
+          </a:lstStyle>
+          <a:p>
+            <a:pPr lvl="0"/>
+            <a:r>
+              <a:rPr lang="zh-CN" altLang="en-US" dirty="0"/>
+              <a:t>单击此处添加章节标题</a:t>
+            </a:r>
+            <a:endParaRPr lang="en-US" altLang="zh-CN" dirty="0"/>
+          </a:p>
+        </p:txBody>
+      </p:sp>
+      <p:sp>
+        <p:nvSpPr>
+          <p:cNvPr id="46" name="文本占位符 2"/>
+          <p:cNvSpPr>
+            <a:spLocks noGrp="1"/>
+          </p:cNvSpPr>
+          <p:nvPr>
+            <p:ph type="body" idx="11" hasCustomPrompt="1"/>
+          </p:nvPr>
+        </p:nvSpPr>
+        <p:spPr>
+          <a:xfrm>
+            <a:off x="1513783" y="2798679"/>
+            <a:ext cx="5157787" cy="540000"/>
+          </a:xfrm>
+          <a:prstGeom prst="rect">
+            <a:avLst/>
+          </a:prstGeom>
+        </p:spPr>
+        <p:txBody>
+          <a:bodyPr anchor="ctr" anchorCtr="0"/>
+          <a:lstStyle>
+            <a:lvl1pPr marL="0" indent="0">
+              <a:buNone/>
+              <a:defRPr sz="2600" b="0">
+                <a:solidFill>
+                  <a:schemeClr val="bg1"/>
+                </a:solidFill>
+                <a:latin typeface="微软雅黑" panose="020B0503020204020204" pitchFamily="34" charset="-122"/>
+                <a:ea typeface="微软雅黑" panose="020B0503020204020204" pitchFamily="34" charset="-122"/>
+              </a:defRPr>
+            </a:lvl1pPr>
+            <a:lvl2pPr marL="457200" indent="0">
+              <a:buNone/>
+              <a:defRPr sz="2000" b="1"/>
+            </a:lvl2pPr>
+            <a:lvl3pPr marL="914400" indent="0">
+              <a:buNone/>
+              <a:defRPr sz="1800" b="1"/>
+            </a:lvl3pPr>
+            <a:lvl4pPr marL="1371600" indent="0">
+              <a:buNone/>
+              <a:defRPr sz="1600" b="1"/>
+            </a:lvl4pPr>
+            <a:lvl5pPr marL="1828800" indent="0">
+              <a:buNone/>
+              <a:defRPr sz="1600" b="1"/>
+            </a:lvl5pPr>
+            <a:lvl6pPr marL="2286000" indent="0">
+              <a:buNone/>
+              <a:defRPr sz="1600" b="1"/>
+            </a:lvl6pPr>
+            <a:lvl7pPr marL="2743200" indent="0">
+              <a:buNone/>
+              <a:defRPr sz="1600" b="1"/>
+            </a:lvl7pPr>
+            <a:lvl8pPr marL="3200400" indent="0">
+              <a:buNone/>
+              <a:defRPr sz="1600" b="1"/>
+            </a:lvl8pPr>
+            <a:lvl9pPr marL="3657600" indent="0">
+              <a:buNone/>
+              <a:defRPr sz="1600" b="1"/>
+            </a:lvl9pPr>
+          </a:lstStyle>
+          <a:p>
+            <a:pPr lvl="0"/>
+            <a:r>
+              <a:rPr lang="zh-CN" altLang="en-US"/>
+              <a:t>单击此处添加章节标题</a:t>
+            </a:r>
+            <a:endParaRPr lang="en-US" altLang="zh-CN"/>
+          </a:p>
+        </p:txBody>
+      </p:sp>
+      <p:sp>
+        <p:nvSpPr>
+          <p:cNvPr id="47" name="文本占位符 2"/>
+          <p:cNvSpPr>
+            <a:spLocks noGrp="1"/>
+          </p:cNvSpPr>
+          <p:nvPr>
+            <p:ph type="body" idx="12" hasCustomPrompt="1"/>
+          </p:nvPr>
+        </p:nvSpPr>
+        <p:spPr>
+          <a:xfrm>
+            <a:off x="1513781" y="3849248"/>
+            <a:ext cx="5157787" cy="540000"/>
+          </a:xfrm>
+          <a:prstGeom prst="rect">
+            <a:avLst/>
+          </a:prstGeom>
+        </p:spPr>
+        <p:txBody>
+          <a:bodyPr anchor="ctr" anchorCtr="0"/>
+          <a:lstStyle>
+            <a:lvl1pPr marL="0" indent="0">
+              <a:buNone/>
+              <a:defRPr sz="2600" b="0">
+                <a:solidFill>
+                  <a:schemeClr val="bg1"/>
+                </a:solidFill>
+                <a:latin typeface="微软雅黑" panose="020B0503020204020204" pitchFamily="34" charset="-122"/>
+                <a:ea typeface="微软雅黑" panose="020B0503020204020204" pitchFamily="34" charset="-122"/>
+              </a:defRPr>
+            </a:lvl1pPr>
+            <a:lvl2pPr marL="457200" indent="0">
+              <a:buNone/>
+              <a:defRPr sz="2000" b="1"/>
+            </a:lvl2pPr>
+            <a:lvl3pPr marL="914400" indent="0">
+              <a:buNone/>
+              <a:defRPr sz="1800" b="1"/>
+            </a:lvl3pPr>
+            <a:lvl4pPr marL="1371600" indent="0">
+              <a:buNone/>
+              <a:defRPr sz="1600" b="1"/>
+            </a:lvl4pPr>
+            <a:lvl5pPr marL="1828800" indent="0">
+              <a:buNone/>
+              <a:defRPr sz="1600" b="1"/>
+            </a:lvl5pPr>
+            <a:lvl6pPr marL="2286000" indent="0">
+              <a:buNone/>
+              <a:defRPr sz="1600" b="1"/>
+            </a:lvl6pPr>
+            <a:lvl7pPr marL="2743200" indent="0">
+              <a:buNone/>
+              <a:defRPr sz="1600" b="1"/>
+            </a:lvl7pPr>
+            <a:lvl8pPr marL="3200400" indent="0">
+              <a:buNone/>
+              <a:defRPr sz="1600" b="1"/>
+            </a:lvl8pPr>
+            <a:lvl9pPr marL="3657600" indent="0">
+              <a:buNone/>
+              <a:defRPr sz="1600" b="1"/>
+            </a:lvl9pPr>
+          </a:lstStyle>
+          <a:p>
+            <a:pPr lvl="0"/>
+            <a:r>
+              <a:rPr lang="zh-CN" altLang="en-US"/>
+              <a:t>单击此处添加章节标题</a:t>
+            </a:r>
+            <a:endParaRPr lang="en-US" altLang="zh-CN"/>
+          </a:p>
+        </p:txBody>
+      </p:sp>
+      <p:sp>
+        <p:nvSpPr>
+          <p:cNvPr id="48" name="文本占位符 2"/>
+          <p:cNvSpPr>
+            <a:spLocks noGrp="1"/>
+          </p:cNvSpPr>
+          <p:nvPr>
+            <p:ph type="body" idx="13" hasCustomPrompt="1"/>
+          </p:nvPr>
+        </p:nvSpPr>
+        <p:spPr>
+          <a:xfrm>
+            <a:off x="1513781" y="4914127"/>
+            <a:ext cx="5157787" cy="540000"/>
+          </a:xfrm>
+          <a:prstGeom prst="rect">
+            <a:avLst/>
+          </a:prstGeom>
+        </p:spPr>
+        <p:txBody>
+          <a:bodyPr anchor="ctr" anchorCtr="0"/>
+          <a:lstStyle>
+            <a:lvl1pPr marL="0" indent="0">
+              <a:buNone/>
+              <a:defRPr sz="2600" b="0">
+                <a:solidFill>
+                  <a:schemeClr val="bg1"/>
+                </a:solidFill>
+                <a:latin typeface="微软雅黑" panose="020B0503020204020204" pitchFamily="34" charset="-122"/>
+                <a:ea typeface="微软雅黑" panose="020B0503020204020204" pitchFamily="34" charset="-122"/>
+              </a:defRPr>
+            </a:lvl1pPr>
+            <a:lvl2pPr marL="457200" indent="0">
+              <a:buNone/>
+              <a:defRPr sz="2000" b="1"/>
+            </a:lvl2pPr>
+            <a:lvl3pPr marL="914400" indent="0">
+              <a:buNone/>
+              <a:defRPr sz="1800" b="1"/>
+            </a:lvl3pPr>
+            <a:lvl4pPr marL="1371600" indent="0">
+              <a:buNone/>
+              <a:defRPr sz="1600" b="1"/>
+            </a:lvl4pPr>
+            <a:lvl5pPr marL="1828800" indent="0">
+              <a:buNone/>
+              <a:defRPr sz="1600" b="1"/>
+            </a:lvl5pPr>
+            <a:lvl6pPr marL="2286000" indent="0">
+              <a:buNone/>
+              <a:defRPr sz="1600" b="1"/>
+            </a:lvl6pPr>
+            <a:lvl7pPr marL="2743200" indent="0">
+              <a:buNone/>
+              <a:defRPr sz="1600" b="1"/>
+            </a:lvl7pPr>
+            <a:lvl8pPr marL="3200400" indent="0">
+              <a:buNone/>
+              <a:defRPr sz="1600" b="1"/>
+            </a:lvl8pPr>
+            <a:lvl9pPr marL="3657600" indent="0">
+              <a:buNone/>
+              <a:defRPr sz="1600" b="1"/>
+            </a:lvl9pPr>
+          </a:lstStyle>
+          <a:p>
+            <a:pPr lvl="0"/>
+            <a:r>
+              <a:rPr lang="zh-CN" altLang="en-US"/>
+              <a:t>单击此处添加章节标题</a:t>
+            </a:r>
+            <a:endParaRPr lang="en-US" altLang="zh-CN"/>
+          </a:p>
+        </p:txBody>
+      </p:sp>
+      <p:sp>
+        <p:nvSpPr>
+          <p:cNvPr id="14" name="圆角矩形 13"/>
           <p:cNvSpPr>
             <a:spLocks noChangeAspect="1"/>
           </p:cNvSpPr>
@@ -739,7 +2062,10 @@
           <a:p>
             <a:pPr algn="ctr"/>
             <a:r>
-              <a:rPr lang="en-US" altLang="zh-CN" sz="2800" smtClean="0">
+              <a:rPr lang="en-US" altLang="zh-CN" sz="2800">
+                <a:solidFill>
+                  <a:srgbClr val="9A74EA"/>
+                </a:solidFill>
                 <a:latin typeface="微软雅黑" panose="020B0503020204020204" pitchFamily="34" charset="-122"/>
                 <a:ea typeface="微软雅黑" panose="020B0503020204020204" pitchFamily="34" charset="-122"/>
               </a:rPr>
@@ -750,7 +2076,7 @@
       </p:sp>
       <p:sp>
         <p:nvSpPr>
-          <p:cNvPr id="37" name="圆角矩形 36"/>
+          <p:cNvPr id="15" name="圆角矩形 14"/>
           <p:cNvSpPr>
             <a:spLocks noChangeAspect="1"/>
           </p:cNvSpPr>
@@ -791,7 +2117,10 @@
           <a:p>
             <a:pPr algn="ctr"/>
             <a:r>
-              <a:rPr lang="en-US" altLang="zh-CN" sz="2800" smtClean="0">
+              <a:rPr lang="en-US" altLang="zh-CN" sz="2800">
+                <a:solidFill>
+                  <a:srgbClr val="9A74EA"/>
+                </a:solidFill>
                 <a:latin typeface="微软雅黑" panose="020B0503020204020204" pitchFamily="34" charset="-122"/>
                 <a:ea typeface="微软雅黑" panose="020B0503020204020204" pitchFamily="34" charset="-122"/>
               </a:rPr>
@@ -802,7 +2131,7 @@
       </p:sp>
       <p:sp>
         <p:nvSpPr>
-          <p:cNvPr id="40" name="圆角矩形 39"/>
+          <p:cNvPr id="16" name="圆角矩形 15"/>
           <p:cNvSpPr>
             <a:spLocks noChangeAspect="1"/>
           </p:cNvSpPr>
@@ -843,7 +2172,10 @@
           <a:p>
             <a:pPr algn="ctr"/>
             <a:r>
-              <a:rPr lang="en-US" altLang="zh-CN" sz="2800" smtClean="0">
+              <a:rPr lang="en-US" altLang="zh-CN" sz="2800">
+                <a:solidFill>
+                  <a:srgbClr val="9A74EA"/>
+                </a:solidFill>
                 <a:latin typeface="微软雅黑" panose="020B0503020204020204" pitchFamily="34" charset="-122"/>
                 <a:ea typeface="微软雅黑" panose="020B0503020204020204" pitchFamily="34" charset="-122"/>
               </a:rPr>
@@ -854,7 +2186,7 @@
       </p:sp>
       <p:sp>
         <p:nvSpPr>
-          <p:cNvPr id="43" name="圆角矩形 42"/>
+          <p:cNvPr id="17" name="圆角矩形 16"/>
           <p:cNvSpPr>
             <a:spLocks noChangeAspect="1"/>
           </p:cNvSpPr>
@@ -895,7 +2227,10 @@
           <a:p>
             <a:pPr algn="ctr"/>
             <a:r>
-              <a:rPr lang="en-US" altLang="zh-CN" sz="2800" smtClean="0">
+              <a:rPr lang="en-US" altLang="zh-CN" sz="2800">
+                <a:solidFill>
+                  <a:srgbClr val="9A74EA"/>
+                </a:solidFill>
                 <a:latin typeface="微软雅黑" panose="020B0503020204020204" pitchFamily="34" charset="-122"/>
                 <a:ea typeface="微软雅黑" panose="020B0503020204020204" pitchFamily="34" charset="-122"/>
               </a:rPr>
@@ -904,402 +2239,21 @@
           </a:p>
         </p:txBody>
       </p:sp>
-      <p:sp>
-        <p:nvSpPr>
-          <p:cNvPr id="44" name="文本占位符 2"/>
-          <p:cNvSpPr>
-            <a:spLocks noGrp="1"/>
-          </p:cNvSpPr>
-          <p:nvPr userDrawn="1">
-            <p:ph type="body" idx="1" hasCustomPrompt="1"/>
-          </p:nvPr>
-        </p:nvSpPr>
-        <p:spPr>
-          <a:xfrm>
-            <a:off x="877253" y="665625"/>
-            <a:ext cx="5157787" cy="540000"/>
-          </a:xfrm>
-          <a:prstGeom prst="rect">
-            <a:avLst/>
-          </a:prstGeom>
-        </p:spPr>
-        <p:txBody>
-          <a:bodyPr anchor="ctr" anchorCtr="0"/>
-          <a:lstStyle>
-            <a:lvl1pPr marL="0" indent="0">
-              <a:buNone/>
-              <a:defRPr sz="3200" b="0">
-                <a:solidFill>
-                  <a:schemeClr val="bg1"/>
-                </a:solidFill>
-                <a:latin typeface="微软雅黑" panose="020B0503020204020204" pitchFamily="34" charset="-122"/>
-                <a:ea typeface="微软雅黑" panose="020B0503020204020204" pitchFamily="34" charset="-122"/>
-              </a:defRPr>
-            </a:lvl1pPr>
-            <a:lvl2pPr marL="457200" indent="0">
-              <a:buNone/>
-              <a:defRPr sz="2000" b="1"/>
-            </a:lvl2pPr>
-            <a:lvl3pPr marL="914400" indent="0">
-              <a:buNone/>
-              <a:defRPr sz="1800" b="1"/>
-            </a:lvl3pPr>
-            <a:lvl4pPr marL="1371600" indent="0">
-              <a:buNone/>
-              <a:defRPr sz="1600" b="1"/>
-            </a:lvl4pPr>
-            <a:lvl5pPr marL="1828800" indent="0">
-              <a:buNone/>
-              <a:defRPr sz="1600" b="1"/>
-            </a:lvl5pPr>
-            <a:lvl6pPr marL="2286000" indent="0">
-              <a:buNone/>
-              <a:defRPr sz="1600" b="1"/>
-            </a:lvl6pPr>
-            <a:lvl7pPr marL="2743200" indent="0">
-              <a:buNone/>
-              <a:defRPr sz="1600" b="1"/>
-            </a:lvl7pPr>
-            <a:lvl8pPr marL="3200400" indent="0">
-              <a:buNone/>
-              <a:defRPr sz="1600" b="1"/>
-            </a:lvl8pPr>
-            <a:lvl9pPr marL="3657600" indent="0">
-              <a:buNone/>
-              <a:defRPr sz="1600" b="1"/>
-            </a:lvl9pPr>
-          </a:lstStyle>
-          <a:p>
-            <a:pPr lvl="0"/>
-            <a:r>
-              <a:rPr lang="zh-CN" altLang="en-US" smtClean="0"/>
-              <a:t>目录</a:t>
-            </a:r>
-          </a:p>
-        </p:txBody>
-      </p:sp>
-      <p:sp>
-        <p:nvSpPr>
-          <p:cNvPr id="45" name="文本占位符 2"/>
-          <p:cNvSpPr>
-            <a:spLocks noGrp="1"/>
-          </p:cNvSpPr>
-          <p:nvPr>
-            <p:ph type="body" idx="10" hasCustomPrompt="1"/>
-          </p:nvPr>
-        </p:nvSpPr>
-        <p:spPr>
-          <a:xfrm>
-            <a:off x="1357670" y="1765348"/>
-            <a:ext cx="5157787" cy="540000"/>
-          </a:xfrm>
-          <a:prstGeom prst="rect">
-            <a:avLst/>
-          </a:prstGeom>
-        </p:spPr>
-        <p:txBody>
-          <a:bodyPr anchor="ctr" anchorCtr="0"/>
-          <a:lstStyle>
-            <a:lvl1pPr marL="0" indent="0">
-              <a:buNone/>
-              <a:defRPr sz="2600" b="0">
-                <a:solidFill>
-                  <a:schemeClr val="bg1"/>
-                </a:solidFill>
-                <a:latin typeface="微软雅黑" panose="020B0503020204020204" pitchFamily="34" charset="-122"/>
-                <a:ea typeface="微软雅黑" panose="020B0503020204020204" pitchFamily="34" charset="-122"/>
-              </a:defRPr>
-            </a:lvl1pPr>
-            <a:lvl2pPr marL="457200" indent="0">
-              <a:buNone/>
-              <a:defRPr sz="2000" b="1"/>
-            </a:lvl2pPr>
-            <a:lvl3pPr marL="914400" indent="0">
-              <a:buNone/>
-              <a:defRPr sz="1800" b="1"/>
-            </a:lvl3pPr>
-            <a:lvl4pPr marL="1371600" indent="0">
-              <a:buNone/>
-              <a:defRPr sz="1600" b="1"/>
-            </a:lvl4pPr>
-            <a:lvl5pPr marL="1828800" indent="0">
-              <a:buNone/>
-              <a:defRPr sz="1600" b="1"/>
-            </a:lvl5pPr>
-            <a:lvl6pPr marL="2286000" indent="0">
-              <a:buNone/>
-              <a:defRPr sz="1600" b="1"/>
-            </a:lvl6pPr>
-            <a:lvl7pPr marL="2743200" indent="0">
-              <a:buNone/>
-              <a:defRPr sz="1600" b="1"/>
-            </a:lvl7pPr>
-            <a:lvl8pPr marL="3200400" indent="0">
-              <a:buNone/>
-              <a:defRPr sz="1600" b="1"/>
-            </a:lvl8pPr>
-            <a:lvl9pPr marL="3657600" indent="0">
-              <a:buNone/>
-              <a:defRPr sz="1600" b="1"/>
-            </a:lvl9pPr>
-          </a:lstStyle>
-          <a:p>
-            <a:pPr lvl="0"/>
-            <a:r>
-              <a:rPr lang="zh-CN" altLang="en-US" smtClean="0"/>
-              <a:t>单击此处添加章节标题</a:t>
-            </a:r>
-            <a:endParaRPr lang="en-US" altLang="zh-CN" smtClean="0"/>
-          </a:p>
-        </p:txBody>
-      </p:sp>
-      <p:sp>
-        <p:nvSpPr>
-          <p:cNvPr id="46" name="文本占位符 2"/>
-          <p:cNvSpPr>
-            <a:spLocks noGrp="1"/>
-          </p:cNvSpPr>
-          <p:nvPr>
-            <p:ph type="body" idx="11" hasCustomPrompt="1"/>
-          </p:nvPr>
-        </p:nvSpPr>
-        <p:spPr>
-          <a:xfrm>
-            <a:off x="1357669" y="2798679"/>
-            <a:ext cx="5157787" cy="540000"/>
-          </a:xfrm>
-          <a:prstGeom prst="rect">
-            <a:avLst/>
-          </a:prstGeom>
-        </p:spPr>
-        <p:txBody>
-          <a:bodyPr anchor="ctr" anchorCtr="0"/>
-          <a:lstStyle>
-            <a:lvl1pPr marL="0" indent="0">
-              <a:buNone/>
-              <a:defRPr sz="2600" b="0">
-                <a:solidFill>
-                  <a:schemeClr val="bg1"/>
-                </a:solidFill>
-                <a:latin typeface="微软雅黑" panose="020B0503020204020204" pitchFamily="34" charset="-122"/>
-                <a:ea typeface="微软雅黑" panose="020B0503020204020204" pitchFamily="34" charset="-122"/>
-              </a:defRPr>
-            </a:lvl1pPr>
-            <a:lvl2pPr marL="457200" indent="0">
-              <a:buNone/>
-              <a:defRPr sz="2000" b="1"/>
-            </a:lvl2pPr>
-            <a:lvl3pPr marL="914400" indent="0">
-              <a:buNone/>
-              <a:defRPr sz="1800" b="1"/>
-            </a:lvl3pPr>
-            <a:lvl4pPr marL="1371600" indent="0">
-              <a:buNone/>
-              <a:defRPr sz="1600" b="1"/>
-            </a:lvl4pPr>
-            <a:lvl5pPr marL="1828800" indent="0">
-              <a:buNone/>
-              <a:defRPr sz="1600" b="1"/>
-            </a:lvl5pPr>
-            <a:lvl6pPr marL="2286000" indent="0">
-              <a:buNone/>
-              <a:defRPr sz="1600" b="1"/>
-            </a:lvl6pPr>
-            <a:lvl7pPr marL="2743200" indent="0">
-              <a:buNone/>
-              <a:defRPr sz="1600" b="1"/>
-            </a:lvl7pPr>
-            <a:lvl8pPr marL="3200400" indent="0">
-              <a:buNone/>
-              <a:defRPr sz="1600" b="1"/>
-            </a:lvl8pPr>
-            <a:lvl9pPr marL="3657600" indent="0">
-              <a:buNone/>
-              <a:defRPr sz="1600" b="1"/>
-            </a:lvl9pPr>
-          </a:lstStyle>
-          <a:p>
-            <a:pPr lvl="0"/>
-            <a:r>
-              <a:rPr lang="zh-CN" altLang="en-US" smtClean="0"/>
-              <a:t>单击此处添加章节标题</a:t>
-            </a:r>
-            <a:endParaRPr lang="en-US" altLang="zh-CN" smtClean="0"/>
-          </a:p>
-        </p:txBody>
-      </p:sp>
-      <p:sp>
-        <p:nvSpPr>
-          <p:cNvPr id="47" name="文本占位符 2"/>
-          <p:cNvSpPr>
-            <a:spLocks noGrp="1"/>
-          </p:cNvSpPr>
-          <p:nvPr>
-            <p:ph type="body" idx="12" hasCustomPrompt="1"/>
-          </p:nvPr>
-        </p:nvSpPr>
-        <p:spPr>
-          <a:xfrm>
-            <a:off x="1357667" y="3849248"/>
-            <a:ext cx="5157787" cy="540000"/>
-          </a:xfrm>
-          <a:prstGeom prst="rect">
-            <a:avLst/>
-          </a:prstGeom>
-        </p:spPr>
-        <p:txBody>
-          <a:bodyPr anchor="ctr" anchorCtr="0"/>
-          <a:lstStyle>
-            <a:lvl1pPr marL="0" indent="0">
-              <a:buNone/>
-              <a:defRPr sz="2600" b="0">
-                <a:solidFill>
-                  <a:schemeClr val="bg1"/>
-                </a:solidFill>
-                <a:latin typeface="微软雅黑" panose="020B0503020204020204" pitchFamily="34" charset="-122"/>
-                <a:ea typeface="微软雅黑" panose="020B0503020204020204" pitchFamily="34" charset="-122"/>
-              </a:defRPr>
-            </a:lvl1pPr>
-            <a:lvl2pPr marL="457200" indent="0">
-              <a:buNone/>
-              <a:defRPr sz="2000" b="1"/>
-            </a:lvl2pPr>
-            <a:lvl3pPr marL="914400" indent="0">
-              <a:buNone/>
-              <a:defRPr sz="1800" b="1"/>
-            </a:lvl3pPr>
-            <a:lvl4pPr marL="1371600" indent="0">
-              <a:buNone/>
-              <a:defRPr sz="1600" b="1"/>
-            </a:lvl4pPr>
-            <a:lvl5pPr marL="1828800" indent="0">
-              <a:buNone/>
-              <a:defRPr sz="1600" b="1"/>
-            </a:lvl5pPr>
-            <a:lvl6pPr marL="2286000" indent="0">
-              <a:buNone/>
-              <a:defRPr sz="1600" b="1"/>
-            </a:lvl6pPr>
-            <a:lvl7pPr marL="2743200" indent="0">
-              <a:buNone/>
-              <a:defRPr sz="1600" b="1"/>
-            </a:lvl7pPr>
-            <a:lvl8pPr marL="3200400" indent="0">
-              <a:buNone/>
-              <a:defRPr sz="1600" b="1"/>
-            </a:lvl8pPr>
-            <a:lvl9pPr marL="3657600" indent="0">
-              <a:buNone/>
-              <a:defRPr sz="1600" b="1"/>
-            </a:lvl9pPr>
-          </a:lstStyle>
-          <a:p>
-            <a:pPr lvl="0"/>
-            <a:r>
-              <a:rPr lang="zh-CN" altLang="en-US" smtClean="0"/>
-              <a:t>单击此处添加章节标题</a:t>
-            </a:r>
-            <a:endParaRPr lang="en-US" altLang="zh-CN" smtClean="0"/>
-          </a:p>
-        </p:txBody>
-      </p:sp>
-      <p:sp>
-        <p:nvSpPr>
-          <p:cNvPr id="48" name="文本占位符 2"/>
-          <p:cNvSpPr>
-            <a:spLocks noGrp="1"/>
-          </p:cNvSpPr>
-          <p:nvPr>
-            <p:ph type="body" idx="13" hasCustomPrompt="1"/>
-          </p:nvPr>
-        </p:nvSpPr>
-        <p:spPr>
-          <a:xfrm>
-            <a:off x="1357667" y="4914127"/>
-            <a:ext cx="5157787" cy="540000"/>
-          </a:xfrm>
-          <a:prstGeom prst="rect">
-            <a:avLst/>
-          </a:prstGeom>
-        </p:spPr>
-        <p:txBody>
-          <a:bodyPr anchor="ctr" anchorCtr="0"/>
-          <a:lstStyle>
-            <a:lvl1pPr marL="0" indent="0">
-              <a:buNone/>
-              <a:defRPr sz="2600" b="0">
-                <a:solidFill>
-                  <a:schemeClr val="bg1"/>
-                </a:solidFill>
-                <a:latin typeface="微软雅黑" panose="020B0503020204020204" pitchFamily="34" charset="-122"/>
-                <a:ea typeface="微软雅黑" panose="020B0503020204020204" pitchFamily="34" charset="-122"/>
-              </a:defRPr>
-            </a:lvl1pPr>
-            <a:lvl2pPr marL="457200" indent="0">
-              <a:buNone/>
-              <a:defRPr sz="2000" b="1"/>
-            </a:lvl2pPr>
-            <a:lvl3pPr marL="914400" indent="0">
-              <a:buNone/>
-              <a:defRPr sz="1800" b="1"/>
-            </a:lvl3pPr>
-            <a:lvl4pPr marL="1371600" indent="0">
-              <a:buNone/>
-              <a:defRPr sz="1600" b="1"/>
-            </a:lvl4pPr>
-            <a:lvl5pPr marL="1828800" indent="0">
-              <a:buNone/>
-              <a:defRPr sz="1600" b="1"/>
-            </a:lvl5pPr>
-            <a:lvl6pPr marL="2286000" indent="0">
-              <a:buNone/>
-              <a:defRPr sz="1600" b="1"/>
-            </a:lvl6pPr>
-            <a:lvl7pPr marL="2743200" indent="0">
-              <a:buNone/>
-              <a:defRPr sz="1600" b="1"/>
-            </a:lvl7pPr>
-            <a:lvl8pPr marL="3200400" indent="0">
-              <a:buNone/>
-              <a:defRPr sz="1600" b="1"/>
-            </a:lvl8pPr>
-            <a:lvl9pPr marL="3657600" indent="0">
-              <a:buNone/>
-              <a:defRPr sz="1600" b="1"/>
-            </a:lvl9pPr>
-          </a:lstStyle>
-          <a:p>
-            <a:pPr lvl="0"/>
-            <a:r>
-              <a:rPr lang="zh-CN" altLang="en-US" smtClean="0"/>
-              <a:t>单击此处添加章节标题</a:t>
-            </a:r>
-            <a:endParaRPr lang="en-US" altLang="zh-CN" smtClean="0"/>
-          </a:p>
-        </p:txBody>
-      </p:sp>
     </p:spTree>
     <p:extLst>
       <p:ext uri="{BB962C8B-B14F-4D97-AF65-F5344CB8AC3E}">
-        <p14:creationId xmlns:p14="http://schemas.microsoft.com/office/powerpoint/2010/main" val="2895461691"/>
+        <p14:creationId xmlns:p14="http://schemas.microsoft.com/office/powerpoint/2010/main" val="3148381330"/>
       </p:ext>
     </p:extLst>
   </p:cSld>
   <p:clrMapOvr>
     <a:masterClrMapping/>
   </p:clrMapOvr>
-  <p:timing>
-    <p:tnLst>
-      <p:par>
-        <p:cTn id="1" dur="indefinite" restart="never" nodeType="tmRoot"/>
-      </p:par>
-    </p:tnLst>
-  </p:timing>
 </p:sldLayout>
 </file>
 
-<file path=ppt/slideLayouts/slideLayout3.xml><?xml version="1.0" encoding="utf-8"?>
-<p:sldLayout xmlns:a="http://schemas.openxmlformats.org/drawingml/2006/main" xmlns:r="http://schemas.openxmlformats.org/officeDocument/2006/relationships" xmlns:p="http://schemas.openxmlformats.org/presentationml/2006/main" preserve="1" userDrawn="1">
+<file path=ppt/slideLayouts/slideLayout14.xml><?xml version="1.0" encoding="utf-8"?>
+<p:sldLayout xmlns:a="http://schemas.openxmlformats.org/drawingml/2006/main" xmlns:r="http://schemas.openxmlformats.org/officeDocument/2006/relationships" xmlns:p="http://schemas.openxmlformats.org/presentationml/2006/main" userDrawn="1">
   <p:cSld name="内容">
     <p:spTree>
       <p:nvGrpSpPr>
@@ -1315,12 +2269,80 @@
           <a:chExt cx="0" cy="0"/>
         </a:xfrm>
       </p:grpSpPr>
+      <p:pic>
+        <p:nvPicPr>
+          <p:cNvPr id="8" name="图片 7">
+            <a:extLst>
+              <a:ext uri="{FF2B5EF4-FFF2-40B4-BE49-F238E27FC236}">
+                <a16:creationId xmlns:a16="http://schemas.microsoft.com/office/drawing/2014/main" id="{03120EFA-CB61-A449-A987-045B49679A34}"/>
+              </a:ext>
+            </a:extLst>
+          </p:cNvPr>
+          <p:cNvPicPr>
+            <a:picLocks noChangeAspect="1"/>
+          </p:cNvPicPr>
+          <p:nvPr userDrawn="1"/>
+        </p:nvPicPr>
+        <p:blipFill>
+          <a:blip r:embed="rId2">
+            <a:extLst>
+              <a:ext uri="{28A0092B-C50C-407E-A947-70E740481C1C}">
+                <a14:useLocalDpi xmlns:a14="http://schemas.microsoft.com/office/drawing/2010/main" val="0"/>
+              </a:ext>
+            </a:extLst>
+          </a:blip>
+          <a:stretch>
+            <a:fillRect/>
+          </a:stretch>
+        </p:blipFill>
+        <p:spPr>
+          <a:xfrm>
+            <a:off x="0" y="0"/>
+            <a:ext cx="12192000" cy="6858000"/>
+          </a:xfrm>
+          <a:prstGeom prst="rect">
+            <a:avLst/>
+          </a:prstGeom>
+        </p:spPr>
+      </p:pic>
+      <p:pic>
+        <p:nvPicPr>
+          <p:cNvPr id="6" name="图片 5">
+            <a:extLst>
+              <a:ext uri="{FF2B5EF4-FFF2-40B4-BE49-F238E27FC236}">
+                <a16:creationId xmlns:a16="http://schemas.microsoft.com/office/drawing/2014/main" id="{AA8D5C85-0269-7A41-A28C-D2743C020CFF}"/>
+              </a:ext>
+            </a:extLst>
+          </p:cNvPr>
+          <p:cNvPicPr>
+            <a:picLocks noChangeAspect="1"/>
+          </p:cNvPicPr>
+          <p:nvPr userDrawn="1"/>
+        </p:nvPicPr>
+        <p:blipFill>
+          <a:blip r:embed="rId3">
+            <a:biLevel thresh="25000"/>
+          </a:blip>
+          <a:stretch>
+            <a:fillRect/>
+          </a:stretch>
+        </p:blipFill>
+        <p:spPr>
+          <a:xfrm>
+            <a:off x="11458742" y="6178531"/>
+            <a:ext cx="441605" cy="469792"/>
+          </a:xfrm>
+          <a:prstGeom prst="rect">
+            <a:avLst/>
+          </a:prstGeom>
+        </p:spPr>
+      </p:pic>
       <p:sp>
         <p:nvSpPr>
           <p:cNvPr id="7" name="内容占位符 2">
             <a:extLst>
               <a:ext uri="{FF2B5EF4-FFF2-40B4-BE49-F238E27FC236}">
-                <a16:creationId xmlns="" xmlns:a16="http://schemas.microsoft.com/office/drawing/2014/main" id="{6C4E2D52-327C-4E2C-873F-6617F8FE69E7}"/>
+                <a16:creationId xmlns:a16="http://schemas.microsoft.com/office/drawing/2014/main" id="{6C4E2D52-327C-4E2C-873F-6617F8FE69E7}"/>
               </a:ext>
             </a:extLst>
           </p:cNvPr>
@@ -1373,7 +2395,7 @@
             <a:avLst/>
           </a:prstGeom>
           <a:solidFill>
-            <a:schemeClr val="bg1"/>
+            <a:srgbClr val="9A74EA"/>
           </a:solidFill>
           <a:ln>
             <a:noFill/>
@@ -1400,7 +2422,11 @@
           <a:lstStyle/>
           <a:p>
             <a:pPr algn="ctr"/>
-            <a:endParaRPr lang="en-US"/>
+            <a:endParaRPr lang="en-US">
+              <a:solidFill>
+                <a:srgbClr val="7D32EA"/>
+              </a:solidFill>
+            </a:endParaRPr>
           </a:p>
         </p:txBody>
       </p:sp>
@@ -1428,12 +2454,12 @@
           <a:lstStyle>
             <a:lvl1pPr marL="0" indent="0">
               <a:buNone/>
-              <a:defRPr sz="3200" b="0">
+              <a:defRPr sz="3200" b="1" i="0">
                 <a:solidFill>
                   <a:schemeClr val="bg1"/>
                 </a:solidFill>
-                <a:latin typeface="微软雅黑" panose="020B0503020204020204" pitchFamily="34" charset="-122"/>
-                <a:ea typeface="微软雅黑" panose="020B0503020204020204" pitchFamily="34" charset="-122"/>
+                <a:latin typeface="Microsoft YaHei" panose="020B0503020204020204" pitchFamily="34" charset="-122"/>
+                <a:ea typeface="Microsoft YaHei" panose="020B0503020204020204" pitchFamily="34" charset="-122"/>
               </a:defRPr>
             </a:lvl1pPr>
             <a:lvl2pPr marL="457200" indent="0">
@@ -1472,7 +2498,7 @@
           <a:p>
             <a:pPr lvl="0"/>
             <a:r>
-              <a:rPr lang="zh-CN" altLang="en-US" smtClean="0"/>
+              <a:rPr lang="zh-CN" altLang="en-US" dirty="0"/>
               <a:t>单击此处添加标题</a:t>
             </a:r>
           </a:p>
@@ -1481,26 +2507,271 @@
     </p:spTree>
     <p:extLst>
       <p:ext uri="{BB962C8B-B14F-4D97-AF65-F5344CB8AC3E}">
-        <p14:creationId xmlns:p14="http://schemas.microsoft.com/office/powerpoint/2010/main" val="2095421264"/>
+        <p14:creationId xmlns:p14="http://schemas.microsoft.com/office/powerpoint/2010/main" val="3986151409"/>
       </p:ext>
     </p:extLst>
   </p:cSld>
   <p:clrMapOvr>
     <a:masterClrMapping/>
   </p:clrMapOvr>
-  <p:timing>
-    <p:tnLst>
-      <p:par>
-        <p:cTn id="1" dur="indefinite" restart="never" nodeType="tmRoot"/>
-      </p:par>
-    </p:tnLst>
-  </p:timing>
 </p:sldLayout>
 </file>
 
-<file path=ppt/slideLayouts/slideLayout4.xml><?xml version="1.0" encoding="utf-8"?>
+<file path=ppt/slideLayouts/slideLayout15.xml><?xml version="1.0" encoding="utf-8"?>
+<p:sldLayout xmlns:a="http://schemas.openxmlformats.org/drawingml/2006/main" xmlns:r="http://schemas.openxmlformats.org/officeDocument/2006/relationships" xmlns:p="http://schemas.openxmlformats.org/presentationml/2006/main" userDrawn="1">
+  <p:cSld name="结尾">
+    <p:spTree>
+      <p:nvGrpSpPr>
+        <p:cNvPr id="1" name=""/>
+        <p:cNvGrpSpPr/>
+        <p:nvPr/>
+      </p:nvGrpSpPr>
+      <p:grpSpPr>
+        <a:xfrm>
+          <a:off x="0" y="0"/>
+          <a:ext cx="0" cy="0"/>
+          <a:chOff x="0" y="0"/>
+          <a:chExt cx="0" cy="0"/>
+        </a:xfrm>
+      </p:grpSpPr>
+      <p:sp>
+        <p:nvSpPr>
+          <p:cNvPr id="5" name="文本占位符 2"/>
+          <p:cNvSpPr>
+            <a:spLocks noGrp="1"/>
+          </p:cNvSpPr>
+          <p:nvPr>
+            <p:ph type="body" idx="1" hasCustomPrompt="1"/>
+          </p:nvPr>
+        </p:nvSpPr>
+        <p:spPr>
+          <a:xfrm>
+            <a:off x="2567796" y="3161234"/>
+            <a:ext cx="7056407" cy="535531"/>
+          </a:xfrm>
+          <a:prstGeom prst="rect">
+            <a:avLst/>
+          </a:prstGeom>
+        </p:spPr>
+        <p:txBody>
+          <a:bodyPr wrap="square" anchor="b" anchorCtr="0">
+            <a:spAutoFit/>
+          </a:bodyPr>
+          <a:lstStyle>
+            <a:lvl1pPr marL="0" indent="0" algn="ctr">
+              <a:buNone/>
+              <a:defRPr sz="3200" b="0">
+                <a:solidFill>
+                  <a:schemeClr val="tx1"/>
+                </a:solidFill>
+                <a:latin typeface="Arial" panose="020B0604020202020204" pitchFamily="34" charset="0"/>
+                <a:ea typeface="Arial Unicode MS" panose="020B0604020202020204" pitchFamily="34" charset="-122"/>
+                <a:cs typeface="Arial" panose="020B0604020202020204" pitchFamily="34" charset="0"/>
+              </a:defRPr>
+            </a:lvl1pPr>
+            <a:lvl2pPr marL="457200" indent="0">
+              <a:buNone/>
+              <a:defRPr sz="2000" b="1"/>
+            </a:lvl2pPr>
+            <a:lvl3pPr marL="914400" indent="0">
+              <a:buNone/>
+              <a:defRPr sz="1800" b="1"/>
+            </a:lvl3pPr>
+            <a:lvl4pPr marL="1371600" indent="0">
+              <a:buNone/>
+              <a:defRPr sz="1600" b="1"/>
+            </a:lvl4pPr>
+            <a:lvl5pPr marL="1828800" indent="0">
+              <a:buNone/>
+              <a:defRPr sz="1600" b="1"/>
+            </a:lvl5pPr>
+            <a:lvl6pPr marL="2286000" indent="0">
+              <a:buNone/>
+              <a:defRPr sz="1600" b="1"/>
+            </a:lvl6pPr>
+            <a:lvl7pPr marL="2743200" indent="0">
+              <a:buNone/>
+              <a:defRPr sz="1600" b="1"/>
+            </a:lvl7pPr>
+            <a:lvl8pPr marL="3200400" indent="0">
+              <a:buNone/>
+              <a:defRPr sz="1600" b="1"/>
+            </a:lvl8pPr>
+            <a:lvl9pPr marL="3657600" indent="0">
+              <a:buNone/>
+              <a:defRPr sz="1600" b="1"/>
+            </a:lvl9pPr>
+          </a:lstStyle>
+          <a:p>
+            <a:pPr lvl="0"/>
+            <a:r>
+              <a:rPr lang="en-US" altLang="zh-CN"/>
+              <a:t>Thank you!</a:t>
+            </a:r>
+          </a:p>
+        </p:txBody>
+      </p:sp>
+      <p:pic>
+        <p:nvPicPr>
+          <p:cNvPr id="3" name="图片 2">
+            <a:extLst>
+              <a:ext uri="{FF2B5EF4-FFF2-40B4-BE49-F238E27FC236}">
+                <a16:creationId xmlns:a16="http://schemas.microsoft.com/office/drawing/2014/main" id="{E8691128-CEBD-F642-8AF5-0EE566B46A62}"/>
+              </a:ext>
+            </a:extLst>
+          </p:cNvPr>
+          <p:cNvPicPr>
+            <a:picLocks noChangeAspect="1"/>
+          </p:cNvPicPr>
+          <p:nvPr userDrawn="1"/>
+        </p:nvPicPr>
+        <p:blipFill>
+          <a:blip r:embed="rId2">
+            <a:extLst>
+              <a:ext uri="{28A0092B-C50C-407E-A947-70E740481C1C}">
+                <a14:useLocalDpi xmlns:a14="http://schemas.microsoft.com/office/drawing/2010/main" val="0"/>
+              </a:ext>
+            </a:extLst>
+          </a:blip>
+          <a:stretch>
+            <a:fillRect/>
+          </a:stretch>
+        </p:blipFill>
+        <p:spPr>
+          <a:xfrm>
+            <a:off x="9498314" y="5570717"/>
+            <a:ext cx="1560984" cy="1042098"/>
+          </a:xfrm>
+          <a:prstGeom prst="rect">
+            <a:avLst/>
+          </a:prstGeom>
+        </p:spPr>
+      </p:pic>
+      <p:pic>
+        <p:nvPicPr>
+          <p:cNvPr id="4" name="Picture 2" descr="https://opengauss.org/img/wechat.jpg">
+            <a:extLst>
+              <a:ext uri="{FF2B5EF4-FFF2-40B4-BE49-F238E27FC236}">
+                <a16:creationId xmlns:a16="http://schemas.microsoft.com/office/drawing/2014/main" id="{E8A9528C-A6AC-0843-86F5-0C6677073EED}"/>
+              </a:ext>
+            </a:extLst>
+          </p:cNvPr>
+          <p:cNvPicPr>
+            <a:picLocks noChangeAspect="1" noChangeArrowheads="1"/>
+          </p:cNvPicPr>
+          <p:nvPr userDrawn="1"/>
+        </p:nvPicPr>
+        <p:blipFill>
+          <a:blip r:embed="rId3" cstate="print">
+            <a:extLst>
+              <a:ext uri="{28A0092B-C50C-407E-A947-70E740481C1C}">
+                <a14:useLocalDpi xmlns:a14="http://schemas.microsoft.com/office/drawing/2010/main" val="0"/>
+              </a:ext>
+            </a:extLst>
+          </a:blip>
+          <a:srcRect/>
+          <a:stretch>
+            <a:fillRect/>
+          </a:stretch>
+        </p:blipFill>
+        <p:spPr bwMode="auto">
+          <a:xfrm>
+            <a:off x="11152918" y="5810440"/>
+            <a:ext cx="802375" cy="802375"/>
+          </a:xfrm>
+          <a:prstGeom prst="rect">
+            <a:avLst/>
+          </a:prstGeom>
+          <a:noFill/>
+          <a:extLst>
+            <a:ext uri="{909E8E84-426E-40DD-AFC4-6F175D3DCCD1}">
+              <a14:hiddenFill xmlns:a14="http://schemas.microsoft.com/office/drawing/2010/main">
+                <a:solidFill>
+                  <a:srgbClr val="FFFFFF"/>
+                </a:solidFill>
+              </a14:hiddenFill>
+            </a:ext>
+          </a:extLst>
+        </p:spPr>
+      </p:pic>
+      <p:sp>
+        <p:nvSpPr>
+          <p:cNvPr id="6" name="TextBox 9">
+            <a:extLst>
+              <a:ext uri="{FF2B5EF4-FFF2-40B4-BE49-F238E27FC236}">
+                <a16:creationId xmlns:a16="http://schemas.microsoft.com/office/drawing/2014/main" id="{4DC6BDCA-EEDA-A74C-A023-409FB5189FE5}"/>
+              </a:ext>
+            </a:extLst>
+          </p:cNvPr>
+          <p:cNvSpPr txBox="1"/>
+          <p:nvPr userDrawn="1"/>
+        </p:nvSpPr>
+        <p:spPr>
+          <a:xfrm>
+            <a:off x="9461243" y="6344096"/>
+            <a:ext cx="1654604" cy="219291"/>
+          </a:xfrm>
+          <a:prstGeom prst="rect">
+            <a:avLst/>
+          </a:prstGeom>
+          <a:noFill/>
+        </p:spPr>
+        <p:txBody>
+          <a:bodyPr wrap="square" lIns="34290" tIns="17145" rIns="34290" bIns="17145" rtlCol="0" anchor="ctr" anchorCtr="1">
+            <a:spAutoFit/>
+          </a:bodyPr>
+          <a:lstStyle/>
+          <a:p>
+            <a:pPr algn="r"/>
+            <a:r>
+              <a:rPr lang="en-US" altLang="zh-CN" sz="1200" u="sng" dirty="0">
+                <a:solidFill>
+                  <a:schemeClr val="tx1"/>
+                </a:solidFill>
+                <a:latin typeface="Arial" panose="020B0604020202020204" pitchFamily="34" charset="0"/>
+                <a:ea typeface="微软雅黑" panose="020B0503020204020204" pitchFamily="34" charset="-122"/>
+                <a:cs typeface="Arial" panose="020B0604020202020204" pitchFamily="34" charset="0"/>
+              </a:rPr>
+              <a:t>https://</a:t>
+            </a:r>
+            <a:r>
+              <a:rPr lang="en-US" altLang="zh-CN" sz="1200" u="sng" dirty="0" err="1">
+                <a:solidFill>
+                  <a:schemeClr val="tx1"/>
+                </a:solidFill>
+                <a:latin typeface="Arial" panose="020B0604020202020204" pitchFamily="34" charset="0"/>
+                <a:ea typeface="微软雅黑" panose="020B0503020204020204" pitchFamily="34" charset="-122"/>
+                <a:cs typeface="Arial" panose="020B0604020202020204" pitchFamily="34" charset="0"/>
+              </a:rPr>
+              <a:t>opengauss.org</a:t>
+            </a:r>
+            <a:endParaRPr lang="en-US" sz="1200" u="sng" dirty="0">
+              <a:solidFill>
+                <a:schemeClr val="tx1"/>
+              </a:solidFill>
+              <a:latin typeface="Arial" panose="020B0604020202020204" pitchFamily="34" charset="0"/>
+              <a:ea typeface="微软雅黑" panose="020B0503020204020204" pitchFamily="34" charset="-122"/>
+              <a:cs typeface="Arial" panose="020B0604020202020204" pitchFamily="34" charset="0"/>
+            </a:endParaRPr>
+          </a:p>
+        </p:txBody>
+      </p:sp>
+    </p:spTree>
+    <p:extLst>
+      <p:ext uri="{BB962C8B-B14F-4D97-AF65-F5344CB8AC3E}">
+        <p14:creationId xmlns:p14="http://schemas.microsoft.com/office/powerpoint/2010/main" val="4157120606"/>
+      </p:ext>
+    </p:extLst>
+  </p:cSld>
+  <p:clrMapOvr>
+    <a:masterClrMapping/>
+  </p:clrMapOvr>
+</p:sldLayout>
+</file>
+
+<file path=ppt/slideLayouts/slideLayout16.xml><?xml version="1.0" encoding="utf-8"?>
 <p:sldLayout xmlns:a="http://schemas.openxmlformats.org/drawingml/2006/main" xmlns:r="http://schemas.openxmlformats.org/officeDocument/2006/relationships" xmlns:p="http://schemas.openxmlformats.org/presentationml/2006/main" preserve="1" userDrawn="1">
-  <p:cSld name="空白">
+  <p:cSld name="1_空白">
     <p:spTree>
       <p:nvGrpSpPr>
         <p:cNvPr id="1" name=""/>
@@ -1525,19 +2796,12 @@
   <p:clrMapOvr>
     <a:masterClrMapping/>
   </p:clrMapOvr>
-  <p:timing>
-    <p:tnLst>
-      <p:par>
-        <p:cTn id="1" dur="indefinite" restart="never" nodeType="tmRoot"/>
-      </p:par>
-    </p:tnLst>
-  </p:timing>
 </p:sldLayout>
 </file>
 
-<file path=ppt/slideLayouts/slideLayout5.xml><?xml version="1.0" encoding="utf-8"?>
+<file path=ppt/slideLayouts/slideLayout2.xml><?xml version="1.0" encoding="utf-8"?>
 <p:sldLayout xmlns:a="http://schemas.openxmlformats.org/drawingml/2006/main" xmlns:r="http://schemas.openxmlformats.org/officeDocument/2006/relationships" xmlns:p="http://schemas.openxmlformats.org/presentationml/2006/main" preserve="1" userDrawn="1">
-  <p:cSld name="结尾">
+  <p:cSld name="标题和内容">
     <p:spTree>
       <p:nvGrpSpPr>
         <p:cNvPr id="1" name=""/>
@@ -1552,86 +2816,15 @@
           <a:chExt cx="0" cy="0"/>
         </a:xfrm>
       </p:grpSpPr>
-      <p:sp>
-        <p:nvSpPr>
-          <p:cNvPr id="5" name="文本占位符 2"/>
-          <p:cNvSpPr>
-            <a:spLocks noGrp="1"/>
-          </p:cNvSpPr>
-          <p:nvPr>
-            <p:ph type="body" idx="1" hasCustomPrompt="1"/>
-          </p:nvPr>
-        </p:nvSpPr>
-        <p:spPr>
-          <a:xfrm>
-            <a:off x="2567796" y="3161234"/>
-            <a:ext cx="7056407" cy="535531"/>
-          </a:xfrm>
-          <a:prstGeom prst="rect">
-            <a:avLst/>
-          </a:prstGeom>
-        </p:spPr>
-        <p:txBody>
-          <a:bodyPr wrap="square" anchor="b" anchorCtr="0">
-            <a:spAutoFit/>
-          </a:bodyPr>
-          <a:lstStyle>
-            <a:lvl1pPr marL="0" indent="0" algn="ctr">
-              <a:buNone/>
-              <a:defRPr sz="3200" b="0">
-                <a:solidFill>
-                  <a:schemeClr val="bg1"/>
-                </a:solidFill>
-                <a:latin typeface="Arial" panose="020B0604020202020204" pitchFamily="34" charset="0"/>
-                <a:ea typeface="Arial Unicode MS" panose="020B0604020202020204" pitchFamily="34" charset="-122"/>
-                <a:cs typeface="Arial" panose="020B0604020202020204" pitchFamily="34" charset="0"/>
-              </a:defRPr>
-            </a:lvl1pPr>
-            <a:lvl2pPr marL="457200" indent="0">
-              <a:buNone/>
-              <a:defRPr sz="2000" b="1"/>
-            </a:lvl2pPr>
-            <a:lvl3pPr marL="914400" indent="0">
-              <a:buNone/>
-              <a:defRPr sz="1800" b="1"/>
-            </a:lvl3pPr>
-            <a:lvl4pPr marL="1371600" indent="0">
-              <a:buNone/>
-              <a:defRPr sz="1600" b="1"/>
-            </a:lvl4pPr>
-            <a:lvl5pPr marL="1828800" indent="0">
-              <a:buNone/>
-              <a:defRPr sz="1600" b="1"/>
-            </a:lvl5pPr>
-            <a:lvl6pPr marL="2286000" indent="0">
-              <a:buNone/>
-              <a:defRPr sz="1600" b="1"/>
-            </a:lvl6pPr>
-            <a:lvl7pPr marL="2743200" indent="0">
-              <a:buNone/>
-              <a:defRPr sz="1600" b="1"/>
-            </a:lvl7pPr>
-            <a:lvl8pPr marL="3200400" indent="0">
-              <a:buNone/>
-              <a:defRPr sz="1600" b="1"/>
-            </a:lvl8pPr>
-            <a:lvl9pPr marL="3657600" indent="0">
-              <a:buNone/>
-              <a:defRPr sz="1600" b="1"/>
-            </a:lvl9pPr>
-          </a:lstStyle>
-          <a:p>
-            <a:pPr lvl="0"/>
-            <a:r>
-              <a:rPr lang="en-US" altLang="zh-CN" smtClean="0"/>
-              <a:t>Thank you!</a:t>
-            </a:r>
-          </a:p>
-        </p:txBody>
-      </p:sp>
       <p:pic>
         <p:nvPicPr>
-          <p:cNvPr id="6" name="图片 5"/>
+          <p:cNvPr id="7" name="图片 6">
+            <a:extLst>
+              <a:ext uri="{FF2B5EF4-FFF2-40B4-BE49-F238E27FC236}">
+                <a16:creationId xmlns:a16="http://schemas.microsoft.com/office/drawing/2014/main" id="{64743CE0-014C-DA40-8951-29D4B652DD09}"/>
+              </a:ext>
+            </a:extLst>
+          </p:cNvPr>
           <p:cNvPicPr>
             <a:picLocks noChangeAspect="1"/>
           </p:cNvPicPr>
@@ -1651,117 +2844,2284 @@
         </p:blipFill>
         <p:spPr>
           <a:xfrm>
-            <a:off x="9498314" y="5521289"/>
-            <a:ext cx="1560984" cy="1042097"/>
+            <a:off x="0" y="0"/>
+            <a:ext cx="12192000" cy="6858000"/>
           </a:xfrm>
           <a:prstGeom prst="rect">
             <a:avLst/>
           </a:prstGeom>
         </p:spPr>
       </p:pic>
-      <p:sp>
-        <p:nvSpPr>
-          <p:cNvPr id="7" name="TextBox 9"/>
-          <p:cNvSpPr txBox="1"/>
-          <p:nvPr userDrawn="1"/>
-        </p:nvSpPr>
-        <p:spPr>
-          <a:xfrm>
-            <a:off x="9461243" y="6344096"/>
-            <a:ext cx="1654604" cy="219291"/>
-          </a:xfrm>
-          <a:prstGeom prst="rect">
-            <a:avLst/>
-          </a:prstGeom>
-          <a:noFill/>
-        </p:spPr>
-        <p:txBody>
-          <a:bodyPr wrap="square" lIns="34290" tIns="17145" rIns="34290" bIns="17145" rtlCol="0" anchor="ctr" anchorCtr="1">
-            <a:spAutoFit/>
-          </a:bodyPr>
-          <a:lstStyle/>
-          <a:p>
-            <a:pPr algn="r"/>
-            <a:r>
-              <a:rPr lang="en-US" altLang="zh-CN" sz="1200" u="sng" smtClean="0">
-                <a:solidFill>
-                  <a:schemeClr val="bg1"/>
-                </a:solidFill>
-                <a:latin typeface="Arial" panose="020B0604020202020204" pitchFamily="34" charset="0"/>
-                <a:ea typeface="微软雅黑" panose="020B0503020204020204" pitchFamily="34" charset="-122"/>
-                <a:cs typeface="Arial" panose="020B0604020202020204" pitchFamily="34" charset="0"/>
-              </a:rPr>
-              <a:t>https://opengauss.org</a:t>
-            </a:r>
-            <a:endParaRPr lang="en-US" sz="1200" u="sng" dirty="0">
-              <a:solidFill>
-                <a:schemeClr val="bg1"/>
-              </a:solidFill>
-              <a:latin typeface="Arial" panose="020B0604020202020204" pitchFamily="34" charset="0"/>
-              <a:ea typeface="微软雅黑" panose="020B0503020204020204" pitchFamily="34" charset="-122"/>
-              <a:cs typeface="Arial" panose="020B0604020202020204" pitchFamily="34" charset="0"/>
-            </a:endParaRPr>
-          </a:p>
-        </p:txBody>
-      </p:sp>
       <p:pic>
         <p:nvPicPr>
-          <p:cNvPr id="8" name="Picture 2" descr="https://opengauss.org/img/wechat.jpg"/>
+          <p:cNvPr id="13" name="图片 12">
+            <a:extLst>
+              <a:ext uri="{FF2B5EF4-FFF2-40B4-BE49-F238E27FC236}">
+                <a16:creationId xmlns:a16="http://schemas.microsoft.com/office/drawing/2014/main" id="{FDD7BC6F-2613-7C4F-984C-084A7675182F}"/>
+              </a:ext>
+            </a:extLst>
+          </p:cNvPr>
           <p:cNvPicPr>
-            <a:picLocks noChangeAspect="1" noChangeArrowheads="1"/>
+            <a:picLocks noChangeAspect="1"/>
           </p:cNvPicPr>
           <p:nvPr userDrawn="1"/>
         </p:nvPicPr>
         <p:blipFill>
-          <a:blip r:embed="rId3" cstate="print">
-            <a:extLst>
-              <a:ext uri="{28A0092B-C50C-407E-A947-70E740481C1C}">
-                <a14:useLocalDpi xmlns:a14="http://schemas.microsoft.com/office/drawing/2010/main" val="0"/>
-              </a:ext>
-            </a:extLst>
+          <a:blip r:embed="rId3">
+            <a:biLevel thresh="25000"/>
           </a:blip>
-          <a:srcRect/>
           <a:stretch>
             <a:fillRect/>
           </a:stretch>
         </p:blipFill>
-        <p:spPr bwMode="auto">
-          <a:xfrm>
-            <a:off x="11152918" y="5810440"/>
-            <a:ext cx="802375" cy="802375"/>
+        <p:spPr>
+          <a:xfrm>
+            <a:off x="11458742" y="6178531"/>
+            <a:ext cx="441605" cy="469792"/>
           </a:xfrm>
           <a:prstGeom prst="rect">
             <a:avLst/>
           </a:prstGeom>
-          <a:noFill/>
-          <a:extLst>
-            <a:ext uri="{909E8E84-426E-40DD-AFC4-6F175D3DCCD1}">
-              <a14:hiddenFill xmlns:a14="http://schemas.microsoft.com/office/drawing/2010/main">
+        </p:spPr>
+      </p:pic>
+      <p:sp>
+        <p:nvSpPr>
+          <p:cNvPr id="4" name="日期占位符 3">
+            <a:extLst>
+              <a:ext uri="{FF2B5EF4-FFF2-40B4-BE49-F238E27FC236}">
+                <a16:creationId xmlns:a16="http://schemas.microsoft.com/office/drawing/2014/main" id="{4F4DF84D-93C1-A546-9F5F-19C25F798046}"/>
+              </a:ext>
+            </a:extLst>
+          </p:cNvPr>
+          <p:cNvSpPr>
+            <a:spLocks noGrp="1"/>
+          </p:cNvSpPr>
+          <p:nvPr>
+            <p:ph type="dt" sz="half" idx="10"/>
+          </p:nvPr>
+        </p:nvSpPr>
+        <p:spPr/>
+        <p:txBody>
+          <a:bodyPr/>
+          <a:lstStyle/>
+          <a:p>
+            <a:fld id="{E9D72C00-5B30-4947-A6A0-816C099A8315}" type="datetimeFigureOut">
+              <a:rPr kumimoji="1" lang="zh-CN" altLang="en-US" smtClean="0"/>
+              <a:t>2023/3/24</a:t>
+            </a:fld>
+            <a:endParaRPr kumimoji="1" lang="zh-CN" altLang="en-US"/>
+          </a:p>
+        </p:txBody>
+      </p:sp>
+      <p:sp>
+        <p:nvSpPr>
+          <p:cNvPr id="5" name="页脚占位符 4">
+            <a:extLst>
+              <a:ext uri="{FF2B5EF4-FFF2-40B4-BE49-F238E27FC236}">
+                <a16:creationId xmlns:a16="http://schemas.microsoft.com/office/drawing/2014/main" id="{B4746F6F-6710-F146-9655-0805144BC0FC}"/>
+              </a:ext>
+            </a:extLst>
+          </p:cNvPr>
+          <p:cNvSpPr>
+            <a:spLocks noGrp="1"/>
+          </p:cNvSpPr>
+          <p:nvPr>
+            <p:ph type="ftr" sz="quarter" idx="11"/>
+          </p:nvPr>
+        </p:nvSpPr>
+        <p:spPr/>
+        <p:txBody>
+          <a:bodyPr/>
+          <a:lstStyle/>
+          <a:p>
+            <a:endParaRPr kumimoji="1" lang="zh-CN" altLang="en-US"/>
+          </a:p>
+        </p:txBody>
+      </p:sp>
+      <p:sp>
+        <p:nvSpPr>
+          <p:cNvPr id="6" name="灯片编号占位符 5">
+            <a:extLst>
+              <a:ext uri="{FF2B5EF4-FFF2-40B4-BE49-F238E27FC236}">
+                <a16:creationId xmlns:a16="http://schemas.microsoft.com/office/drawing/2014/main" id="{748F8BC4-76C0-1249-919D-7F91BA3D1FEE}"/>
+              </a:ext>
+            </a:extLst>
+          </p:cNvPr>
+          <p:cNvSpPr>
+            <a:spLocks noGrp="1"/>
+          </p:cNvSpPr>
+          <p:nvPr>
+            <p:ph type="sldNum" sz="quarter" idx="12"/>
+          </p:nvPr>
+        </p:nvSpPr>
+        <p:spPr/>
+        <p:txBody>
+          <a:bodyPr/>
+          <a:lstStyle/>
+          <a:p>
+            <a:fld id="{391D3646-2F20-B841-87F3-910C3752A608}" type="slidenum">
+              <a:rPr kumimoji="1" lang="zh-CN" altLang="en-US" smtClean="0"/>
+              <a:t>‹#›</a:t>
+            </a:fld>
+            <a:endParaRPr kumimoji="1" lang="zh-CN" altLang="en-US"/>
+          </a:p>
+        </p:txBody>
+      </p:sp>
+      <p:sp>
+        <p:nvSpPr>
+          <p:cNvPr id="8" name="标题 1">
+            <a:extLst>
+              <a:ext uri="{FF2B5EF4-FFF2-40B4-BE49-F238E27FC236}">
+                <a16:creationId xmlns:a16="http://schemas.microsoft.com/office/drawing/2014/main" id="{4504AB68-CE96-CD4A-B921-59936A84AD07}"/>
+              </a:ext>
+            </a:extLst>
+          </p:cNvPr>
+          <p:cNvSpPr>
+            <a:spLocks noGrp="1"/>
+          </p:cNvSpPr>
+          <p:nvPr>
+            <p:ph type="ctrTitle" hasCustomPrompt="1"/>
+          </p:nvPr>
+        </p:nvSpPr>
+        <p:spPr>
+          <a:xfrm>
+            <a:off x="378107" y="1005923"/>
+            <a:ext cx="5257800" cy="713696"/>
+          </a:xfrm>
+        </p:spPr>
+        <p:txBody>
+          <a:bodyPr anchor="b">
+            <a:normAutofit/>
+          </a:bodyPr>
+          <a:lstStyle>
+            <a:lvl1pPr algn="l">
+              <a:defRPr sz="3600" b="1" i="0">
                 <a:solidFill>
-                  <a:srgbClr val="FFFFFF"/>
+                  <a:schemeClr val="bg1"/>
                 </a:solidFill>
-              </a14:hiddenFill>
-            </a:ext>
-          </a:extLst>
-        </p:spPr>
-      </p:pic>
+                <a:latin typeface="Microsoft YaHei" panose="020B0503020204020204" pitchFamily="34" charset="-122"/>
+                <a:ea typeface="Microsoft YaHei" panose="020B0503020204020204" pitchFamily="34" charset="-122"/>
+              </a:defRPr>
+            </a:lvl1pPr>
+          </a:lstStyle>
+          <a:p>
+            <a:r>
+              <a:rPr kumimoji="1" lang="zh-CN" altLang="en-US" dirty="0"/>
+              <a:t>母版标题样式</a:t>
+            </a:r>
+          </a:p>
+        </p:txBody>
+      </p:sp>
+      <p:sp>
+        <p:nvSpPr>
+          <p:cNvPr id="9" name="副标题 2">
+            <a:extLst>
+              <a:ext uri="{FF2B5EF4-FFF2-40B4-BE49-F238E27FC236}">
+                <a16:creationId xmlns:a16="http://schemas.microsoft.com/office/drawing/2014/main" id="{F33384B0-1754-B349-84CD-5959DF95123D}"/>
+              </a:ext>
+            </a:extLst>
+          </p:cNvPr>
+          <p:cNvSpPr>
+            <a:spLocks noGrp="1"/>
+          </p:cNvSpPr>
+          <p:nvPr>
+            <p:ph type="subTitle" idx="1"/>
+          </p:nvPr>
+        </p:nvSpPr>
+        <p:spPr>
+          <a:xfrm>
+            <a:off x="378107" y="1935758"/>
+            <a:ext cx="5257800" cy="3421502"/>
+          </a:xfrm>
+        </p:spPr>
+        <p:txBody>
+          <a:bodyPr/>
+          <a:lstStyle>
+            <a:lvl1pPr marL="0" indent="0" algn="l">
+              <a:buNone/>
+              <a:defRPr sz="2400" b="0" i="0">
+                <a:solidFill>
+                  <a:schemeClr val="bg1"/>
+                </a:solidFill>
+                <a:latin typeface="Microsoft YaHei Light" panose="020B0503020204020204" pitchFamily="34" charset="-122"/>
+                <a:ea typeface="Microsoft YaHei Light" panose="020B0503020204020204" pitchFamily="34" charset="-122"/>
+              </a:defRPr>
+            </a:lvl1pPr>
+            <a:lvl2pPr marL="457200" indent="0" algn="ctr">
+              <a:buNone/>
+              <a:defRPr sz="2000"/>
+            </a:lvl2pPr>
+            <a:lvl3pPr marL="914400" indent="0" algn="ctr">
+              <a:buNone/>
+              <a:defRPr sz="1800"/>
+            </a:lvl3pPr>
+            <a:lvl4pPr marL="1371600" indent="0" algn="ctr">
+              <a:buNone/>
+              <a:defRPr sz="1600"/>
+            </a:lvl4pPr>
+            <a:lvl5pPr marL="1828800" indent="0" algn="ctr">
+              <a:buNone/>
+              <a:defRPr sz="1600"/>
+            </a:lvl5pPr>
+            <a:lvl6pPr marL="2286000" indent="0" algn="ctr">
+              <a:buNone/>
+              <a:defRPr sz="1600"/>
+            </a:lvl6pPr>
+            <a:lvl7pPr marL="2743200" indent="0" algn="ctr">
+              <a:buNone/>
+              <a:defRPr sz="1600"/>
+            </a:lvl7pPr>
+            <a:lvl8pPr marL="3200400" indent="0" algn="ctr">
+              <a:buNone/>
+              <a:defRPr sz="1600"/>
+            </a:lvl8pPr>
+            <a:lvl9pPr marL="3657600" indent="0" algn="ctr">
+              <a:buNone/>
+              <a:defRPr sz="1600"/>
+            </a:lvl9pPr>
+          </a:lstStyle>
+          <a:p>
+            <a:r>
+              <a:rPr kumimoji="1" lang="zh-CN" altLang="en-US" dirty="0"/>
+              <a:t>单击此处编辑母版副标题样式</a:t>
+            </a:r>
+          </a:p>
+        </p:txBody>
+      </p:sp>
+      <p:sp>
+        <p:nvSpPr>
+          <p:cNvPr id="10" name="内容占位符 2">
+            <a:extLst>
+              <a:ext uri="{FF2B5EF4-FFF2-40B4-BE49-F238E27FC236}">
+                <a16:creationId xmlns:a16="http://schemas.microsoft.com/office/drawing/2014/main" id="{9404FCB2-F9BC-FD46-AD06-1BBF0921B866}"/>
+              </a:ext>
+            </a:extLst>
+          </p:cNvPr>
+          <p:cNvSpPr>
+            <a:spLocks noGrp="1"/>
+          </p:cNvSpPr>
+          <p:nvPr>
+            <p:ph sz="half" idx="13" hasCustomPrompt="1"/>
+          </p:nvPr>
+        </p:nvSpPr>
+        <p:spPr>
+          <a:xfrm>
+            <a:off x="6014014" y="1005922"/>
+            <a:ext cx="5181600" cy="4351338"/>
+          </a:xfrm>
+        </p:spPr>
+        <p:txBody>
+          <a:bodyPr/>
+          <a:lstStyle>
+            <a:lvl1pPr marL="0" indent="0">
+              <a:buNone/>
+              <a:defRPr>
+                <a:solidFill>
+                  <a:schemeClr val="bg1"/>
+                </a:solidFill>
+              </a:defRPr>
+            </a:lvl1pPr>
+          </a:lstStyle>
+          <a:p>
+            <a:pPr lvl="0"/>
+            <a:r>
+              <a:rPr kumimoji="1" lang="zh-CN" altLang="en-US" dirty="0"/>
+              <a:t>图片</a:t>
+            </a:r>
+          </a:p>
+        </p:txBody>
+      </p:sp>
     </p:spTree>
     <p:extLst>
       <p:ext uri="{BB962C8B-B14F-4D97-AF65-F5344CB8AC3E}">
-        <p14:creationId xmlns:p14="http://schemas.microsoft.com/office/powerpoint/2010/main" val="2913930553"/>
+        <p14:creationId xmlns:p14="http://schemas.microsoft.com/office/powerpoint/2010/main" val="362519905"/>
       </p:ext>
     </p:extLst>
   </p:cSld>
   <p:clrMapOvr>
     <a:masterClrMapping/>
   </p:clrMapOvr>
-  <p:timing>
-    <p:tnLst>
-      <p:par>
-        <p:cTn id="1" dur="indefinite" restart="never" nodeType="tmRoot"/>
-      </p:par>
-    </p:tnLst>
-  </p:timing>
+</p:sldLayout>
+</file>
+
+<file path=ppt/slideLayouts/slideLayout3.xml><?xml version="1.0" encoding="utf-8"?>
+<p:sldLayout xmlns:a="http://schemas.openxmlformats.org/drawingml/2006/main" xmlns:r="http://schemas.openxmlformats.org/officeDocument/2006/relationships" xmlns:p="http://schemas.openxmlformats.org/presentationml/2006/main" preserve="1" userDrawn="1">
+  <p:cSld name="节标题">
+    <p:spTree>
+      <p:nvGrpSpPr>
+        <p:cNvPr id="1" name=""/>
+        <p:cNvGrpSpPr/>
+        <p:nvPr/>
+      </p:nvGrpSpPr>
+      <p:grpSpPr>
+        <a:xfrm>
+          <a:off x="0" y="0"/>
+          <a:ext cx="0" cy="0"/>
+          <a:chOff x="0" y="0"/>
+          <a:chExt cx="0" cy="0"/>
+        </a:xfrm>
+      </p:grpSpPr>
+      <p:pic>
+        <p:nvPicPr>
+          <p:cNvPr id="14" name="图片 13">
+            <a:extLst>
+              <a:ext uri="{FF2B5EF4-FFF2-40B4-BE49-F238E27FC236}">
+                <a16:creationId xmlns:a16="http://schemas.microsoft.com/office/drawing/2014/main" id="{166E2FB0-8DA4-0D40-97A0-504AB6A6F7D3}"/>
+              </a:ext>
+            </a:extLst>
+          </p:cNvPr>
+          <p:cNvPicPr>
+            <a:picLocks noChangeAspect="1"/>
+          </p:cNvPicPr>
+          <p:nvPr userDrawn="1"/>
+        </p:nvPicPr>
+        <p:blipFill>
+          <a:blip r:embed="rId2">
+            <a:extLst>
+              <a:ext uri="{28A0092B-C50C-407E-A947-70E740481C1C}">
+                <a14:useLocalDpi xmlns:a14="http://schemas.microsoft.com/office/drawing/2010/main" val="0"/>
+              </a:ext>
+            </a:extLst>
+          </a:blip>
+          <a:stretch>
+            <a:fillRect/>
+          </a:stretch>
+        </p:blipFill>
+        <p:spPr>
+          <a:xfrm>
+            <a:off x="0" y="0"/>
+            <a:ext cx="12192000" cy="6858000"/>
+          </a:xfrm>
+          <a:prstGeom prst="rect">
+            <a:avLst/>
+          </a:prstGeom>
+        </p:spPr>
+      </p:pic>
+      <p:pic>
+        <p:nvPicPr>
+          <p:cNvPr id="13" name="图片 12">
+            <a:extLst>
+              <a:ext uri="{FF2B5EF4-FFF2-40B4-BE49-F238E27FC236}">
+                <a16:creationId xmlns:a16="http://schemas.microsoft.com/office/drawing/2014/main" id="{AE9F9C20-91B0-9447-8A04-B04D3ECD09EA}"/>
+              </a:ext>
+            </a:extLst>
+          </p:cNvPr>
+          <p:cNvPicPr>
+            <a:picLocks noChangeAspect="1"/>
+          </p:cNvPicPr>
+          <p:nvPr userDrawn="1"/>
+        </p:nvPicPr>
+        <p:blipFill>
+          <a:blip r:embed="rId3">
+            <a:biLevel thresh="25000"/>
+          </a:blip>
+          <a:stretch>
+            <a:fillRect/>
+          </a:stretch>
+        </p:blipFill>
+        <p:spPr>
+          <a:xfrm>
+            <a:off x="11458742" y="6178531"/>
+            <a:ext cx="441605" cy="469792"/>
+          </a:xfrm>
+          <a:prstGeom prst="rect">
+            <a:avLst/>
+          </a:prstGeom>
+        </p:spPr>
+      </p:pic>
+      <p:sp>
+        <p:nvSpPr>
+          <p:cNvPr id="4" name="日期占位符 3">
+            <a:extLst>
+              <a:ext uri="{FF2B5EF4-FFF2-40B4-BE49-F238E27FC236}">
+                <a16:creationId xmlns:a16="http://schemas.microsoft.com/office/drawing/2014/main" id="{ED7B050D-97B1-4E4D-A79F-4D03BF626E05}"/>
+              </a:ext>
+            </a:extLst>
+          </p:cNvPr>
+          <p:cNvSpPr>
+            <a:spLocks noGrp="1"/>
+          </p:cNvSpPr>
+          <p:nvPr>
+            <p:ph type="dt" sz="half" idx="10"/>
+          </p:nvPr>
+        </p:nvSpPr>
+        <p:spPr/>
+        <p:txBody>
+          <a:bodyPr/>
+          <a:lstStyle/>
+          <a:p>
+            <a:fld id="{E9D72C00-5B30-4947-A6A0-816C099A8315}" type="datetimeFigureOut">
+              <a:rPr kumimoji="1" lang="zh-CN" altLang="en-US" smtClean="0"/>
+              <a:t>2023/3/24</a:t>
+            </a:fld>
+            <a:endParaRPr kumimoji="1" lang="zh-CN" altLang="en-US"/>
+          </a:p>
+        </p:txBody>
+      </p:sp>
+      <p:sp>
+        <p:nvSpPr>
+          <p:cNvPr id="5" name="页脚占位符 4">
+            <a:extLst>
+              <a:ext uri="{FF2B5EF4-FFF2-40B4-BE49-F238E27FC236}">
+                <a16:creationId xmlns:a16="http://schemas.microsoft.com/office/drawing/2014/main" id="{F5E2F618-5DBE-A844-906D-DA4BAE80E6B8}"/>
+              </a:ext>
+            </a:extLst>
+          </p:cNvPr>
+          <p:cNvSpPr>
+            <a:spLocks noGrp="1"/>
+          </p:cNvSpPr>
+          <p:nvPr>
+            <p:ph type="ftr" sz="quarter" idx="11"/>
+          </p:nvPr>
+        </p:nvSpPr>
+        <p:spPr/>
+        <p:txBody>
+          <a:bodyPr/>
+          <a:lstStyle/>
+          <a:p>
+            <a:endParaRPr kumimoji="1" lang="zh-CN" altLang="en-US"/>
+          </a:p>
+        </p:txBody>
+      </p:sp>
+      <p:sp>
+        <p:nvSpPr>
+          <p:cNvPr id="6" name="灯片编号占位符 5">
+            <a:extLst>
+              <a:ext uri="{FF2B5EF4-FFF2-40B4-BE49-F238E27FC236}">
+                <a16:creationId xmlns:a16="http://schemas.microsoft.com/office/drawing/2014/main" id="{44670585-7BDE-984F-95B0-58F95580019B}"/>
+              </a:ext>
+            </a:extLst>
+          </p:cNvPr>
+          <p:cNvSpPr>
+            <a:spLocks noGrp="1"/>
+          </p:cNvSpPr>
+          <p:nvPr>
+            <p:ph type="sldNum" sz="quarter" idx="12"/>
+          </p:nvPr>
+        </p:nvSpPr>
+        <p:spPr/>
+        <p:txBody>
+          <a:bodyPr/>
+          <a:lstStyle/>
+          <a:p>
+            <a:fld id="{391D3646-2F20-B841-87F3-910C3752A608}" type="slidenum">
+              <a:rPr kumimoji="1" lang="zh-CN" altLang="en-US" smtClean="0"/>
+              <a:t>‹#›</a:t>
+            </a:fld>
+            <a:endParaRPr kumimoji="1" lang="zh-CN" altLang="en-US"/>
+          </a:p>
+        </p:txBody>
+      </p:sp>
+      <p:sp>
+        <p:nvSpPr>
+          <p:cNvPr id="7" name="标题 1">
+            <a:extLst>
+              <a:ext uri="{FF2B5EF4-FFF2-40B4-BE49-F238E27FC236}">
+                <a16:creationId xmlns:a16="http://schemas.microsoft.com/office/drawing/2014/main" id="{B928E6EC-F27F-2F4D-B6C1-25EE630121D7}"/>
+              </a:ext>
+            </a:extLst>
+          </p:cNvPr>
+          <p:cNvSpPr>
+            <a:spLocks noGrp="1"/>
+          </p:cNvSpPr>
+          <p:nvPr>
+            <p:ph type="ctrTitle" hasCustomPrompt="1"/>
+          </p:nvPr>
+        </p:nvSpPr>
+        <p:spPr>
+          <a:xfrm>
+            <a:off x="838201" y="518661"/>
+            <a:ext cx="5201050" cy="638807"/>
+          </a:xfrm>
+        </p:spPr>
+        <p:txBody>
+          <a:bodyPr anchor="b">
+            <a:normAutofit/>
+          </a:bodyPr>
+          <a:lstStyle>
+            <a:lvl1pPr algn="l">
+              <a:defRPr sz="3200" b="1" i="0">
+                <a:solidFill>
+                  <a:schemeClr val="bg1"/>
+                </a:solidFill>
+                <a:latin typeface="Microsoft YaHei" panose="020B0503020204020204" pitchFamily="34" charset="-122"/>
+                <a:ea typeface="Microsoft YaHei" panose="020B0503020204020204" pitchFamily="34" charset="-122"/>
+              </a:defRPr>
+            </a:lvl1pPr>
+          </a:lstStyle>
+          <a:p>
+            <a:r>
+              <a:rPr kumimoji="1" lang="zh-CN" altLang="en-US" dirty="0"/>
+              <a:t>母版标题样式</a:t>
+            </a:r>
+          </a:p>
+        </p:txBody>
+      </p:sp>
+      <p:sp>
+        <p:nvSpPr>
+          <p:cNvPr id="8" name="副标题 2">
+            <a:extLst>
+              <a:ext uri="{FF2B5EF4-FFF2-40B4-BE49-F238E27FC236}">
+                <a16:creationId xmlns:a16="http://schemas.microsoft.com/office/drawing/2014/main" id="{B14CE4DF-E5A0-0047-9884-5D0CD391BC8E}"/>
+              </a:ext>
+            </a:extLst>
+          </p:cNvPr>
+          <p:cNvSpPr>
+            <a:spLocks noGrp="1"/>
+          </p:cNvSpPr>
+          <p:nvPr>
+            <p:ph type="subTitle" idx="1"/>
+          </p:nvPr>
+        </p:nvSpPr>
+        <p:spPr>
+          <a:xfrm>
+            <a:off x="838200" y="1311355"/>
+            <a:ext cx="6222357" cy="459572"/>
+          </a:xfrm>
+        </p:spPr>
+        <p:txBody>
+          <a:bodyPr/>
+          <a:lstStyle>
+            <a:lvl1pPr marL="0" indent="0" algn="l">
+              <a:buNone/>
+              <a:defRPr sz="2400" b="0" i="0">
+                <a:solidFill>
+                  <a:schemeClr val="bg1"/>
+                </a:solidFill>
+                <a:latin typeface="Microsoft YaHei" panose="020B0503020204020204" pitchFamily="34" charset="-122"/>
+                <a:ea typeface="Microsoft YaHei" panose="020B0503020204020204" pitchFamily="34" charset="-122"/>
+              </a:defRPr>
+            </a:lvl1pPr>
+            <a:lvl2pPr marL="457200" indent="0" algn="ctr">
+              <a:buNone/>
+              <a:defRPr sz="2000"/>
+            </a:lvl2pPr>
+            <a:lvl3pPr marL="914400" indent="0" algn="ctr">
+              <a:buNone/>
+              <a:defRPr sz="1800"/>
+            </a:lvl3pPr>
+            <a:lvl4pPr marL="1371600" indent="0" algn="ctr">
+              <a:buNone/>
+              <a:defRPr sz="1600"/>
+            </a:lvl4pPr>
+            <a:lvl5pPr marL="1828800" indent="0" algn="ctr">
+              <a:buNone/>
+              <a:defRPr sz="1600"/>
+            </a:lvl5pPr>
+            <a:lvl6pPr marL="2286000" indent="0" algn="ctr">
+              <a:buNone/>
+              <a:defRPr sz="1600"/>
+            </a:lvl6pPr>
+            <a:lvl7pPr marL="2743200" indent="0" algn="ctr">
+              <a:buNone/>
+              <a:defRPr sz="1600"/>
+            </a:lvl7pPr>
+            <a:lvl8pPr marL="3200400" indent="0" algn="ctr">
+              <a:buNone/>
+              <a:defRPr sz="1600"/>
+            </a:lvl8pPr>
+            <a:lvl9pPr marL="3657600" indent="0" algn="ctr">
+              <a:buNone/>
+              <a:defRPr sz="1600"/>
+            </a:lvl9pPr>
+          </a:lstStyle>
+          <a:p>
+            <a:r>
+              <a:rPr kumimoji="1" lang="zh-CN" altLang="en-US" dirty="0"/>
+              <a:t>单击此处编辑母版副标题样式</a:t>
+            </a:r>
+          </a:p>
+        </p:txBody>
+      </p:sp>
+      <p:sp>
+        <p:nvSpPr>
+          <p:cNvPr id="9" name="内容占位符 2">
+            <a:extLst>
+              <a:ext uri="{FF2B5EF4-FFF2-40B4-BE49-F238E27FC236}">
+                <a16:creationId xmlns:a16="http://schemas.microsoft.com/office/drawing/2014/main" id="{A68895F8-4E07-0D49-A001-2394DE8D9AA1}"/>
+              </a:ext>
+            </a:extLst>
+          </p:cNvPr>
+          <p:cNvSpPr>
+            <a:spLocks noGrp="1"/>
+          </p:cNvSpPr>
+          <p:nvPr>
+            <p:ph idx="13"/>
+          </p:nvPr>
+        </p:nvSpPr>
+        <p:spPr>
+          <a:xfrm>
+            <a:off x="838200" y="1916656"/>
+            <a:ext cx="10515600" cy="4287374"/>
+          </a:xfrm>
+        </p:spPr>
+        <p:txBody>
+          <a:bodyPr/>
+          <a:lstStyle>
+            <a:lvl1pPr>
+              <a:defRPr sz="2000" b="0" i="0">
+                <a:solidFill>
+                  <a:schemeClr val="bg1"/>
+                </a:solidFill>
+                <a:latin typeface="Microsoft YaHei Light" panose="020B0503020204020204" pitchFamily="34" charset="-122"/>
+                <a:ea typeface="Microsoft YaHei Light" panose="020B0503020204020204" pitchFamily="34" charset="-122"/>
+              </a:defRPr>
+            </a:lvl1pPr>
+            <a:lvl2pPr>
+              <a:defRPr sz="1600" b="0" i="0">
+                <a:solidFill>
+                  <a:schemeClr val="bg1"/>
+                </a:solidFill>
+                <a:latin typeface="Microsoft YaHei Light" panose="020B0503020204020204" pitchFamily="34" charset="-122"/>
+                <a:ea typeface="Microsoft YaHei Light" panose="020B0503020204020204" pitchFamily="34" charset="-122"/>
+              </a:defRPr>
+            </a:lvl2pPr>
+            <a:lvl3pPr>
+              <a:defRPr sz="1400" b="0" i="0">
+                <a:solidFill>
+                  <a:schemeClr val="bg1"/>
+                </a:solidFill>
+                <a:latin typeface="Microsoft YaHei Light" panose="020B0503020204020204" pitchFamily="34" charset="-122"/>
+                <a:ea typeface="Microsoft YaHei Light" panose="020B0503020204020204" pitchFamily="34" charset="-122"/>
+              </a:defRPr>
+            </a:lvl3pPr>
+            <a:lvl4pPr>
+              <a:defRPr sz="1200" b="0" i="0">
+                <a:solidFill>
+                  <a:schemeClr val="bg1"/>
+                </a:solidFill>
+                <a:latin typeface="Microsoft YaHei Light" panose="020B0503020204020204" pitchFamily="34" charset="-122"/>
+                <a:ea typeface="Microsoft YaHei Light" panose="020B0503020204020204" pitchFamily="34" charset="-122"/>
+              </a:defRPr>
+            </a:lvl4pPr>
+            <a:lvl5pPr>
+              <a:defRPr sz="1100" b="0" i="0">
+                <a:solidFill>
+                  <a:schemeClr val="bg1"/>
+                </a:solidFill>
+                <a:latin typeface="Microsoft YaHei Light" panose="020B0503020204020204" pitchFamily="34" charset="-122"/>
+                <a:ea typeface="Microsoft YaHei Light" panose="020B0503020204020204" pitchFamily="34" charset="-122"/>
+              </a:defRPr>
+            </a:lvl5pPr>
+            <a:lvl6pPr>
+              <a:defRPr sz="2000"/>
+            </a:lvl6pPr>
+            <a:lvl7pPr>
+              <a:defRPr sz="2000"/>
+            </a:lvl7pPr>
+            <a:lvl8pPr>
+              <a:defRPr sz="2000"/>
+            </a:lvl8pPr>
+            <a:lvl9pPr>
+              <a:defRPr sz="2000"/>
+            </a:lvl9pPr>
+          </a:lstStyle>
+          <a:p>
+            <a:pPr lvl="0"/>
+            <a:r>
+              <a:rPr kumimoji="1" lang="zh-CN" altLang="en-US" dirty="0"/>
+              <a:t>单击此处编辑母版文本样式</a:t>
+            </a:r>
+          </a:p>
+          <a:p>
+            <a:pPr lvl="1"/>
+            <a:r>
+              <a:rPr kumimoji="1" lang="zh-CN" altLang="en-US" dirty="0"/>
+              <a:t>二级</a:t>
+            </a:r>
+          </a:p>
+          <a:p>
+            <a:pPr lvl="2"/>
+            <a:r>
+              <a:rPr kumimoji="1" lang="zh-CN" altLang="en-US" dirty="0"/>
+              <a:t>三级</a:t>
+            </a:r>
+          </a:p>
+          <a:p>
+            <a:pPr lvl="3"/>
+            <a:r>
+              <a:rPr kumimoji="1" lang="zh-CN" altLang="en-US" dirty="0"/>
+              <a:t>四级</a:t>
+            </a:r>
+          </a:p>
+          <a:p>
+            <a:pPr lvl="4"/>
+            <a:r>
+              <a:rPr kumimoji="1" lang="zh-CN" altLang="en-US" dirty="0"/>
+              <a:t>五级</a:t>
+            </a:r>
+          </a:p>
+        </p:txBody>
+      </p:sp>
+    </p:spTree>
+    <p:extLst>
+      <p:ext uri="{BB962C8B-B14F-4D97-AF65-F5344CB8AC3E}">
+        <p14:creationId xmlns:p14="http://schemas.microsoft.com/office/powerpoint/2010/main" val="89370478"/>
+      </p:ext>
+    </p:extLst>
+  </p:cSld>
+  <p:clrMapOvr>
+    <a:masterClrMapping/>
+  </p:clrMapOvr>
+</p:sldLayout>
+</file>
+
+<file path=ppt/slideLayouts/slideLayout4.xml><?xml version="1.0" encoding="utf-8"?>
+<p:sldLayout xmlns:a="http://schemas.openxmlformats.org/drawingml/2006/main" xmlns:r="http://schemas.openxmlformats.org/officeDocument/2006/relationships" xmlns:p="http://schemas.openxmlformats.org/presentationml/2006/main" preserve="1" userDrawn="1">
+  <p:cSld name="两栏内容">
+    <p:spTree>
+      <p:nvGrpSpPr>
+        <p:cNvPr id="1" name=""/>
+        <p:cNvGrpSpPr/>
+        <p:nvPr/>
+      </p:nvGrpSpPr>
+      <p:grpSpPr>
+        <a:xfrm>
+          <a:off x="0" y="0"/>
+          <a:ext cx="0" cy="0"/>
+          <a:chOff x="0" y="0"/>
+          <a:chExt cx="0" cy="0"/>
+        </a:xfrm>
+      </p:grpSpPr>
+      <p:pic>
+        <p:nvPicPr>
+          <p:cNvPr id="8" name="图片 7">
+            <a:extLst>
+              <a:ext uri="{FF2B5EF4-FFF2-40B4-BE49-F238E27FC236}">
+                <a16:creationId xmlns:a16="http://schemas.microsoft.com/office/drawing/2014/main" id="{8A29C50E-971D-3E49-83D5-3F1D11B03566}"/>
+              </a:ext>
+            </a:extLst>
+          </p:cNvPr>
+          <p:cNvPicPr>
+            <a:picLocks noChangeAspect="1"/>
+          </p:cNvPicPr>
+          <p:nvPr userDrawn="1"/>
+        </p:nvPicPr>
+        <p:blipFill>
+          <a:blip r:embed="rId2">
+            <a:extLst>
+              <a:ext uri="{28A0092B-C50C-407E-A947-70E740481C1C}">
+                <a14:useLocalDpi xmlns:a14="http://schemas.microsoft.com/office/drawing/2010/main" val="0"/>
+              </a:ext>
+            </a:extLst>
+          </a:blip>
+          <a:stretch>
+            <a:fillRect/>
+          </a:stretch>
+        </p:blipFill>
+        <p:spPr>
+          <a:xfrm>
+            <a:off x="0" y="0"/>
+            <a:ext cx="12192000" cy="6858000"/>
+          </a:xfrm>
+          <a:prstGeom prst="rect">
+            <a:avLst/>
+          </a:prstGeom>
+        </p:spPr>
+      </p:pic>
+      <p:sp>
+        <p:nvSpPr>
+          <p:cNvPr id="5" name="日期占位符 4">
+            <a:extLst>
+              <a:ext uri="{FF2B5EF4-FFF2-40B4-BE49-F238E27FC236}">
+                <a16:creationId xmlns:a16="http://schemas.microsoft.com/office/drawing/2014/main" id="{D2F410A2-91B8-4D43-B0E4-3B3D8D20B84A}"/>
+              </a:ext>
+            </a:extLst>
+          </p:cNvPr>
+          <p:cNvSpPr>
+            <a:spLocks noGrp="1"/>
+          </p:cNvSpPr>
+          <p:nvPr>
+            <p:ph type="dt" sz="half" idx="10"/>
+          </p:nvPr>
+        </p:nvSpPr>
+        <p:spPr/>
+        <p:txBody>
+          <a:bodyPr/>
+          <a:lstStyle/>
+          <a:p>
+            <a:fld id="{E9D72C00-5B30-4947-A6A0-816C099A8315}" type="datetimeFigureOut">
+              <a:rPr kumimoji="1" lang="zh-CN" altLang="en-US" smtClean="0"/>
+              <a:t>2023/3/24</a:t>
+            </a:fld>
+            <a:endParaRPr kumimoji="1" lang="zh-CN" altLang="en-US"/>
+          </a:p>
+        </p:txBody>
+      </p:sp>
+      <p:sp>
+        <p:nvSpPr>
+          <p:cNvPr id="6" name="页脚占位符 5">
+            <a:extLst>
+              <a:ext uri="{FF2B5EF4-FFF2-40B4-BE49-F238E27FC236}">
+                <a16:creationId xmlns:a16="http://schemas.microsoft.com/office/drawing/2014/main" id="{F840CBBD-5FE4-AE4B-8D1F-43400A06E30F}"/>
+              </a:ext>
+            </a:extLst>
+          </p:cNvPr>
+          <p:cNvSpPr>
+            <a:spLocks noGrp="1"/>
+          </p:cNvSpPr>
+          <p:nvPr>
+            <p:ph type="ftr" sz="quarter" idx="11"/>
+          </p:nvPr>
+        </p:nvSpPr>
+        <p:spPr/>
+        <p:txBody>
+          <a:bodyPr/>
+          <a:lstStyle/>
+          <a:p>
+            <a:endParaRPr kumimoji="1" lang="zh-CN" altLang="en-US"/>
+          </a:p>
+        </p:txBody>
+      </p:sp>
+      <p:sp>
+        <p:nvSpPr>
+          <p:cNvPr id="7" name="灯片编号占位符 6">
+            <a:extLst>
+              <a:ext uri="{FF2B5EF4-FFF2-40B4-BE49-F238E27FC236}">
+                <a16:creationId xmlns:a16="http://schemas.microsoft.com/office/drawing/2014/main" id="{5D5F5A2E-C959-F245-BA4C-DCAF3E9EC3B7}"/>
+              </a:ext>
+            </a:extLst>
+          </p:cNvPr>
+          <p:cNvSpPr>
+            <a:spLocks noGrp="1"/>
+          </p:cNvSpPr>
+          <p:nvPr>
+            <p:ph type="sldNum" sz="quarter" idx="12"/>
+          </p:nvPr>
+        </p:nvSpPr>
+        <p:spPr/>
+        <p:txBody>
+          <a:bodyPr/>
+          <a:lstStyle/>
+          <a:p>
+            <a:fld id="{391D3646-2F20-B841-87F3-910C3752A608}" type="slidenum">
+              <a:rPr kumimoji="1" lang="zh-CN" altLang="en-US" smtClean="0"/>
+              <a:t>‹#›</a:t>
+            </a:fld>
+            <a:endParaRPr kumimoji="1" lang="zh-CN" altLang="en-US"/>
+          </a:p>
+        </p:txBody>
+      </p:sp>
+    </p:spTree>
+    <p:extLst>
+      <p:ext uri="{BB962C8B-B14F-4D97-AF65-F5344CB8AC3E}">
+        <p14:creationId xmlns:p14="http://schemas.microsoft.com/office/powerpoint/2010/main" val="917320301"/>
+      </p:ext>
+    </p:extLst>
+  </p:cSld>
+  <p:clrMapOvr>
+    <a:masterClrMapping/>
+  </p:clrMapOvr>
+</p:sldLayout>
+</file>
+
+<file path=ppt/slideLayouts/slideLayout5.xml><?xml version="1.0" encoding="utf-8"?>
+<p:sldLayout xmlns:a="http://schemas.openxmlformats.org/drawingml/2006/main" xmlns:r="http://schemas.openxmlformats.org/officeDocument/2006/relationships" xmlns:p="http://schemas.openxmlformats.org/presentationml/2006/main" preserve="1" userDrawn="1">
+  <p:cSld name="比较">
+    <p:spTree>
+      <p:nvGrpSpPr>
+        <p:cNvPr id="1" name=""/>
+        <p:cNvGrpSpPr/>
+        <p:nvPr/>
+      </p:nvGrpSpPr>
+      <p:grpSpPr>
+        <a:xfrm>
+          <a:off x="0" y="0"/>
+          <a:ext cx="0" cy="0"/>
+          <a:chOff x="0" y="0"/>
+          <a:chExt cx="0" cy="0"/>
+        </a:xfrm>
+      </p:grpSpPr>
+      <p:pic>
+        <p:nvPicPr>
+          <p:cNvPr id="16" name="图片 15">
+            <a:extLst>
+              <a:ext uri="{FF2B5EF4-FFF2-40B4-BE49-F238E27FC236}">
+                <a16:creationId xmlns:a16="http://schemas.microsoft.com/office/drawing/2014/main" id="{DD29932C-C9BB-4749-A11F-B6AA71B96B6E}"/>
+              </a:ext>
+            </a:extLst>
+          </p:cNvPr>
+          <p:cNvPicPr>
+            <a:picLocks noChangeAspect="1"/>
+          </p:cNvPicPr>
+          <p:nvPr userDrawn="1"/>
+        </p:nvPicPr>
+        <p:blipFill>
+          <a:blip r:embed="rId2">
+            <a:extLst>
+              <a:ext uri="{28A0092B-C50C-407E-A947-70E740481C1C}">
+                <a14:useLocalDpi xmlns:a14="http://schemas.microsoft.com/office/drawing/2010/main" val="0"/>
+              </a:ext>
+            </a:extLst>
+          </a:blip>
+          <a:stretch>
+            <a:fillRect/>
+          </a:stretch>
+        </p:blipFill>
+        <p:spPr>
+          <a:xfrm>
+            <a:off x="0" y="0"/>
+            <a:ext cx="12192000" cy="6858000"/>
+          </a:xfrm>
+          <a:prstGeom prst="rect">
+            <a:avLst/>
+          </a:prstGeom>
+        </p:spPr>
+      </p:pic>
+      <p:pic>
+        <p:nvPicPr>
+          <p:cNvPr id="15" name="图片 14">
+            <a:extLst>
+              <a:ext uri="{FF2B5EF4-FFF2-40B4-BE49-F238E27FC236}">
+                <a16:creationId xmlns:a16="http://schemas.microsoft.com/office/drawing/2014/main" id="{A26840FE-B852-154D-9501-CEDDEAD95EFE}"/>
+              </a:ext>
+            </a:extLst>
+          </p:cNvPr>
+          <p:cNvPicPr>
+            <a:picLocks noChangeAspect="1"/>
+          </p:cNvPicPr>
+          <p:nvPr userDrawn="1"/>
+        </p:nvPicPr>
+        <p:blipFill>
+          <a:blip r:embed="rId3">
+            <a:biLevel thresh="25000"/>
+          </a:blip>
+          <a:stretch>
+            <a:fillRect/>
+          </a:stretch>
+        </p:blipFill>
+        <p:spPr>
+          <a:xfrm>
+            <a:off x="11458742" y="6178531"/>
+            <a:ext cx="441605" cy="469792"/>
+          </a:xfrm>
+          <a:prstGeom prst="rect">
+            <a:avLst/>
+          </a:prstGeom>
+        </p:spPr>
+      </p:pic>
+      <p:sp>
+        <p:nvSpPr>
+          <p:cNvPr id="7" name="日期占位符 6">
+            <a:extLst>
+              <a:ext uri="{FF2B5EF4-FFF2-40B4-BE49-F238E27FC236}">
+                <a16:creationId xmlns:a16="http://schemas.microsoft.com/office/drawing/2014/main" id="{29960EE3-5C0B-EE49-BF9B-9D81FC80DA5E}"/>
+              </a:ext>
+            </a:extLst>
+          </p:cNvPr>
+          <p:cNvSpPr>
+            <a:spLocks noGrp="1"/>
+          </p:cNvSpPr>
+          <p:nvPr>
+            <p:ph type="dt" sz="half" idx="10"/>
+          </p:nvPr>
+        </p:nvSpPr>
+        <p:spPr/>
+        <p:txBody>
+          <a:bodyPr/>
+          <a:lstStyle/>
+          <a:p>
+            <a:fld id="{E9D72C00-5B30-4947-A6A0-816C099A8315}" type="datetimeFigureOut">
+              <a:rPr kumimoji="1" lang="zh-CN" altLang="en-US" smtClean="0"/>
+              <a:t>2023/3/24</a:t>
+            </a:fld>
+            <a:endParaRPr kumimoji="1" lang="zh-CN" altLang="en-US"/>
+          </a:p>
+        </p:txBody>
+      </p:sp>
+      <p:sp>
+        <p:nvSpPr>
+          <p:cNvPr id="8" name="页脚占位符 7">
+            <a:extLst>
+              <a:ext uri="{FF2B5EF4-FFF2-40B4-BE49-F238E27FC236}">
+                <a16:creationId xmlns:a16="http://schemas.microsoft.com/office/drawing/2014/main" id="{6736376C-AC1B-3441-B86A-A47660FAF75C}"/>
+              </a:ext>
+            </a:extLst>
+          </p:cNvPr>
+          <p:cNvSpPr>
+            <a:spLocks noGrp="1"/>
+          </p:cNvSpPr>
+          <p:nvPr>
+            <p:ph type="ftr" sz="quarter" idx="11"/>
+          </p:nvPr>
+        </p:nvSpPr>
+        <p:spPr/>
+        <p:txBody>
+          <a:bodyPr/>
+          <a:lstStyle/>
+          <a:p>
+            <a:endParaRPr kumimoji="1" lang="zh-CN" altLang="en-US"/>
+          </a:p>
+        </p:txBody>
+      </p:sp>
+      <p:sp>
+        <p:nvSpPr>
+          <p:cNvPr id="9" name="灯片编号占位符 8">
+            <a:extLst>
+              <a:ext uri="{FF2B5EF4-FFF2-40B4-BE49-F238E27FC236}">
+                <a16:creationId xmlns:a16="http://schemas.microsoft.com/office/drawing/2014/main" id="{9AF795C8-99FC-9C4C-B173-C2965EF2DB4F}"/>
+              </a:ext>
+            </a:extLst>
+          </p:cNvPr>
+          <p:cNvSpPr>
+            <a:spLocks noGrp="1"/>
+          </p:cNvSpPr>
+          <p:nvPr>
+            <p:ph type="sldNum" sz="quarter" idx="12"/>
+          </p:nvPr>
+        </p:nvSpPr>
+        <p:spPr/>
+        <p:txBody>
+          <a:bodyPr/>
+          <a:lstStyle/>
+          <a:p>
+            <a:fld id="{391D3646-2F20-B841-87F3-910C3752A608}" type="slidenum">
+              <a:rPr kumimoji="1" lang="zh-CN" altLang="en-US" smtClean="0"/>
+              <a:t>‹#›</a:t>
+            </a:fld>
+            <a:endParaRPr kumimoji="1" lang="zh-CN" altLang="en-US"/>
+          </a:p>
+        </p:txBody>
+      </p:sp>
+      <p:sp>
+        <p:nvSpPr>
+          <p:cNvPr id="10" name="标题 1">
+            <a:extLst>
+              <a:ext uri="{FF2B5EF4-FFF2-40B4-BE49-F238E27FC236}">
+                <a16:creationId xmlns:a16="http://schemas.microsoft.com/office/drawing/2014/main" id="{4A6EFCBE-ADFB-414A-BA4E-2C0B44C9BE06}"/>
+              </a:ext>
+            </a:extLst>
+          </p:cNvPr>
+          <p:cNvSpPr>
+            <a:spLocks noGrp="1"/>
+          </p:cNvSpPr>
+          <p:nvPr>
+            <p:ph type="ctrTitle" hasCustomPrompt="1"/>
+          </p:nvPr>
+        </p:nvSpPr>
+        <p:spPr>
+          <a:xfrm>
+            <a:off x="838201" y="518661"/>
+            <a:ext cx="5201050" cy="638807"/>
+          </a:xfrm>
+        </p:spPr>
+        <p:txBody>
+          <a:bodyPr anchor="b">
+            <a:normAutofit/>
+          </a:bodyPr>
+          <a:lstStyle>
+            <a:lvl1pPr algn="l">
+              <a:defRPr sz="3200" b="1" i="0">
+                <a:solidFill>
+                  <a:schemeClr val="bg1"/>
+                </a:solidFill>
+                <a:latin typeface="Microsoft YaHei" panose="020B0503020204020204" pitchFamily="34" charset="-122"/>
+                <a:ea typeface="Microsoft YaHei" panose="020B0503020204020204" pitchFamily="34" charset="-122"/>
+              </a:defRPr>
+            </a:lvl1pPr>
+          </a:lstStyle>
+          <a:p>
+            <a:r>
+              <a:rPr kumimoji="1" lang="zh-CN" altLang="en-US" dirty="0"/>
+              <a:t>母版标题样式</a:t>
+            </a:r>
+          </a:p>
+        </p:txBody>
+      </p:sp>
+      <p:sp>
+        <p:nvSpPr>
+          <p:cNvPr id="11" name="副标题 2">
+            <a:extLst>
+              <a:ext uri="{FF2B5EF4-FFF2-40B4-BE49-F238E27FC236}">
+                <a16:creationId xmlns:a16="http://schemas.microsoft.com/office/drawing/2014/main" id="{CEE396D2-7EA0-F049-BC6B-4E22135966C8}"/>
+              </a:ext>
+            </a:extLst>
+          </p:cNvPr>
+          <p:cNvSpPr>
+            <a:spLocks noGrp="1"/>
+          </p:cNvSpPr>
+          <p:nvPr>
+            <p:ph type="subTitle" idx="1"/>
+          </p:nvPr>
+        </p:nvSpPr>
+        <p:spPr>
+          <a:xfrm>
+            <a:off x="838200" y="1311355"/>
+            <a:ext cx="6222357" cy="459572"/>
+          </a:xfrm>
+        </p:spPr>
+        <p:txBody>
+          <a:bodyPr/>
+          <a:lstStyle>
+            <a:lvl1pPr marL="0" indent="0" algn="l">
+              <a:buNone/>
+              <a:defRPr sz="2400" b="0" i="0">
+                <a:solidFill>
+                  <a:schemeClr val="bg1"/>
+                </a:solidFill>
+                <a:latin typeface="Microsoft YaHei Light" panose="020B0503020204020204" pitchFamily="34" charset="-122"/>
+                <a:ea typeface="Microsoft YaHei Light" panose="020B0503020204020204" pitchFamily="34" charset="-122"/>
+              </a:defRPr>
+            </a:lvl1pPr>
+            <a:lvl2pPr marL="457200" indent="0" algn="ctr">
+              <a:buNone/>
+              <a:defRPr sz="2000"/>
+            </a:lvl2pPr>
+            <a:lvl3pPr marL="914400" indent="0" algn="ctr">
+              <a:buNone/>
+              <a:defRPr sz="1800"/>
+            </a:lvl3pPr>
+            <a:lvl4pPr marL="1371600" indent="0" algn="ctr">
+              <a:buNone/>
+              <a:defRPr sz="1600"/>
+            </a:lvl4pPr>
+            <a:lvl5pPr marL="1828800" indent="0" algn="ctr">
+              <a:buNone/>
+              <a:defRPr sz="1600"/>
+            </a:lvl5pPr>
+            <a:lvl6pPr marL="2286000" indent="0" algn="ctr">
+              <a:buNone/>
+              <a:defRPr sz="1600"/>
+            </a:lvl6pPr>
+            <a:lvl7pPr marL="2743200" indent="0" algn="ctr">
+              <a:buNone/>
+              <a:defRPr sz="1600"/>
+            </a:lvl7pPr>
+            <a:lvl8pPr marL="3200400" indent="0" algn="ctr">
+              <a:buNone/>
+              <a:defRPr sz="1600"/>
+            </a:lvl8pPr>
+            <a:lvl9pPr marL="3657600" indent="0" algn="ctr">
+              <a:buNone/>
+              <a:defRPr sz="1600"/>
+            </a:lvl9pPr>
+          </a:lstStyle>
+          <a:p>
+            <a:r>
+              <a:rPr kumimoji="1" lang="zh-CN" altLang="en-US" dirty="0"/>
+              <a:t>单击此处编辑母版副标题样式</a:t>
+            </a:r>
+          </a:p>
+        </p:txBody>
+      </p:sp>
+    </p:spTree>
+    <p:extLst>
+      <p:ext uri="{BB962C8B-B14F-4D97-AF65-F5344CB8AC3E}">
+        <p14:creationId xmlns:p14="http://schemas.microsoft.com/office/powerpoint/2010/main" val="1302772581"/>
+      </p:ext>
+    </p:extLst>
+  </p:cSld>
+  <p:clrMapOvr>
+    <a:masterClrMapping/>
+  </p:clrMapOvr>
+</p:sldLayout>
+</file>
+
+<file path=ppt/slideLayouts/slideLayout6.xml><?xml version="1.0" encoding="utf-8"?>
+<p:sldLayout xmlns:a="http://schemas.openxmlformats.org/drawingml/2006/main" xmlns:r="http://schemas.openxmlformats.org/officeDocument/2006/relationships" xmlns:p="http://schemas.openxmlformats.org/presentationml/2006/main" type="titleOnly" preserve="1">
+  <p:cSld name="仅标题">
+    <p:spTree>
+      <p:nvGrpSpPr>
+        <p:cNvPr id="1" name=""/>
+        <p:cNvGrpSpPr/>
+        <p:nvPr/>
+      </p:nvGrpSpPr>
+      <p:grpSpPr>
+        <a:xfrm>
+          <a:off x="0" y="0"/>
+          <a:ext cx="0" cy="0"/>
+          <a:chOff x="0" y="0"/>
+          <a:chExt cx="0" cy="0"/>
+        </a:xfrm>
+      </p:grpSpPr>
+      <p:sp>
+        <p:nvSpPr>
+          <p:cNvPr id="2" name="标题 1">
+            <a:extLst>
+              <a:ext uri="{FF2B5EF4-FFF2-40B4-BE49-F238E27FC236}">
+                <a16:creationId xmlns:a16="http://schemas.microsoft.com/office/drawing/2014/main" id="{CE86867C-26B7-CE44-A7CE-7997401F437E}"/>
+              </a:ext>
+            </a:extLst>
+          </p:cNvPr>
+          <p:cNvSpPr>
+            <a:spLocks noGrp="1"/>
+          </p:cNvSpPr>
+          <p:nvPr>
+            <p:ph type="title"/>
+          </p:nvPr>
+        </p:nvSpPr>
+        <p:spPr/>
+        <p:txBody>
+          <a:bodyPr/>
+          <a:lstStyle/>
+          <a:p>
+            <a:r>
+              <a:rPr kumimoji="1" lang="zh-CN" altLang="en-US"/>
+              <a:t>单击此处编辑母版标题样式</a:t>
+            </a:r>
+          </a:p>
+        </p:txBody>
+      </p:sp>
+      <p:sp>
+        <p:nvSpPr>
+          <p:cNvPr id="3" name="日期占位符 2">
+            <a:extLst>
+              <a:ext uri="{FF2B5EF4-FFF2-40B4-BE49-F238E27FC236}">
+                <a16:creationId xmlns:a16="http://schemas.microsoft.com/office/drawing/2014/main" id="{7E78DBFD-281E-3045-83EE-7356C89B2373}"/>
+              </a:ext>
+            </a:extLst>
+          </p:cNvPr>
+          <p:cNvSpPr>
+            <a:spLocks noGrp="1"/>
+          </p:cNvSpPr>
+          <p:nvPr>
+            <p:ph type="dt" sz="half" idx="10"/>
+          </p:nvPr>
+        </p:nvSpPr>
+        <p:spPr/>
+        <p:txBody>
+          <a:bodyPr/>
+          <a:lstStyle/>
+          <a:p>
+            <a:fld id="{E9D72C00-5B30-4947-A6A0-816C099A8315}" type="datetimeFigureOut">
+              <a:rPr kumimoji="1" lang="zh-CN" altLang="en-US" smtClean="0"/>
+              <a:t>2023/3/24</a:t>
+            </a:fld>
+            <a:endParaRPr kumimoji="1" lang="zh-CN" altLang="en-US"/>
+          </a:p>
+        </p:txBody>
+      </p:sp>
+      <p:sp>
+        <p:nvSpPr>
+          <p:cNvPr id="4" name="页脚占位符 3">
+            <a:extLst>
+              <a:ext uri="{FF2B5EF4-FFF2-40B4-BE49-F238E27FC236}">
+                <a16:creationId xmlns:a16="http://schemas.microsoft.com/office/drawing/2014/main" id="{35E3EE49-F9D6-D646-98BE-9CDA2D970508}"/>
+              </a:ext>
+            </a:extLst>
+          </p:cNvPr>
+          <p:cNvSpPr>
+            <a:spLocks noGrp="1"/>
+          </p:cNvSpPr>
+          <p:nvPr>
+            <p:ph type="ftr" sz="quarter" idx="11"/>
+          </p:nvPr>
+        </p:nvSpPr>
+        <p:spPr/>
+        <p:txBody>
+          <a:bodyPr/>
+          <a:lstStyle/>
+          <a:p>
+            <a:endParaRPr kumimoji="1" lang="zh-CN" altLang="en-US"/>
+          </a:p>
+        </p:txBody>
+      </p:sp>
+      <p:sp>
+        <p:nvSpPr>
+          <p:cNvPr id="5" name="灯片编号占位符 4">
+            <a:extLst>
+              <a:ext uri="{FF2B5EF4-FFF2-40B4-BE49-F238E27FC236}">
+                <a16:creationId xmlns:a16="http://schemas.microsoft.com/office/drawing/2014/main" id="{08532D2B-D991-7245-93B2-95AB0C0D231D}"/>
+              </a:ext>
+            </a:extLst>
+          </p:cNvPr>
+          <p:cNvSpPr>
+            <a:spLocks noGrp="1"/>
+          </p:cNvSpPr>
+          <p:nvPr>
+            <p:ph type="sldNum" sz="quarter" idx="12"/>
+          </p:nvPr>
+        </p:nvSpPr>
+        <p:spPr/>
+        <p:txBody>
+          <a:bodyPr/>
+          <a:lstStyle/>
+          <a:p>
+            <a:fld id="{391D3646-2F20-B841-87F3-910C3752A608}" type="slidenum">
+              <a:rPr kumimoji="1" lang="zh-CN" altLang="en-US" smtClean="0"/>
+              <a:t>‹#›</a:t>
+            </a:fld>
+            <a:endParaRPr kumimoji="1" lang="zh-CN" altLang="en-US"/>
+          </a:p>
+        </p:txBody>
+      </p:sp>
+    </p:spTree>
+    <p:extLst>
+      <p:ext uri="{BB962C8B-B14F-4D97-AF65-F5344CB8AC3E}">
+        <p14:creationId xmlns:p14="http://schemas.microsoft.com/office/powerpoint/2010/main" val="259952354"/>
+      </p:ext>
+    </p:extLst>
+  </p:cSld>
+  <p:clrMapOvr>
+    <a:masterClrMapping/>
+  </p:clrMapOvr>
+</p:sldLayout>
+</file>
+
+<file path=ppt/slideLayouts/slideLayout7.xml><?xml version="1.0" encoding="utf-8"?>
+<p:sldLayout xmlns:a="http://schemas.openxmlformats.org/drawingml/2006/main" xmlns:r="http://schemas.openxmlformats.org/officeDocument/2006/relationships" xmlns:p="http://schemas.openxmlformats.org/presentationml/2006/main" preserve="1" userDrawn="1">
+  <p:cSld name="空白">
+    <p:spTree>
+      <p:nvGrpSpPr>
+        <p:cNvPr id="1" name=""/>
+        <p:cNvGrpSpPr/>
+        <p:nvPr/>
+      </p:nvGrpSpPr>
+      <p:grpSpPr>
+        <a:xfrm>
+          <a:off x="0" y="0"/>
+          <a:ext cx="0" cy="0"/>
+          <a:chOff x="0" y="0"/>
+          <a:chExt cx="0" cy="0"/>
+        </a:xfrm>
+      </p:grpSpPr>
+      <p:pic>
+        <p:nvPicPr>
+          <p:cNvPr id="10" name="图片 9">
+            <a:extLst>
+              <a:ext uri="{FF2B5EF4-FFF2-40B4-BE49-F238E27FC236}">
+                <a16:creationId xmlns:a16="http://schemas.microsoft.com/office/drawing/2014/main" id="{E922D41B-CC74-A945-93E0-433FD40739FC}"/>
+              </a:ext>
+            </a:extLst>
+          </p:cNvPr>
+          <p:cNvPicPr>
+            <a:picLocks noChangeAspect="1"/>
+          </p:cNvPicPr>
+          <p:nvPr userDrawn="1"/>
+        </p:nvPicPr>
+        <p:blipFill>
+          <a:blip r:embed="rId2">
+            <a:extLst>
+              <a:ext uri="{28A0092B-C50C-407E-A947-70E740481C1C}">
+                <a14:useLocalDpi xmlns:a14="http://schemas.microsoft.com/office/drawing/2010/main" val="0"/>
+              </a:ext>
+            </a:extLst>
+          </a:blip>
+          <a:stretch>
+            <a:fillRect/>
+          </a:stretch>
+        </p:blipFill>
+        <p:spPr>
+          <a:xfrm>
+            <a:off x="0" y="0"/>
+            <a:ext cx="12192000" cy="6858000"/>
+          </a:xfrm>
+          <a:prstGeom prst="rect">
+            <a:avLst/>
+          </a:prstGeom>
+        </p:spPr>
+      </p:pic>
+      <p:pic>
+        <p:nvPicPr>
+          <p:cNvPr id="9" name="图片 8">
+            <a:extLst>
+              <a:ext uri="{FF2B5EF4-FFF2-40B4-BE49-F238E27FC236}">
+                <a16:creationId xmlns:a16="http://schemas.microsoft.com/office/drawing/2014/main" id="{C9D5C621-CD72-5543-A418-E039A6D5BF21}"/>
+              </a:ext>
+            </a:extLst>
+          </p:cNvPr>
+          <p:cNvPicPr>
+            <a:picLocks noChangeAspect="1"/>
+          </p:cNvPicPr>
+          <p:nvPr userDrawn="1"/>
+        </p:nvPicPr>
+        <p:blipFill>
+          <a:blip r:embed="rId3">
+            <a:biLevel thresh="25000"/>
+          </a:blip>
+          <a:stretch>
+            <a:fillRect/>
+          </a:stretch>
+        </p:blipFill>
+        <p:spPr>
+          <a:xfrm>
+            <a:off x="11458742" y="6178531"/>
+            <a:ext cx="441605" cy="469792"/>
+          </a:xfrm>
+          <a:prstGeom prst="rect">
+            <a:avLst/>
+          </a:prstGeom>
+        </p:spPr>
+      </p:pic>
+      <p:sp>
+        <p:nvSpPr>
+          <p:cNvPr id="2" name="日期占位符 1">
+            <a:extLst>
+              <a:ext uri="{FF2B5EF4-FFF2-40B4-BE49-F238E27FC236}">
+                <a16:creationId xmlns:a16="http://schemas.microsoft.com/office/drawing/2014/main" id="{FE1C0E87-CA8A-3740-85DE-FE671F6A3A33}"/>
+              </a:ext>
+            </a:extLst>
+          </p:cNvPr>
+          <p:cNvSpPr>
+            <a:spLocks noGrp="1"/>
+          </p:cNvSpPr>
+          <p:nvPr>
+            <p:ph type="dt" sz="half" idx="10"/>
+          </p:nvPr>
+        </p:nvSpPr>
+        <p:spPr/>
+        <p:txBody>
+          <a:bodyPr/>
+          <a:lstStyle/>
+          <a:p>
+            <a:fld id="{E9D72C00-5B30-4947-A6A0-816C099A8315}" type="datetimeFigureOut">
+              <a:rPr kumimoji="1" lang="zh-CN" altLang="en-US" smtClean="0"/>
+              <a:t>2023/3/24</a:t>
+            </a:fld>
+            <a:endParaRPr kumimoji="1" lang="zh-CN" altLang="en-US"/>
+          </a:p>
+        </p:txBody>
+      </p:sp>
+      <p:sp>
+        <p:nvSpPr>
+          <p:cNvPr id="3" name="页脚占位符 2">
+            <a:extLst>
+              <a:ext uri="{FF2B5EF4-FFF2-40B4-BE49-F238E27FC236}">
+                <a16:creationId xmlns:a16="http://schemas.microsoft.com/office/drawing/2014/main" id="{02ED2180-76C8-FC40-A33A-4E1EF01337A8}"/>
+              </a:ext>
+            </a:extLst>
+          </p:cNvPr>
+          <p:cNvSpPr>
+            <a:spLocks noGrp="1"/>
+          </p:cNvSpPr>
+          <p:nvPr>
+            <p:ph type="ftr" sz="quarter" idx="11"/>
+          </p:nvPr>
+        </p:nvSpPr>
+        <p:spPr/>
+        <p:txBody>
+          <a:bodyPr/>
+          <a:lstStyle/>
+          <a:p>
+            <a:endParaRPr kumimoji="1" lang="zh-CN" altLang="en-US"/>
+          </a:p>
+        </p:txBody>
+      </p:sp>
+      <p:sp>
+        <p:nvSpPr>
+          <p:cNvPr id="4" name="灯片编号占位符 3">
+            <a:extLst>
+              <a:ext uri="{FF2B5EF4-FFF2-40B4-BE49-F238E27FC236}">
+                <a16:creationId xmlns:a16="http://schemas.microsoft.com/office/drawing/2014/main" id="{A50FF2CF-1BC4-9944-AFD0-255B2123F36A}"/>
+              </a:ext>
+            </a:extLst>
+          </p:cNvPr>
+          <p:cNvSpPr>
+            <a:spLocks noGrp="1"/>
+          </p:cNvSpPr>
+          <p:nvPr>
+            <p:ph type="sldNum" sz="quarter" idx="12"/>
+          </p:nvPr>
+        </p:nvSpPr>
+        <p:spPr/>
+        <p:txBody>
+          <a:bodyPr/>
+          <a:lstStyle/>
+          <a:p>
+            <a:fld id="{391D3646-2F20-B841-87F3-910C3752A608}" type="slidenum">
+              <a:rPr kumimoji="1" lang="zh-CN" altLang="en-US" smtClean="0"/>
+              <a:t>‹#›</a:t>
+            </a:fld>
+            <a:endParaRPr kumimoji="1" lang="zh-CN" altLang="en-US"/>
+          </a:p>
+        </p:txBody>
+      </p:sp>
+      <p:sp>
+        <p:nvSpPr>
+          <p:cNvPr id="5" name="标题 1">
+            <a:extLst>
+              <a:ext uri="{FF2B5EF4-FFF2-40B4-BE49-F238E27FC236}">
+                <a16:creationId xmlns:a16="http://schemas.microsoft.com/office/drawing/2014/main" id="{38969CE1-45EC-5443-A3E9-436CDF16A163}"/>
+              </a:ext>
+            </a:extLst>
+          </p:cNvPr>
+          <p:cNvSpPr>
+            <a:spLocks noGrp="1"/>
+          </p:cNvSpPr>
+          <p:nvPr>
+            <p:ph type="ctrTitle" hasCustomPrompt="1"/>
+          </p:nvPr>
+        </p:nvSpPr>
+        <p:spPr>
+          <a:xfrm>
+            <a:off x="838200" y="3073686"/>
+            <a:ext cx="7643149" cy="710628"/>
+          </a:xfrm>
+        </p:spPr>
+        <p:txBody>
+          <a:bodyPr anchor="b">
+            <a:normAutofit/>
+          </a:bodyPr>
+          <a:lstStyle>
+            <a:lvl1pPr algn="l">
+              <a:defRPr sz="3600" b="1" i="0">
+                <a:solidFill>
+                  <a:schemeClr val="bg1"/>
+                </a:solidFill>
+                <a:latin typeface="Microsoft YaHei" panose="020B0503020204020204" pitchFamily="34" charset="-122"/>
+                <a:ea typeface="Microsoft YaHei" panose="020B0503020204020204" pitchFamily="34" charset="-122"/>
+              </a:defRPr>
+            </a:lvl1pPr>
+          </a:lstStyle>
+          <a:p>
+            <a:r>
+              <a:rPr kumimoji="1" lang="zh-CN" altLang="en-US" dirty="0"/>
+              <a:t>章节题目</a:t>
+            </a:r>
+          </a:p>
+        </p:txBody>
+      </p:sp>
+    </p:spTree>
+    <p:extLst>
+      <p:ext uri="{BB962C8B-B14F-4D97-AF65-F5344CB8AC3E}">
+        <p14:creationId xmlns:p14="http://schemas.microsoft.com/office/powerpoint/2010/main" val="3770293645"/>
+      </p:ext>
+    </p:extLst>
+  </p:cSld>
+  <p:clrMapOvr>
+    <a:masterClrMapping/>
+  </p:clrMapOvr>
+</p:sldLayout>
+</file>
+
+<file path=ppt/slideLayouts/slideLayout8.xml><?xml version="1.0" encoding="utf-8"?>
+<p:sldLayout xmlns:a="http://schemas.openxmlformats.org/drawingml/2006/main" xmlns:r="http://schemas.openxmlformats.org/officeDocument/2006/relationships" xmlns:p="http://schemas.openxmlformats.org/presentationml/2006/main" preserve="1" userDrawn="1">
+  <p:cSld name="图片与标题">
+    <p:spTree>
+      <p:nvGrpSpPr>
+        <p:cNvPr id="1" name=""/>
+        <p:cNvGrpSpPr/>
+        <p:nvPr/>
+      </p:nvGrpSpPr>
+      <p:grpSpPr>
+        <a:xfrm>
+          <a:off x="0" y="0"/>
+          <a:ext cx="0" cy="0"/>
+          <a:chOff x="0" y="0"/>
+          <a:chExt cx="0" cy="0"/>
+        </a:xfrm>
+      </p:grpSpPr>
+      <p:pic>
+        <p:nvPicPr>
+          <p:cNvPr id="15" name="图片 14">
+            <a:extLst>
+              <a:ext uri="{FF2B5EF4-FFF2-40B4-BE49-F238E27FC236}">
+                <a16:creationId xmlns:a16="http://schemas.microsoft.com/office/drawing/2014/main" id="{1BA3F26A-6D9C-4F4D-9C8D-8DD7458A87CE}"/>
+              </a:ext>
+            </a:extLst>
+          </p:cNvPr>
+          <p:cNvPicPr>
+            <a:picLocks noChangeAspect="1"/>
+          </p:cNvPicPr>
+          <p:nvPr userDrawn="1"/>
+        </p:nvPicPr>
+        <p:blipFill>
+          <a:blip r:embed="rId2">
+            <a:extLst>
+              <a:ext uri="{28A0092B-C50C-407E-A947-70E740481C1C}">
+                <a14:useLocalDpi xmlns:a14="http://schemas.microsoft.com/office/drawing/2010/main" val="0"/>
+              </a:ext>
+            </a:extLst>
+          </a:blip>
+          <a:stretch>
+            <a:fillRect/>
+          </a:stretch>
+        </p:blipFill>
+        <p:spPr>
+          <a:xfrm>
+            <a:off x="0" y="0"/>
+            <a:ext cx="12192000" cy="6858000"/>
+          </a:xfrm>
+          <a:prstGeom prst="rect">
+            <a:avLst/>
+          </a:prstGeom>
+        </p:spPr>
+      </p:pic>
+      <p:pic>
+        <p:nvPicPr>
+          <p:cNvPr id="13" name="图片 12">
+            <a:extLst>
+              <a:ext uri="{FF2B5EF4-FFF2-40B4-BE49-F238E27FC236}">
+                <a16:creationId xmlns:a16="http://schemas.microsoft.com/office/drawing/2014/main" id="{093F34AD-93C3-CC4A-AB7A-F4D22FCED36E}"/>
+              </a:ext>
+            </a:extLst>
+          </p:cNvPr>
+          <p:cNvPicPr>
+            <a:picLocks noChangeAspect="1"/>
+          </p:cNvPicPr>
+          <p:nvPr userDrawn="1"/>
+        </p:nvPicPr>
+        <p:blipFill>
+          <a:blip r:embed="rId3">
+            <a:biLevel thresh="25000"/>
+          </a:blip>
+          <a:stretch>
+            <a:fillRect/>
+          </a:stretch>
+        </p:blipFill>
+        <p:spPr>
+          <a:xfrm>
+            <a:off x="11458742" y="6178531"/>
+            <a:ext cx="441605" cy="469792"/>
+          </a:xfrm>
+          <a:prstGeom prst="rect">
+            <a:avLst/>
+          </a:prstGeom>
+        </p:spPr>
+      </p:pic>
+      <p:sp>
+        <p:nvSpPr>
+          <p:cNvPr id="5" name="日期占位符 4">
+            <a:extLst>
+              <a:ext uri="{FF2B5EF4-FFF2-40B4-BE49-F238E27FC236}">
+                <a16:creationId xmlns:a16="http://schemas.microsoft.com/office/drawing/2014/main" id="{823666E9-1FD3-E944-A9C1-F7CA7E3FAE53}"/>
+              </a:ext>
+            </a:extLst>
+          </p:cNvPr>
+          <p:cNvSpPr>
+            <a:spLocks noGrp="1"/>
+          </p:cNvSpPr>
+          <p:nvPr>
+            <p:ph type="dt" sz="half" idx="10"/>
+          </p:nvPr>
+        </p:nvSpPr>
+        <p:spPr/>
+        <p:txBody>
+          <a:bodyPr/>
+          <a:lstStyle/>
+          <a:p>
+            <a:fld id="{E9D72C00-5B30-4947-A6A0-816C099A8315}" type="datetimeFigureOut">
+              <a:rPr kumimoji="1" lang="zh-CN" altLang="en-US" smtClean="0"/>
+              <a:t>2023/3/24</a:t>
+            </a:fld>
+            <a:endParaRPr kumimoji="1" lang="zh-CN" altLang="en-US"/>
+          </a:p>
+        </p:txBody>
+      </p:sp>
+      <p:sp>
+        <p:nvSpPr>
+          <p:cNvPr id="6" name="页脚占位符 5">
+            <a:extLst>
+              <a:ext uri="{FF2B5EF4-FFF2-40B4-BE49-F238E27FC236}">
+                <a16:creationId xmlns:a16="http://schemas.microsoft.com/office/drawing/2014/main" id="{4E332341-7664-804A-8A75-7BA7DBB0F713}"/>
+              </a:ext>
+            </a:extLst>
+          </p:cNvPr>
+          <p:cNvSpPr>
+            <a:spLocks noGrp="1"/>
+          </p:cNvSpPr>
+          <p:nvPr>
+            <p:ph type="ftr" sz="quarter" idx="11"/>
+          </p:nvPr>
+        </p:nvSpPr>
+        <p:spPr/>
+        <p:txBody>
+          <a:bodyPr/>
+          <a:lstStyle/>
+          <a:p>
+            <a:endParaRPr kumimoji="1" lang="zh-CN" altLang="en-US"/>
+          </a:p>
+        </p:txBody>
+      </p:sp>
+      <p:sp>
+        <p:nvSpPr>
+          <p:cNvPr id="7" name="灯片编号占位符 6">
+            <a:extLst>
+              <a:ext uri="{FF2B5EF4-FFF2-40B4-BE49-F238E27FC236}">
+                <a16:creationId xmlns:a16="http://schemas.microsoft.com/office/drawing/2014/main" id="{DF6DCA49-4A0E-8549-B64A-6C0AEC8012FD}"/>
+              </a:ext>
+            </a:extLst>
+          </p:cNvPr>
+          <p:cNvSpPr>
+            <a:spLocks noGrp="1"/>
+          </p:cNvSpPr>
+          <p:nvPr>
+            <p:ph type="sldNum" sz="quarter" idx="12"/>
+          </p:nvPr>
+        </p:nvSpPr>
+        <p:spPr/>
+        <p:txBody>
+          <a:bodyPr/>
+          <a:lstStyle/>
+          <a:p>
+            <a:fld id="{391D3646-2F20-B841-87F3-910C3752A608}" type="slidenum">
+              <a:rPr kumimoji="1" lang="zh-CN" altLang="en-US" smtClean="0"/>
+              <a:t>‹#›</a:t>
+            </a:fld>
+            <a:endParaRPr kumimoji="1" lang="zh-CN" altLang="en-US"/>
+          </a:p>
+        </p:txBody>
+      </p:sp>
+      <p:sp>
+        <p:nvSpPr>
+          <p:cNvPr id="8" name="标题 1">
+            <a:extLst>
+              <a:ext uri="{FF2B5EF4-FFF2-40B4-BE49-F238E27FC236}">
+                <a16:creationId xmlns:a16="http://schemas.microsoft.com/office/drawing/2014/main" id="{51B28B92-375D-CC40-8DA7-4089637757E8}"/>
+              </a:ext>
+            </a:extLst>
+          </p:cNvPr>
+          <p:cNvSpPr>
+            <a:spLocks noGrp="1"/>
+          </p:cNvSpPr>
+          <p:nvPr>
+            <p:ph type="ctrTitle" hasCustomPrompt="1"/>
+          </p:nvPr>
+        </p:nvSpPr>
+        <p:spPr>
+          <a:xfrm>
+            <a:off x="838201" y="518661"/>
+            <a:ext cx="5201050" cy="638807"/>
+          </a:xfrm>
+        </p:spPr>
+        <p:txBody>
+          <a:bodyPr anchor="b">
+            <a:normAutofit/>
+          </a:bodyPr>
+          <a:lstStyle>
+            <a:lvl1pPr algn="l">
+              <a:defRPr sz="3200" b="1" i="0">
+                <a:solidFill>
+                  <a:schemeClr val="bg1"/>
+                </a:solidFill>
+                <a:latin typeface="Microsoft YaHei" panose="020B0503020204020204" pitchFamily="34" charset="-122"/>
+                <a:ea typeface="Microsoft YaHei" panose="020B0503020204020204" pitchFamily="34" charset="-122"/>
+              </a:defRPr>
+            </a:lvl1pPr>
+          </a:lstStyle>
+          <a:p>
+            <a:r>
+              <a:rPr kumimoji="1" lang="zh-CN" altLang="en-US" dirty="0"/>
+              <a:t>章节题目</a:t>
+            </a:r>
+          </a:p>
+        </p:txBody>
+      </p:sp>
+      <p:sp>
+        <p:nvSpPr>
+          <p:cNvPr id="9" name="副标题 2">
+            <a:extLst>
+              <a:ext uri="{FF2B5EF4-FFF2-40B4-BE49-F238E27FC236}">
+                <a16:creationId xmlns:a16="http://schemas.microsoft.com/office/drawing/2014/main" id="{DC73E8DD-4240-0B44-B87B-80EBB39DF619}"/>
+              </a:ext>
+            </a:extLst>
+          </p:cNvPr>
+          <p:cNvSpPr>
+            <a:spLocks noGrp="1"/>
+          </p:cNvSpPr>
+          <p:nvPr>
+            <p:ph type="subTitle" idx="1" hasCustomPrompt="1"/>
+          </p:nvPr>
+        </p:nvSpPr>
+        <p:spPr>
+          <a:xfrm>
+            <a:off x="838200" y="1311354"/>
+            <a:ext cx="10515599" cy="4892675"/>
+          </a:xfrm>
+        </p:spPr>
+        <p:txBody>
+          <a:bodyPr>
+            <a:normAutofit/>
+          </a:bodyPr>
+          <a:lstStyle>
+            <a:lvl1pPr marL="0" marR="0" indent="0" algn="l" defTabSz="914400" rtl="0" eaLnBrk="1" fontAlgn="auto" latinLnBrk="0" hangingPunct="1">
+              <a:lnSpc>
+                <a:spcPct val="90000"/>
+              </a:lnSpc>
+              <a:spcBef>
+                <a:spcPts val="1000"/>
+              </a:spcBef>
+              <a:spcAft>
+                <a:spcPts val="0"/>
+              </a:spcAft>
+              <a:buClrTx/>
+              <a:buSzTx/>
+              <a:buFont typeface="Arial" panose="020B0604020202020204" pitchFamily="34" charset="0"/>
+              <a:buNone/>
+              <a:tabLst/>
+              <a:defRPr sz="1800" b="0" i="0">
+                <a:solidFill>
+                  <a:schemeClr val="bg1"/>
+                </a:solidFill>
+                <a:latin typeface="Microsoft YaHei Light" panose="020B0503020204020204" pitchFamily="34" charset="-122"/>
+                <a:ea typeface="Microsoft YaHei Light" panose="020B0503020204020204" pitchFamily="34" charset="-122"/>
+              </a:defRPr>
+            </a:lvl1pPr>
+            <a:lvl2pPr marL="457200" indent="0" algn="ctr">
+              <a:buNone/>
+              <a:defRPr sz="2000"/>
+            </a:lvl2pPr>
+            <a:lvl3pPr marL="914400" indent="0" algn="ctr">
+              <a:buNone/>
+              <a:defRPr sz="1800"/>
+            </a:lvl3pPr>
+            <a:lvl4pPr marL="1371600" indent="0" algn="ctr">
+              <a:buNone/>
+              <a:defRPr sz="1600"/>
+            </a:lvl4pPr>
+            <a:lvl5pPr marL="1828800" indent="0" algn="ctr">
+              <a:buNone/>
+              <a:defRPr sz="1600"/>
+            </a:lvl5pPr>
+            <a:lvl6pPr marL="2286000" indent="0" algn="ctr">
+              <a:buNone/>
+              <a:defRPr sz="1600"/>
+            </a:lvl6pPr>
+            <a:lvl7pPr marL="2743200" indent="0" algn="ctr">
+              <a:buNone/>
+              <a:defRPr sz="1600"/>
+            </a:lvl7pPr>
+            <a:lvl8pPr marL="3200400" indent="0" algn="ctr">
+              <a:buNone/>
+              <a:defRPr sz="1600"/>
+            </a:lvl8pPr>
+            <a:lvl9pPr marL="3657600" indent="0" algn="ctr">
+              <a:buNone/>
+              <a:defRPr sz="1600"/>
+            </a:lvl9pPr>
+          </a:lstStyle>
+          <a:p>
+            <a:pPr marL="0" marR="0" lvl="0" indent="0" algn="l" defTabSz="914400" rtl="0" eaLnBrk="1" fontAlgn="auto" latinLnBrk="0" hangingPunct="1">
+              <a:lnSpc>
+                <a:spcPct val="90000"/>
+              </a:lnSpc>
+              <a:spcBef>
+                <a:spcPts val="1000"/>
+              </a:spcBef>
+              <a:spcAft>
+                <a:spcPts val="0"/>
+              </a:spcAft>
+              <a:buClrTx/>
+              <a:buSzTx/>
+              <a:buFont typeface="Arial" panose="020B0604020202020204" pitchFamily="34" charset="0"/>
+              <a:buNone/>
+              <a:tabLst/>
+              <a:defRPr/>
+            </a:pPr>
+            <a:r>
+              <a:rPr kumimoji="1" lang="zh-CN" altLang="en-US" dirty="0"/>
+              <a:t>正文正文正文正文正文正文正文</a:t>
+            </a:r>
+          </a:p>
+          <a:p>
+            <a:endParaRPr kumimoji="1" lang="zh-CN" altLang="en-US" dirty="0"/>
+          </a:p>
+        </p:txBody>
+      </p:sp>
+    </p:spTree>
+    <p:extLst>
+      <p:ext uri="{BB962C8B-B14F-4D97-AF65-F5344CB8AC3E}">
+        <p14:creationId xmlns:p14="http://schemas.microsoft.com/office/powerpoint/2010/main" val="4082466815"/>
+      </p:ext>
+    </p:extLst>
+  </p:cSld>
+  <p:clrMapOvr>
+    <a:masterClrMapping/>
+  </p:clrMapOvr>
+</p:sldLayout>
+</file>
+
+<file path=ppt/slideLayouts/slideLayout9.xml><?xml version="1.0" encoding="utf-8"?>
+<p:sldLayout xmlns:a="http://schemas.openxmlformats.org/drawingml/2006/main" xmlns:r="http://schemas.openxmlformats.org/officeDocument/2006/relationships" xmlns:p="http://schemas.openxmlformats.org/presentationml/2006/main" preserve="1" userDrawn="1">
+  <p:cSld name="内容与标题">
+    <p:spTree>
+      <p:nvGrpSpPr>
+        <p:cNvPr id="1" name=""/>
+        <p:cNvGrpSpPr/>
+        <p:nvPr/>
+      </p:nvGrpSpPr>
+      <p:grpSpPr>
+        <a:xfrm>
+          <a:off x="0" y="0"/>
+          <a:ext cx="0" cy="0"/>
+          <a:chOff x="0" y="0"/>
+          <a:chExt cx="0" cy="0"/>
+        </a:xfrm>
+      </p:grpSpPr>
+      <p:pic>
+        <p:nvPicPr>
+          <p:cNvPr id="15" name="图片 14">
+            <a:extLst>
+              <a:ext uri="{FF2B5EF4-FFF2-40B4-BE49-F238E27FC236}">
+                <a16:creationId xmlns:a16="http://schemas.microsoft.com/office/drawing/2014/main" id="{CABBB90E-EAFA-1245-945D-2AD441288883}"/>
+              </a:ext>
+            </a:extLst>
+          </p:cNvPr>
+          <p:cNvPicPr>
+            <a:picLocks noChangeAspect="1"/>
+          </p:cNvPicPr>
+          <p:nvPr userDrawn="1"/>
+        </p:nvPicPr>
+        <p:blipFill>
+          <a:blip r:embed="rId2">
+            <a:extLst>
+              <a:ext uri="{28A0092B-C50C-407E-A947-70E740481C1C}">
+                <a14:useLocalDpi xmlns:a14="http://schemas.microsoft.com/office/drawing/2010/main" val="0"/>
+              </a:ext>
+            </a:extLst>
+          </a:blip>
+          <a:stretch>
+            <a:fillRect/>
+          </a:stretch>
+        </p:blipFill>
+        <p:spPr>
+          <a:xfrm>
+            <a:off x="0" y="0"/>
+            <a:ext cx="12192000" cy="6858000"/>
+          </a:xfrm>
+          <a:prstGeom prst="rect">
+            <a:avLst/>
+          </a:prstGeom>
+        </p:spPr>
+      </p:pic>
+      <p:sp>
+        <p:nvSpPr>
+          <p:cNvPr id="5" name="日期占位符 4">
+            <a:extLst>
+              <a:ext uri="{FF2B5EF4-FFF2-40B4-BE49-F238E27FC236}">
+                <a16:creationId xmlns:a16="http://schemas.microsoft.com/office/drawing/2014/main" id="{0CB06B99-91DB-B24F-9099-A6A271AA3802}"/>
+              </a:ext>
+            </a:extLst>
+          </p:cNvPr>
+          <p:cNvSpPr>
+            <a:spLocks noGrp="1"/>
+          </p:cNvSpPr>
+          <p:nvPr>
+            <p:ph type="dt" sz="half" idx="10"/>
+          </p:nvPr>
+        </p:nvSpPr>
+        <p:spPr/>
+        <p:txBody>
+          <a:bodyPr/>
+          <a:lstStyle/>
+          <a:p>
+            <a:fld id="{E9D72C00-5B30-4947-A6A0-816C099A8315}" type="datetimeFigureOut">
+              <a:rPr kumimoji="1" lang="zh-CN" altLang="en-US" smtClean="0"/>
+              <a:t>2023/3/24</a:t>
+            </a:fld>
+            <a:endParaRPr kumimoji="1" lang="zh-CN" altLang="en-US"/>
+          </a:p>
+        </p:txBody>
+      </p:sp>
+      <p:sp>
+        <p:nvSpPr>
+          <p:cNvPr id="6" name="页脚占位符 5">
+            <a:extLst>
+              <a:ext uri="{FF2B5EF4-FFF2-40B4-BE49-F238E27FC236}">
+                <a16:creationId xmlns:a16="http://schemas.microsoft.com/office/drawing/2014/main" id="{2F5AA14E-983C-3448-BAF1-C132D404F595}"/>
+              </a:ext>
+            </a:extLst>
+          </p:cNvPr>
+          <p:cNvSpPr>
+            <a:spLocks noGrp="1"/>
+          </p:cNvSpPr>
+          <p:nvPr>
+            <p:ph type="ftr" sz="quarter" idx="11"/>
+          </p:nvPr>
+        </p:nvSpPr>
+        <p:spPr/>
+        <p:txBody>
+          <a:bodyPr/>
+          <a:lstStyle/>
+          <a:p>
+            <a:endParaRPr kumimoji="1" lang="zh-CN" altLang="en-US"/>
+          </a:p>
+        </p:txBody>
+      </p:sp>
+      <p:sp>
+        <p:nvSpPr>
+          <p:cNvPr id="7" name="灯片编号占位符 6">
+            <a:extLst>
+              <a:ext uri="{FF2B5EF4-FFF2-40B4-BE49-F238E27FC236}">
+                <a16:creationId xmlns:a16="http://schemas.microsoft.com/office/drawing/2014/main" id="{90DAAA15-9003-5B47-BD5D-FAB6BD02D970}"/>
+              </a:ext>
+            </a:extLst>
+          </p:cNvPr>
+          <p:cNvSpPr>
+            <a:spLocks noGrp="1"/>
+          </p:cNvSpPr>
+          <p:nvPr>
+            <p:ph type="sldNum" sz="quarter" idx="12"/>
+          </p:nvPr>
+        </p:nvSpPr>
+        <p:spPr/>
+        <p:txBody>
+          <a:bodyPr/>
+          <a:lstStyle/>
+          <a:p>
+            <a:fld id="{391D3646-2F20-B841-87F3-910C3752A608}" type="slidenum">
+              <a:rPr kumimoji="1" lang="zh-CN" altLang="en-US" smtClean="0"/>
+              <a:t>‹#›</a:t>
+            </a:fld>
+            <a:endParaRPr kumimoji="1" lang="zh-CN" altLang="en-US"/>
+          </a:p>
+        </p:txBody>
+      </p:sp>
+      <p:sp>
+        <p:nvSpPr>
+          <p:cNvPr id="8" name="标题 1">
+            <a:extLst>
+              <a:ext uri="{FF2B5EF4-FFF2-40B4-BE49-F238E27FC236}">
+                <a16:creationId xmlns:a16="http://schemas.microsoft.com/office/drawing/2014/main" id="{547BF662-C97E-D242-89F5-308B1BE962B0}"/>
+              </a:ext>
+            </a:extLst>
+          </p:cNvPr>
+          <p:cNvSpPr>
+            <a:spLocks noGrp="1"/>
+          </p:cNvSpPr>
+          <p:nvPr>
+            <p:ph type="ctrTitle" hasCustomPrompt="1"/>
+          </p:nvPr>
+        </p:nvSpPr>
+        <p:spPr>
+          <a:xfrm>
+            <a:off x="838201" y="518661"/>
+            <a:ext cx="5201050" cy="638807"/>
+          </a:xfrm>
+        </p:spPr>
+        <p:txBody>
+          <a:bodyPr anchor="b">
+            <a:normAutofit/>
+          </a:bodyPr>
+          <a:lstStyle>
+            <a:lvl1pPr algn="l">
+              <a:defRPr sz="3200" b="1" i="0">
+                <a:solidFill>
+                  <a:schemeClr val="bg1"/>
+                </a:solidFill>
+                <a:latin typeface="Microsoft YaHei" panose="020B0503020204020204" pitchFamily="34" charset="-122"/>
+                <a:ea typeface="Microsoft YaHei" panose="020B0503020204020204" pitchFamily="34" charset="-122"/>
+              </a:defRPr>
+            </a:lvl1pPr>
+          </a:lstStyle>
+          <a:p>
+            <a:r>
+              <a:rPr kumimoji="1" lang="zh-CN" altLang="en-US" dirty="0"/>
+              <a:t>章节题目</a:t>
+            </a:r>
+          </a:p>
+        </p:txBody>
+      </p:sp>
+      <p:sp>
+        <p:nvSpPr>
+          <p:cNvPr id="9" name="副标题 2">
+            <a:extLst>
+              <a:ext uri="{FF2B5EF4-FFF2-40B4-BE49-F238E27FC236}">
+                <a16:creationId xmlns:a16="http://schemas.microsoft.com/office/drawing/2014/main" id="{66E25695-36AA-F94D-8236-B539DD59A06E}"/>
+              </a:ext>
+            </a:extLst>
+          </p:cNvPr>
+          <p:cNvSpPr>
+            <a:spLocks noGrp="1"/>
+          </p:cNvSpPr>
+          <p:nvPr>
+            <p:ph type="subTitle" idx="1" hasCustomPrompt="1"/>
+          </p:nvPr>
+        </p:nvSpPr>
+        <p:spPr>
+          <a:xfrm>
+            <a:off x="838201" y="1311354"/>
+            <a:ext cx="4925992" cy="4892675"/>
+          </a:xfrm>
+        </p:spPr>
+        <p:txBody>
+          <a:bodyPr>
+            <a:normAutofit/>
+          </a:bodyPr>
+          <a:lstStyle>
+            <a:lvl1pPr marL="0" marR="0" indent="0" algn="l" defTabSz="914400" rtl="0" eaLnBrk="1" fontAlgn="auto" latinLnBrk="0" hangingPunct="1">
+              <a:lnSpc>
+                <a:spcPct val="90000"/>
+              </a:lnSpc>
+              <a:spcBef>
+                <a:spcPts val="1000"/>
+              </a:spcBef>
+              <a:spcAft>
+                <a:spcPts val="0"/>
+              </a:spcAft>
+              <a:buClrTx/>
+              <a:buSzTx/>
+              <a:buFont typeface="Arial" panose="020B0604020202020204" pitchFamily="34" charset="0"/>
+              <a:buNone/>
+              <a:tabLst/>
+              <a:defRPr sz="1800" b="0" i="0">
+                <a:solidFill>
+                  <a:schemeClr val="bg1"/>
+                </a:solidFill>
+                <a:latin typeface="Microsoft YaHei Light" panose="020B0503020204020204" pitchFamily="34" charset="-122"/>
+                <a:ea typeface="Microsoft YaHei Light" panose="020B0503020204020204" pitchFamily="34" charset="-122"/>
+              </a:defRPr>
+            </a:lvl1pPr>
+            <a:lvl2pPr marL="457200" indent="0" algn="ctr">
+              <a:buNone/>
+              <a:defRPr sz="2000"/>
+            </a:lvl2pPr>
+            <a:lvl3pPr marL="914400" indent="0" algn="ctr">
+              <a:buNone/>
+              <a:defRPr sz="1800"/>
+            </a:lvl3pPr>
+            <a:lvl4pPr marL="1371600" indent="0" algn="ctr">
+              <a:buNone/>
+              <a:defRPr sz="1600"/>
+            </a:lvl4pPr>
+            <a:lvl5pPr marL="1828800" indent="0" algn="ctr">
+              <a:buNone/>
+              <a:defRPr sz="1600"/>
+            </a:lvl5pPr>
+            <a:lvl6pPr marL="2286000" indent="0" algn="ctr">
+              <a:buNone/>
+              <a:defRPr sz="1600"/>
+            </a:lvl6pPr>
+            <a:lvl7pPr marL="2743200" indent="0" algn="ctr">
+              <a:buNone/>
+              <a:defRPr sz="1600"/>
+            </a:lvl7pPr>
+            <a:lvl8pPr marL="3200400" indent="0" algn="ctr">
+              <a:buNone/>
+              <a:defRPr sz="1600"/>
+            </a:lvl8pPr>
+            <a:lvl9pPr marL="3657600" indent="0" algn="ctr">
+              <a:buNone/>
+              <a:defRPr sz="1600"/>
+            </a:lvl9pPr>
+          </a:lstStyle>
+          <a:p>
+            <a:pPr marL="0" marR="0" lvl="0" indent="0" algn="l" defTabSz="914400" rtl="0" eaLnBrk="1" fontAlgn="auto" latinLnBrk="0" hangingPunct="1">
+              <a:lnSpc>
+                <a:spcPct val="90000"/>
+              </a:lnSpc>
+              <a:spcBef>
+                <a:spcPts val="1000"/>
+              </a:spcBef>
+              <a:spcAft>
+                <a:spcPts val="0"/>
+              </a:spcAft>
+              <a:buClrTx/>
+              <a:buSzTx/>
+              <a:buFont typeface="Arial" panose="020B0604020202020204" pitchFamily="34" charset="0"/>
+              <a:buNone/>
+              <a:tabLst/>
+              <a:defRPr/>
+            </a:pPr>
+            <a:r>
+              <a:rPr kumimoji="1" lang="zh-CN" altLang="en-US" dirty="0"/>
+              <a:t>正文正文正文正文正文正文正文</a:t>
+            </a:r>
+          </a:p>
+          <a:p>
+            <a:endParaRPr kumimoji="1" lang="zh-CN" altLang="en-US" dirty="0"/>
+          </a:p>
+        </p:txBody>
+      </p:sp>
+      <p:sp>
+        <p:nvSpPr>
+          <p:cNvPr id="10" name="内容占位符 2">
+            <a:extLst>
+              <a:ext uri="{FF2B5EF4-FFF2-40B4-BE49-F238E27FC236}">
+                <a16:creationId xmlns:a16="http://schemas.microsoft.com/office/drawing/2014/main" id="{4F5BFB58-303C-F843-A62F-6BB845631EE3}"/>
+              </a:ext>
+            </a:extLst>
+          </p:cNvPr>
+          <p:cNvSpPr>
+            <a:spLocks noGrp="1"/>
+          </p:cNvSpPr>
+          <p:nvPr>
+            <p:ph idx="13" hasCustomPrompt="1"/>
+          </p:nvPr>
+        </p:nvSpPr>
+        <p:spPr>
+          <a:xfrm>
+            <a:off x="6308203" y="518661"/>
+            <a:ext cx="5045596" cy="5685369"/>
+          </a:xfrm>
+        </p:spPr>
+        <p:txBody>
+          <a:bodyPr/>
+          <a:lstStyle>
+            <a:lvl1pPr marL="0" indent="0">
+              <a:buNone/>
+              <a:defRPr sz="2000">
+                <a:solidFill>
+                  <a:schemeClr val="bg1"/>
+                </a:solidFill>
+              </a:defRPr>
+            </a:lvl1pPr>
+            <a:lvl2pPr>
+              <a:defRPr sz="1600"/>
+            </a:lvl2pPr>
+            <a:lvl3pPr>
+              <a:defRPr sz="1400"/>
+            </a:lvl3pPr>
+            <a:lvl4pPr>
+              <a:defRPr sz="1200"/>
+            </a:lvl4pPr>
+            <a:lvl5pPr>
+              <a:defRPr sz="1100"/>
+            </a:lvl5pPr>
+            <a:lvl6pPr>
+              <a:defRPr sz="2000"/>
+            </a:lvl6pPr>
+            <a:lvl7pPr>
+              <a:defRPr sz="2000"/>
+            </a:lvl7pPr>
+            <a:lvl8pPr>
+              <a:defRPr sz="2000"/>
+            </a:lvl8pPr>
+            <a:lvl9pPr>
+              <a:defRPr sz="2000"/>
+            </a:lvl9pPr>
+          </a:lstStyle>
+          <a:p>
+            <a:pPr lvl="0"/>
+            <a:r>
+              <a:rPr kumimoji="1" lang="zh-CN" altLang="en-US" dirty="0"/>
+              <a:t>图片</a:t>
+            </a:r>
+          </a:p>
+        </p:txBody>
+      </p:sp>
+      <p:pic>
+        <p:nvPicPr>
+          <p:cNvPr id="14" name="图片 13">
+            <a:extLst>
+              <a:ext uri="{FF2B5EF4-FFF2-40B4-BE49-F238E27FC236}">
+                <a16:creationId xmlns:a16="http://schemas.microsoft.com/office/drawing/2014/main" id="{EBD9ECBE-C5EB-3943-BC4A-CF0863CDCDEB}"/>
+              </a:ext>
+            </a:extLst>
+          </p:cNvPr>
+          <p:cNvPicPr>
+            <a:picLocks noChangeAspect="1"/>
+          </p:cNvPicPr>
+          <p:nvPr userDrawn="1"/>
+        </p:nvPicPr>
+        <p:blipFill>
+          <a:blip r:embed="rId3">
+            <a:biLevel thresh="25000"/>
+          </a:blip>
+          <a:stretch>
+            <a:fillRect/>
+          </a:stretch>
+        </p:blipFill>
+        <p:spPr>
+          <a:xfrm>
+            <a:off x="11458742" y="6178531"/>
+            <a:ext cx="441605" cy="469792"/>
+          </a:xfrm>
+          <a:prstGeom prst="rect">
+            <a:avLst/>
+          </a:prstGeom>
+        </p:spPr>
+      </p:pic>
+    </p:spTree>
+    <p:extLst>
+      <p:ext uri="{BB962C8B-B14F-4D97-AF65-F5344CB8AC3E}">
+        <p14:creationId xmlns:p14="http://schemas.microsoft.com/office/powerpoint/2010/main" val="2524745208"/>
+      </p:ext>
+    </p:extLst>
+  </p:cSld>
+  <p:clrMapOvr>
+    <a:masterClrMapping/>
+  </p:clrMapOvr>
 </p:sldLayout>
 </file>
 
@@ -1787,202 +5147,274 @@
           <a:chExt cx="0" cy="0"/>
         </a:xfrm>
       </p:grpSpPr>
-      <p:pic>
-        <p:nvPicPr>
-          <p:cNvPr id="16" name="图片 15"/>
-          <p:cNvPicPr>
-            <a:picLocks noChangeAspect="1"/>
-          </p:cNvPicPr>
-          <p:nvPr userDrawn="1"/>
-        </p:nvPicPr>
-        <p:blipFill rotWithShape="1">
-          <a:blip r:embed="rId7" cstate="print">
-            <a:extLst>
-              <a:ext uri="{28A0092B-C50C-407E-A947-70E740481C1C}">
-                <a14:useLocalDpi xmlns:a14="http://schemas.microsoft.com/office/drawing/2010/main" val="0"/>
-              </a:ext>
-            </a:extLst>
-          </a:blip>
-          <a:srcRect l="28357" r="28511"/>
-          <a:stretch/>
-        </p:blipFill>
-        <p:spPr>
-          <a:xfrm>
-            <a:off x="-32657" y="0"/>
-            <a:ext cx="12213771" cy="6857999"/>
+      <p:sp>
+        <p:nvSpPr>
+          <p:cNvPr id="2" name="标题占位符 1">
+            <a:extLst>
+              <a:ext uri="{FF2B5EF4-FFF2-40B4-BE49-F238E27FC236}">
+                <a16:creationId xmlns:a16="http://schemas.microsoft.com/office/drawing/2014/main" id="{56F92702-56B2-FC40-A689-5E9247483E67}"/>
+              </a:ext>
+            </a:extLst>
+          </p:cNvPr>
+          <p:cNvSpPr>
+            <a:spLocks noGrp="1"/>
+          </p:cNvSpPr>
+          <p:nvPr>
+            <p:ph type="title"/>
+          </p:nvPr>
+        </p:nvSpPr>
+        <p:spPr>
+          <a:xfrm>
+            <a:off x="838200" y="365125"/>
+            <a:ext cx="10515600" cy="1325563"/>
           </a:xfrm>
           <a:prstGeom prst="rect">
             <a:avLst/>
           </a:prstGeom>
         </p:spPr>
-      </p:pic>
-      <p:pic>
-        <p:nvPicPr>
-          <p:cNvPr id="2" name="图片 1"/>
-          <p:cNvPicPr>
-            <a:picLocks noChangeAspect="1"/>
-          </p:cNvPicPr>
-          <p:nvPr userDrawn="1"/>
-        </p:nvPicPr>
-        <p:blipFill rotWithShape="1">
-          <a:blip r:embed="rId8">
-            <a:extLst>
-              <a:ext uri="{28A0092B-C50C-407E-A947-70E740481C1C}">
-                <a14:useLocalDpi xmlns:a14="http://schemas.microsoft.com/office/drawing/2010/main" val="0"/>
-              </a:ext>
-            </a:extLst>
-          </a:blip>
-          <a:srcRect l="28338" r="28405"/>
-          <a:stretch/>
-        </p:blipFill>
-        <p:spPr>
-          <a:xfrm>
-            <a:off x="-38100" y="1"/>
-            <a:ext cx="12249150" cy="6857999"/>
+        <p:txBody>
+          <a:bodyPr vert="horz" lIns="91440" tIns="45720" rIns="91440" bIns="45720" rtlCol="0" anchor="ctr">
+            <a:normAutofit/>
+          </a:bodyPr>
+          <a:lstStyle/>
+          <a:p>
+            <a:r>
+              <a:rPr kumimoji="1" lang="zh-CN" altLang="en-US"/>
+              <a:t>单击此处编辑母版标题样式</a:t>
+            </a:r>
+          </a:p>
+        </p:txBody>
+      </p:sp>
+      <p:sp>
+        <p:nvSpPr>
+          <p:cNvPr id="3" name="文本占位符 2">
+            <a:extLst>
+              <a:ext uri="{FF2B5EF4-FFF2-40B4-BE49-F238E27FC236}">
+                <a16:creationId xmlns:a16="http://schemas.microsoft.com/office/drawing/2014/main" id="{906FB9D4-FC3F-2444-B2F2-20C6FDB70C82}"/>
+              </a:ext>
+            </a:extLst>
+          </p:cNvPr>
+          <p:cNvSpPr>
+            <a:spLocks noGrp="1"/>
+          </p:cNvSpPr>
+          <p:nvPr>
+            <p:ph type="body" idx="1"/>
+          </p:nvPr>
+        </p:nvSpPr>
+        <p:spPr>
+          <a:xfrm>
+            <a:off x="838200" y="1825625"/>
+            <a:ext cx="10515600" cy="4351338"/>
           </a:xfrm>
           <a:prstGeom prst="rect">
             <a:avLst/>
           </a:prstGeom>
         </p:spPr>
-      </p:pic>
-      <p:pic>
-        <p:nvPicPr>
-          <p:cNvPr id="10" name="图片 9"/>
-          <p:cNvPicPr>
-            <a:picLocks noChangeAspect="1"/>
-          </p:cNvPicPr>
-          <p:nvPr userDrawn="1"/>
-        </p:nvPicPr>
-        <p:blipFill>
-          <a:blip r:embed="rId9">
-            <a:extLst>
-              <a:ext uri="{28A0092B-C50C-407E-A947-70E740481C1C}">
-                <a14:useLocalDpi xmlns:a14="http://schemas.microsoft.com/office/drawing/2010/main" val="0"/>
-              </a:ext>
-            </a:extLst>
-          </a:blip>
-          <a:stretch>
-            <a:fillRect/>
-          </a:stretch>
-        </p:blipFill>
-        <p:spPr>
-          <a:xfrm>
-            <a:off x="9498314" y="5521289"/>
-            <a:ext cx="1560984" cy="1042097"/>
+        <p:txBody>
+          <a:bodyPr vert="horz" lIns="91440" tIns="45720" rIns="91440" bIns="45720" rtlCol="0">
+            <a:normAutofit/>
+          </a:bodyPr>
+          <a:lstStyle/>
+          <a:p>
+            <a:pPr lvl="0"/>
+            <a:r>
+              <a:rPr kumimoji="1" lang="zh-CN" altLang="en-US"/>
+              <a:t>单击此处编辑母版文本样式</a:t>
+            </a:r>
+          </a:p>
+          <a:p>
+            <a:pPr lvl="1"/>
+            <a:r>
+              <a:rPr kumimoji="1" lang="zh-CN" altLang="en-US"/>
+              <a:t>二级</a:t>
+            </a:r>
+          </a:p>
+          <a:p>
+            <a:pPr lvl="2"/>
+            <a:r>
+              <a:rPr kumimoji="1" lang="zh-CN" altLang="en-US"/>
+              <a:t>三级</a:t>
+            </a:r>
+          </a:p>
+          <a:p>
+            <a:pPr lvl="3"/>
+            <a:r>
+              <a:rPr kumimoji="1" lang="zh-CN" altLang="en-US"/>
+              <a:t>四级</a:t>
+            </a:r>
+          </a:p>
+          <a:p>
+            <a:pPr lvl="4"/>
+            <a:r>
+              <a:rPr kumimoji="1" lang="zh-CN" altLang="en-US"/>
+              <a:t>五级</a:t>
+            </a:r>
+          </a:p>
+        </p:txBody>
+      </p:sp>
+      <p:sp>
+        <p:nvSpPr>
+          <p:cNvPr id="4" name="日期占位符 3">
+            <a:extLst>
+              <a:ext uri="{FF2B5EF4-FFF2-40B4-BE49-F238E27FC236}">
+                <a16:creationId xmlns:a16="http://schemas.microsoft.com/office/drawing/2014/main" id="{E2543828-6380-104B-BB2D-3244AB0FAAB5}"/>
+              </a:ext>
+            </a:extLst>
+          </p:cNvPr>
+          <p:cNvSpPr>
+            <a:spLocks noGrp="1"/>
+          </p:cNvSpPr>
+          <p:nvPr>
+            <p:ph type="dt" sz="half" idx="2"/>
+          </p:nvPr>
+        </p:nvSpPr>
+        <p:spPr>
+          <a:xfrm>
+            <a:off x="838200" y="6356350"/>
+            <a:ext cx="2743200" cy="365125"/>
           </a:xfrm>
           <a:prstGeom prst="rect">
             <a:avLst/>
           </a:prstGeom>
         </p:spPr>
-      </p:pic>
-      <p:sp>
-        <p:nvSpPr>
-          <p:cNvPr id="11" name="TextBox 9"/>
-          <p:cNvSpPr txBox="1"/>
-          <p:nvPr userDrawn="1"/>
-        </p:nvSpPr>
-        <p:spPr>
-          <a:xfrm>
-            <a:off x="9461243" y="6344096"/>
-            <a:ext cx="1654604" cy="219291"/>
+        <p:txBody>
+          <a:bodyPr vert="horz" lIns="91440" tIns="45720" rIns="91440" bIns="45720" rtlCol="0" anchor="ctr"/>
+          <a:lstStyle>
+            <a:lvl1pPr algn="l">
+              <a:defRPr sz="1200">
+                <a:solidFill>
+                  <a:schemeClr val="tx1">
+                    <a:tint val="75000"/>
+                  </a:schemeClr>
+                </a:solidFill>
+              </a:defRPr>
+            </a:lvl1pPr>
+          </a:lstStyle>
+          <a:p>
+            <a:fld id="{E9D72C00-5B30-4947-A6A0-816C099A8315}" type="datetimeFigureOut">
+              <a:rPr kumimoji="1" lang="zh-CN" altLang="en-US" smtClean="0"/>
+              <a:t>2023/3/24</a:t>
+            </a:fld>
+            <a:endParaRPr kumimoji="1" lang="zh-CN" altLang="en-US"/>
+          </a:p>
+        </p:txBody>
+      </p:sp>
+      <p:sp>
+        <p:nvSpPr>
+          <p:cNvPr id="5" name="页脚占位符 4">
+            <a:extLst>
+              <a:ext uri="{FF2B5EF4-FFF2-40B4-BE49-F238E27FC236}">
+                <a16:creationId xmlns:a16="http://schemas.microsoft.com/office/drawing/2014/main" id="{683AC798-A22A-7F4A-A9FA-E34A15474175}"/>
+              </a:ext>
+            </a:extLst>
+          </p:cNvPr>
+          <p:cNvSpPr>
+            <a:spLocks noGrp="1"/>
+          </p:cNvSpPr>
+          <p:nvPr>
+            <p:ph type="ftr" sz="quarter" idx="3"/>
+          </p:nvPr>
+        </p:nvSpPr>
+        <p:spPr>
+          <a:xfrm>
+            <a:off x="4038600" y="6356350"/>
+            <a:ext cx="4114800" cy="365125"/>
           </a:xfrm>
           <a:prstGeom prst="rect">
             <a:avLst/>
           </a:prstGeom>
-          <a:noFill/>
-        </p:spPr>
-        <p:txBody>
-          <a:bodyPr wrap="square" lIns="34290" tIns="17145" rIns="34290" bIns="17145" rtlCol="0" anchor="ctr" anchorCtr="1">
-            <a:spAutoFit/>
-          </a:bodyPr>
-          <a:lstStyle/>
-          <a:p>
-            <a:pPr algn="r"/>
-            <a:r>
-              <a:rPr lang="en-US" altLang="zh-CN" sz="1200" u="sng" smtClean="0">
+        </p:spPr>
+        <p:txBody>
+          <a:bodyPr vert="horz" lIns="91440" tIns="45720" rIns="91440" bIns="45720" rtlCol="0" anchor="ctr"/>
+          <a:lstStyle>
+            <a:lvl1pPr algn="ctr">
+              <a:defRPr sz="1200">
                 <a:solidFill>
-                  <a:schemeClr val="bg1"/>
+                  <a:schemeClr val="tx1">
+                    <a:tint val="75000"/>
+                  </a:schemeClr>
                 </a:solidFill>
-                <a:latin typeface="Arial" panose="020B0604020202020204" pitchFamily="34" charset="0"/>
-                <a:ea typeface="微软雅黑" panose="020B0503020204020204" pitchFamily="34" charset="-122"/>
-                <a:cs typeface="Arial" panose="020B0604020202020204" pitchFamily="34" charset="0"/>
-              </a:rPr>
-              <a:t>https://opengauss.org</a:t>
-            </a:r>
-            <a:endParaRPr lang="en-US" sz="1200" u="sng" dirty="0">
-              <a:solidFill>
-                <a:schemeClr val="bg1"/>
-              </a:solidFill>
-              <a:latin typeface="Arial" panose="020B0604020202020204" pitchFamily="34" charset="0"/>
-              <a:ea typeface="微软雅黑" panose="020B0503020204020204" pitchFamily="34" charset="-122"/>
-              <a:cs typeface="Arial" panose="020B0604020202020204" pitchFamily="34" charset="0"/>
-            </a:endParaRPr>
-          </a:p>
-        </p:txBody>
-      </p:sp>
-      <p:pic>
-        <p:nvPicPr>
-          <p:cNvPr id="12" name="Picture 2" descr="https://opengauss.org/img/wechat.jpg"/>
-          <p:cNvPicPr>
-            <a:picLocks noChangeAspect="1" noChangeArrowheads="1"/>
-          </p:cNvPicPr>
-          <p:nvPr userDrawn="1"/>
-        </p:nvPicPr>
-        <p:blipFill>
-          <a:blip r:embed="rId10" cstate="print">
-            <a:extLst>
-              <a:ext uri="{28A0092B-C50C-407E-A947-70E740481C1C}">
-                <a14:useLocalDpi xmlns:a14="http://schemas.microsoft.com/office/drawing/2010/main" val="0"/>
-              </a:ext>
-            </a:extLst>
-          </a:blip>
-          <a:srcRect/>
-          <a:stretch>
-            <a:fillRect/>
-          </a:stretch>
-        </p:blipFill>
-        <p:spPr bwMode="auto">
-          <a:xfrm>
-            <a:off x="11152918" y="5810440"/>
-            <a:ext cx="802375" cy="802375"/>
+              </a:defRPr>
+            </a:lvl1pPr>
+          </a:lstStyle>
+          <a:p>
+            <a:endParaRPr kumimoji="1" lang="zh-CN" altLang="en-US"/>
+          </a:p>
+        </p:txBody>
+      </p:sp>
+      <p:sp>
+        <p:nvSpPr>
+          <p:cNvPr id="6" name="灯片编号占位符 5">
+            <a:extLst>
+              <a:ext uri="{FF2B5EF4-FFF2-40B4-BE49-F238E27FC236}">
+                <a16:creationId xmlns:a16="http://schemas.microsoft.com/office/drawing/2014/main" id="{EE7FA7E3-F13C-7B4F-98C7-631A9B1F4C21}"/>
+              </a:ext>
+            </a:extLst>
+          </p:cNvPr>
+          <p:cNvSpPr>
+            <a:spLocks noGrp="1"/>
+          </p:cNvSpPr>
+          <p:nvPr>
+            <p:ph type="sldNum" sz="quarter" idx="4"/>
+          </p:nvPr>
+        </p:nvSpPr>
+        <p:spPr>
+          <a:xfrm>
+            <a:off x="8610600" y="6356350"/>
+            <a:ext cx="2743200" cy="365125"/>
           </a:xfrm>
           <a:prstGeom prst="rect">
             <a:avLst/>
           </a:prstGeom>
-          <a:noFill/>
-          <a:extLst>
-            <a:ext uri="{909E8E84-426E-40DD-AFC4-6F175D3DCCD1}">
-              <a14:hiddenFill xmlns:a14="http://schemas.microsoft.com/office/drawing/2010/main">
+        </p:spPr>
+        <p:txBody>
+          <a:bodyPr vert="horz" lIns="91440" tIns="45720" rIns="91440" bIns="45720" rtlCol="0" anchor="ctr"/>
+          <a:lstStyle>
+            <a:lvl1pPr algn="r">
+              <a:defRPr sz="1200">
                 <a:solidFill>
-                  <a:srgbClr val="FFFFFF"/>
+                  <a:schemeClr val="tx1">
+                    <a:tint val="75000"/>
+                  </a:schemeClr>
                 </a:solidFill>
-              </a14:hiddenFill>
-            </a:ext>
-          </a:extLst>
-        </p:spPr>
-      </p:pic>
+              </a:defRPr>
+            </a:lvl1pPr>
+          </a:lstStyle>
+          <a:p>
+            <a:fld id="{391D3646-2F20-B841-87F3-910C3752A608}" type="slidenum">
+              <a:rPr kumimoji="1" lang="zh-CN" altLang="en-US" smtClean="0"/>
+              <a:t>‹#›</a:t>
+            </a:fld>
+            <a:endParaRPr kumimoji="1" lang="zh-CN" altLang="en-US"/>
+          </a:p>
+        </p:txBody>
+      </p:sp>
     </p:spTree>
     <p:extLst>
       <p:ext uri="{BB962C8B-B14F-4D97-AF65-F5344CB8AC3E}">
-        <p14:creationId xmlns:p14="http://schemas.microsoft.com/office/powerpoint/2010/main" val="464494794"/>
+        <p14:creationId xmlns:p14="http://schemas.microsoft.com/office/powerpoint/2010/main" val="2254670398"/>
       </p:ext>
     </p:extLst>
   </p:cSld>
   <p:clrMap bg1="lt1" tx1="dk1" bg2="lt2" tx2="dk2" accent1="accent1" accent2="accent2" accent3="accent3" accent4="accent4" accent5="accent5" accent6="accent6" hlink="hlink" folHlink="folHlink"/>
   <p:sldLayoutIdLst>
-    <p:sldLayoutId id="2147483649" r:id="rId1"/>
-    <p:sldLayoutId id="2147483650" r:id="rId2"/>
-    <p:sldLayoutId id="2147483651" r:id="rId3"/>
-    <p:sldLayoutId id="2147483653" r:id="rId4"/>
-    <p:sldLayoutId id="2147483652" r:id="rId5"/>
+    <p:sldLayoutId id="2147483687" r:id="rId1"/>
+    <p:sldLayoutId id="2147483688" r:id="rId2"/>
+    <p:sldLayoutId id="2147483689" r:id="rId3"/>
+    <p:sldLayoutId id="2147483690" r:id="rId4"/>
+    <p:sldLayoutId id="2147483691" r:id="rId5"/>
+    <p:sldLayoutId id="2147483692" r:id="rId6"/>
+    <p:sldLayoutId id="2147483693" r:id="rId7"/>
+    <p:sldLayoutId id="2147483695" r:id="rId8"/>
+    <p:sldLayoutId id="2147483694" r:id="rId9"/>
+    <p:sldLayoutId id="2147483696" r:id="rId10"/>
+    <p:sldLayoutId id="2147483697" r:id="rId11"/>
+    <p:sldLayoutId id="2147483698" r:id="rId12"/>
+    <p:sldLayoutId id="2147483699" r:id="rId13"/>
+    <p:sldLayoutId id="2147483700" r:id="rId14"/>
+    <p:sldLayoutId id="2147483701" r:id="rId15"/>
+    <p:sldLayoutId id="2147483653" r:id="rId16"/>
   </p:sldLayoutIdLst>
-  <p:timing>
-    <p:tnLst>
-      <p:par>
-        <p:cTn id="1" dur="indefinite" restart="never" nodeType="tmRoot"/>
-      </p:par>
-    </p:tnLst>
-  </p:timing>
   <p:txStyles>
     <p:titleStyle>
       <a:lvl1pPr algn="l" defTabSz="914400" rtl="0" eaLnBrk="1" latinLnBrk="0" hangingPunct="1">
@@ -2269,6 +5701,16 @@
 <file path=ppt/slides/slide1.xml><?xml version="1.0" encoding="utf-8"?>
 <p:sld xmlns:a="http://schemas.openxmlformats.org/drawingml/2006/main" xmlns:r="http://schemas.openxmlformats.org/officeDocument/2006/relationships" xmlns:p="http://schemas.openxmlformats.org/presentationml/2006/main">
   <p:cSld>
+    <p:bg>
+      <p:bgPr>
+        <a:solidFill>
+          <a:schemeClr val="tx1">
+            <a:alpha val="0"/>
+          </a:schemeClr>
+        </a:solidFill>
+        <a:effectLst/>
+      </p:bgPr>
+    </p:bg>
     <p:spTree>
       <p:nvGrpSpPr>
         <p:cNvPr id="1" name=""/>
@@ -2283,6 +5725,42 @@
           <a:chExt cx="0" cy="0"/>
         </a:xfrm>
       </p:grpSpPr>
+      <p:pic>
+        <p:nvPicPr>
+          <p:cNvPr id="7" name="图片 6">
+            <a:extLst>
+              <a:ext uri="{FF2B5EF4-FFF2-40B4-BE49-F238E27FC236}">
+                <a16:creationId xmlns:a16="http://schemas.microsoft.com/office/drawing/2014/main" id="{A5274EF7-9E6F-CB46-B52A-E3AD48249728}"/>
+              </a:ext>
+            </a:extLst>
+          </p:cNvPr>
+          <p:cNvPicPr>
+            <a:picLocks noChangeAspect="1"/>
+          </p:cNvPicPr>
+          <p:nvPr/>
+        </p:nvPicPr>
+        <p:blipFill>
+          <a:blip r:embed="rId2">
+            <a:extLst>
+              <a:ext uri="{28A0092B-C50C-407E-A947-70E740481C1C}">
+                <a14:useLocalDpi xmlns:a14="http://schemas.microsoft.com/office/drawing/2010/main" val="0"/>
+              </a:ext>
+            </a:extLst>
+          </a:blip>
+          <a:stretch>
+            <a:fillRect/>
+          </a:stretch>
+        </p:blipFill>
+        <p:spPr>
+          <a:xfrm>
+            <a:off x="0" y="0"/>
+            <a:ext cx="12192000" cy="6858000"/>
+          </a:xfrm>
+          <a:prstGeom prst="rect">
+            <a:avLst/>
+          </a:prstGeom>
+        </p:spPr>
+      </p:pic>
       <p:sp>
         <p:nvSpPr>
           <p:cNvPr id="2" name="标题 1"/>
@@ -2293,9 +5771,16 @@
             <p:ph type="ctrTitle"/>
           </p:nvPr>
         </p:nvSpPr>
-        <p:spPr/>
-        <p:txBody>
-          <a:bodyPr/>
+        <p:spPr>
+          <a:xfrm>
+            <a:off x="391966" y="2659414"/>
+            <a:ext cx="8160910" cy="701731"/>
+          </a:xfrm>
+        </p:spPr>
+        <p:txBody>
+          <a:bodyPr wrap="square">
+            <a:spAutoFit/>
+          </a:bodyPr>
           <a:lstStyle/>
           <a:p>
             <a:endParaRPr lang="zh-CN" altLang="en-US"/>
@@ -2312,7 +5797,12 @@
             <p:ph type="body" idx="1"/>
           </p:nvPr>
         </p:nvSpPr>
-        <p:spPr/>
+        <p:spPr>
+          <a:xfrm>
+            <a:off x="391966" y="3617112"/>
+            <a:ext cx="5157787" cy="540000"/>
+          </a:xfrm>
+        </p:spPr>
         <p:txBody>
           <a:bodyPr/>
           <a:lstStyle/>
@@ -2331,224 +5821,10 @@
   <p:clrMapOvr>
     <a:masterClrMapping/>
   </p:clrMapOvr>
-  <p:timing>
-    <p:tnLst>
-      <p:par>
-        <p:cTn id="1" dur="indefinite" restart="never" nodeType="tmRoot"/>
-      </p:par>
-    </p:tnLst>
-  </p:timing>
 </p:sld>
 </file>
 
-<file path=ppt/slides/slide2.xml><?xml version="1.0" encoding="utf-8"?>
-<p:sld xmlns:a="http://schemas.openxmlformats.org/drawingml/2006/main" xmlns:r="http://schemas.openxmlformats.org/officeDocument/2006/relationships" xmlns:p="http://schemas.openxmlformats.org/presentationml/2006/main">
-  <p:cSld>
-    <p:spTree>
-      <p:nvGrpSpPr>
-        <p:cNvPr id="1" name=""/>
-        <p:cNvGrpSpPr/>
-        <p:nvPr/>
-      </p:nvGrpSpPr>
-      <p:grpSpPr>
-        <a:xfrm>
-          <a:off x="0" y="0"/>
-          <a:ext cx="0" cy="0"/>
-          <a:chOff x="0" y="0"/>
-          <a:chExt cx="0" cy="0"/>
-        </a:xfrm>
-      </p:grpSpPr>
-      <p:sp>
-        <p:nvSpPr>
-          <p:cNvPr id="2" name="文本占位符 1"/>
-          <p:cNvSpPr>
-            <a:spLocks noGrp="1"/>
-          </p:cNvSpPr>
-          <p:nvPr>
-            <p:ph type="body" idx="1"/>
-          </p:nvPr>
-        </p:nvSpPr>
-        <p:spPr/>
-        <p:txBody>
-          <a:bodyPr/>
-          <a:lstStyle/>
-          <a:p>
-            <a:endParaRPr lang="zh-CN" altLang="en-US"/>
-          </a:p>
-        </p:txBody>
-      </p:sp>
-      <p:sp>
-        <p:nvSpPr>
-          <p:cNvPr id="3" name="文本占位符 2"/>
-          <p:cNvSpPr>
-            <a:spLocks noGrp="1"/>
-          </p:cNvSpPr>
-          <p:nvPr>
-            <p:ph type="body" idx="10"/>
-          </p:nvPr>
-        </p:nvSpPr>
-        <p:spPr/>
-        <p:txBody>
-          <a:bodyPr/>
-          <a:lstStyle/>
-          <a:p>
-            <a:endParaRPr lang="zh-CN" altLang="en-US"/>
-          </a:p>
-        </p:txBody>
-      </p:sp>
-      <p:sp>
-        <p:nvSpPr>
-          <p:cNvPr id="4" name="文本占位符 3"/>
-          <p:cNvSpPr>
-            <a:spLocks noGrp="1"/>
-          </p:cNvSpPr>
-          <p:nvPr>
-            <p:ph type="body" idx="11"/>
-          </p:nvPr>
-        </p:nvSpPr>
-        <p:spPr/>
-        <p:txBody>
-          <a:bodyPr/>
-          <a:lstStyle/>
-          <a:p>
-            <a:endParaRPr lang="zh-CN" altLang="en-US"/>
-          </a:p>
-        </p:txBody>
-      </p:sp>
-      <p:sp>
-        <p:nvSpPr>
-          <p:cNvPr id="5" name="文本占位符 4"/>
-          <p:cNvSpPr>
-            <a:spLocks noGrp="1"/>
-          </p:cNvSpPr>
-          <p:nvPr>
-            <p:ph type="body" idx="12"/>
-          </p:nvPr>
-        </p:nvSpPr>
-        <p:spPr/>
-        <p:txBody>
-          <a:bodyPr/>
-          <a:lstStyle/>
-          <a:p>
-            <a:endParaRPr lang="zh-CN" altLang="en-US"/>
-          </a:p>
-        </p:txBody>
-      </p:sp>
-      <p:sp>
-        <p:nvSpPr>
-          <p:cNvPr id="6" name="文本占位符 5"/>
-          <p:cNvSpPr>
-            <a:spLocks noGrp="1"/>
-          </p:cNvSpPr>
-          <p:nvPr>
-            <p:ph type="body" idx="13"/>
-          </p:nvPr>
-        </p:nvSpPr>
-        <p:spPr/>
-        <p:txBody>
-          <a:bodyPr/>
-          <a:lstStyle/>
-          <a:p>
-            <a:endParaRPr lang="zh-CN" altLang="en-US"/>
-          </a:p>
-        </p:txBody>
-      </p:sp>
-    </p:spTree>
-    <p:extLst>
-      <p:ext uri="{BB962C8B-B14F-4D97-AF65-F5344CB8AC3E}">
-        <p14:creationId xmlns:p14="http://schemas.microsoft.com/office/powerpoint/2010/main" val="1012001644"/>
-      </p:ext>
-    </p:extLst>
-  </p:cSld>
-  <p:clrMapOvr>
-    <a:masterClrMapping/>
-  </p:clrMapOvr>
-  <p:timing>
-    <p:tnLst>
-      <p:par>
-        <p:cTn id="1" dur="indefinite" restart="never" nodeType="tmRoot"/>
-      </p:par>
-    </p:tnLst>
-  </p:timing>
-</p:sld>
-</file>
-
-<file path=ppt/slides/slide3.xml><?xml version="1.0" encoding="utf-8"?>
-<p:sld xmlns:a="http://schemas.openxmlformats.org/drawingml/2006/main" xmlns:r="http://schemas.openxmlformats.org/officeDocument/2006/relationships" xmlns:p="http://schemas.openxmlformats.org/presentationml/2006/main">
-  <p:cSld>
-    <p:spTree>
-      <p:nvGrpSpPr>
-        <p:cNvPr id="1" name=""/>
-        <p:cNvGrpSpPr/>
-        <p:nvPr/>
-      </p:nvGrpSpPr>
-      <p:grpSpPr>
-        <a:xfrm>
-          <a:off x="0" y="0"/>
-          <a:ext cx="0" cy="0"/>
-          <a:chOff x="0" y="0"/>
-          <a:chExt cx="0" cy="0"/>
-        </a:xfrm>
-      </p:grpSpPr>
-      <p:sp>
-        <p:nvSpPr>
-          <p:cNvPr id="2" name="内容占位符 1"/>
-          <p:cNvSpPr>
-            <a:spLocks noGrp="1"/>
-          </p:cNvSpPr>
-          <p:nvPr>
-            <p:ph idx="10"/>
-          </p:nvPr>
-        </p:nvSpPr>
-        <p:spPr/>
-        <p:txBody>
-          <a:bodyPr/>
-          <a:lstStyle/>
-          <a:p>
-            <a:endParaRPr lang="zh-CN" altLang="en-US"/>
-          </a:p>
-        </p:txBody>
-      </p:sp>
-      <p:sp>
-        <p:nvSpPr>
-          <p:cNvPr id="3" name="文本占位符 2"/>
-          <p:cNvSpPr>
-            <a:spLocks noGrp="1"/>
-          </p:cNvSpPr>
-          <p:nvPr>
-            <p:ph type="body" idx="1"/>
-          </p:nvPr>
-        </p:nvSpPr>
-        <p:spPr/>
-        <p:txBody>
-          <a:bodyPr/>
-          <a:lstStyle/>
-          <a:p>
-            <a:endParaRPr lang="zh-CN" altLang="en-US"/>
-          </a:p>
-        </p:txBody>
-      </p:sp>
-    </p:spTree>
-    <p:extLst>
-      <p:ext uri="{BB962C8B-B14F-4D97-AF65-F5344CB8AC3E}">
-        <p14:creationId xmlns:p14="http://schemas.microsoft.com/office/powerpoint/2010/main" val="2679698359"/>
-      </p:ext>
-    </p:extLst>
-  </p:cSld>
-  <p:clrMapOvr>
-    <a:masterClrMapping/>
-  </p:clrMapOvr>
-  <p:timing>
-    <p:tnLst>
-      <p:par>
-        <p:cTn id="1" dur="indefinite" restart="never" nodeType="tmRoot"/>
-      </p:par>
-    </p:tnLst>
-  </p:timing>
-</p:sld>
-</file>
-
-<file path=ppt/slides/slide4.xml><?xml version="1.0" encoding="utf-8"?>
+<file path=ppt/slides/slide10.xml><?xml version="1.0" encoding="utf-8"?>
 <p:sld xmlns:a="http://schemas.openxmlformats.org/drawingml/2006/main" xmlns:r="http://schemas.openxmlformats.org/officeDocument/2006/relationships" xmlns:p="http://schemas.openxmlformats.org/presentationml/2006/main">
   <p:cSld>
     <p:spTree>
@@ -2575,13 +5851,591 @@
   <p:clrMapOvr>
     <a:masterClrMapping/>
   </p:clrMapOvr>
-  <p:timing>
-    <p:tnLst>
-      <p:par>
-        <p:cTn id="1" dur="indefinite" restart="never" nodeType="tmRoot"/>
-      </p:par>
-    </p:tnLst>
-  </p:timing>
+</p:sld>
+</file>
+
+<file path=ppt/slides/slide11.xml><?xml version="1.0" encoding="utf-8"?>
+<p:sld xmlns:a="http://schemas.openxmlformats.org/drawingml/2006/main" xmlns:r="http://schemas.openxmlformats.org/officeDocument/2006/relationships" xmlns:p="http://schemas.openxmlformats.org/presentationml/2006/main">
+  <p:cSld>
+    <p:spTree>
+      <p:nvGrpSpPr>
+        <p:cNvPr id="1" name=""/>
+        <p:cNvGrpSpPr/>
+        <p:nvPr/>
+      </p:nvGrpSpPr>
+      <p:grpSpPr>
+        <a:xfrm>
+          <a:off x="0" y="0"/>
+          <a:ext cx="0" cy="0"/>
+          <a:chOff x="0" y="0"/>
+          <a:chExt cx="0" cy="0"/>
+        </a:xfrm>
+      </p:grpSpPr>
+      <p:pic>
+        <p:nvPicPr>
+          <p:cNvPr id="5" name="图片 4">
+            <a:extLst>
+              <a:ext uri="{FF2B5EF4-FFF2-40B4-BE49-F238E27FC236}">
+                <a16:creationId xmlns:a16="http://schemas.microsoft.com/office/drawing/2014/main" id="{0576CBD0-1790-F140-A0D6-96517CFAA739}"/>
+              </a:ext>
+            </a:extLst>
+          </p:cNvPr>
+          <p:cNvPicPr>
+            <a:picLocks noChangeAspect="1"/>
+          </p:cNvPicPr>
+          <p:nvPr/>
+        </p:nvPicPr>
+        <p:blipFill>
+          <a:blip r:embed="rId2">
+            <a:extLst>
+              <a:ext uri="{28A0092B-C50C-407E-A947-70E740481C1C}">
+                <a14:useLocalDpi xmlns:a14="http://schemas.microsoft.com/office/drawing/2010/main" val="0"/>
+              </a:ext>
+            </a:extLst>
+          </a:blip>
+          <a:stretch>
+            <a:fillRect/>
+          </a:stretch>
+        </p:blipFill>
+        <p:spPr>
+          <a:xfrm>
+            <a:off x="0" y="0"/>
+            <a:ext cx="12192000" cy="6858000"/>
+          </a:xfrm>
+          <a:prstGeom prst="rect">
+            <a:avLst/>
+          </a:prstGeom>
+        </p:spPr>
+      </p:pic>
+      <p:sp>
+        <p:nvSpPr>
+          <p:cNvPr id="2" name="文本占位符 1"/>
+          <p:cNvSpPr>
+            <a:spLocks noGrp="1"/>
+          </p:cNvSpPr>
+          <p:nvPr>
+            <p:ph type="body" idx="1"/>
+          </p:nvPr>
+        </p:nvSpPr>
+        <p:spPr/>
+        <p:txBody>
+          <a:bodyPr/>
+          <a:lstStyle/>
+          <a:p>
+            <a:r>
+              <a:rPr lang="en-US" altLang="zh-CN" dirty="0">
+                <a:solidFill>
+                  <a:schemeClr val="bg1"/>
+                </a:solidFill>
+              </a:rPr>
+              <a:t>Thank you!</a:t>
+            </a:r>
+            <a:endParaRPr lang="zh-CN" altLang="en-US" dirty="0">
+              <a:solidFill>
+                <a:schemeClr val="bg1"/>
+              </a:solidFill>
+            </a:endParaRPr>
+          </a:p>
+        </p:txBody>
+      </p:sp>
+      <p:pic>
+        <p:nvPicPr>
+          <p:cNvPr id="7" name="图片 6">
+            <a:extLst>
+              <a:ext uri="{FF2B5EF4-FFF2-40B4-BE49-F238E27FC236}">
+                <a16:creationId xmlns:a16="http://schemas.microsoft.com/office/drawing/2014/main" id="{180ED2E3-334A-FB48-83BF-DD4BB3DDF18A}"/>
+              </a:ext>
+            </a:extLst>
+          </p:cNvPr>
+          <p:cNvPicPr>
+            <a:picLocks noChangeAspect="1"/>
+          </p:cNvPicPr>
+          <p:nvPr/>
+        </p:nvPicPr>
+        <p:blipFill>
+          <a:blip r:embed="rId3">
+            <a:biLevel thresh="25000"/>
+            <a:extLst>
+              <a:ext uri="{28A0092B-C50C-407E-A947-70E740481C1C}">
+                <a14:useLocalDpi xmlns:a14="http://schemas.microsoft.com/office/drawing/2010/main" val="0"/>
+              </a:ext>
+            </a:extLst>
+          </a:blip>
+          <a:stretch>
+            <a:fillRect/>
+          </a:stretch>
+        </p:blipFill>
+        <p:spPr>
+          <a:xfrm>
+            <a:off x="9498314" y="5570717"/>
+            <a:ext cx="1560984" cy="1042098"/>
+          </a:xfrm>
+          <a:prstGeom prst="rect">
+            <a:avLst/>
+          </a:prstGeom>
+        </p:spPr>
+      </p:pic>
+      <p:pic>
+        <p:nvPicPr>
+          <p:cNvPr id="8" name="Picture 2" descr="https://opengauss.org/img/wechat.jpg">
+            <a:extLst>
+              <a:ext uri="{FF2B5EF4-FFF2-40B4-BE49-F238E27FC236}">
+                <a16:creationId xmlns:a16="http://schemas.microsoft.com/office/drawing/2014/main" id="{1EA70915-EA63-DE45-B035-847E03BB9827}"/>
+              </a:ext>
+            </a:extLst>
+          </p:cNvPr>
+          <p:cNvPicPr>
+            <a:picLocks noChangeAspect="1" noChangeArrowheads="1"/>
+          </p:cNvPicPr>
+          <p:nvPr/>
+        </p:nvPicPr>
+        <p:blipFill>
+          <a:blip r:embed="rId4" cstate="print">
+            <a:extLst>
+              <a:ext uri="{28A0092B-C50C-407E-A947-70E740481C1C}">
+                <a14:useLocalDpi xmlns:a14="http://schemas.microsoft.com/office/drawing/2010/main" val="0"/>
+              </a:ext>
+            </a:extLst>
+          </a:blip>
+          <a:srcRect/>
+          <a:stretch>
+            <a:fillRect/>
+          </a:stretch>
+        </p:blipFill>
+        <p:spPr bwMode="auto">
+          <a:xfrm>
+            <a:off x="11152918" y="5810440"/>
+            <a:ext cx="802375" cy="802375"/>
+          </a:xfrm>
+          <a:prstGeom prst="rect">
+            <a:avLst/>
+          </a:prstGeom>
+          <a:noFill/>
+          <a:extLst>
+            <a:ext uri="{909E8E84-426E-40DD-AFC4-6F175D3DCCD1}">
+              <a14:hiddenFill xmlns:a14="http://schemas.microsoft.com/office/drawing/2010/main">
+                <a:solidFill>
+                  <a:srgbClr val="FFFFFF"/>
+                </a:solidFill>
+              </a14:hiddenFill>
+            </a:ext>
+          </a:extLst>
+        </p:spPr>
+      </p:pic>
+      <p:sp>
+        <p:nvSpPr>
+          <p:cNvPr id="9" name="TextBox 9">
+            <a:extLst>
+              <a:ext uri="{FF2B5EF4-FFF2-40B4-BE49-F238E27FC236}">
+                <a16:creationId xmlns:a16="http://schemas.microsoft.com/office/drawing/2014/main" id="{B72340F4-F7F6-4A43-BA31-C42DB41F8F08}"/>
+              </a:ext>
+            </a:extLst>
+          </p:cNvPr>
+          <p:cNvSpPr txBox="1"/>
+          <p:nvPr/>
+        </p:nvSpPr>
+        <p:spPr>
+          <a:xfrm>
+            <a:off x="9461243" y="6344096"/>
+            <a:ext cx="1654604" cy="219291"/>
+          </a:xfrm>
+          <a:prstGeom prst="rect">
+            <a:avLst/>
+          </a:prstGeom>
+          <a:noFill/>
+        </p:spPr>
+        <p:txBody>
+          <a:bodyPr wrap="square" lIns="34290" tIns="17145" rIns="34290" bIns="17145" rtlCol="0" anchor="ctr" anchorCtr="1">
+            <a:spAutoFit/>
+          </a:bodyPr>
+          <a:lstStyle/>
+          <a:p>
+            <a:pPr algn="r"/>
+            <a:r>
+              <a:rPr lang="en-US" altLang="zh-CN" sz="1200" u="sng" dirty="0">
+                <a:solidFill>
+                  <a:schemeClr val="bg1"/>
+                </a:solidFill>
+                <a:latin typeface="Arial" panose="020B0604020202020204" pitchFamily="34" charset="0"/>
+                <a:ea typeface="微软雅黑" panose="020B0503020204020204" pitchFamily="34" charset="-122"/>
+                <a:cs typeface="Arial" panose="020B0604020202020204" pitchFamily="34" charset="0"/>
+              </a:rPr>
+              <a:t>https://</a:t>
+            </a:r>
+            <a:r>
+              <a:rPr lang="en-US" altLang="zh-CN" sz="1200" u="sng" dirty="0" err="1">
+                <a:solidFill>
+                  <a:schemeClr val="bg1"/>
+                </a:solidFill>
+                <a:latin typeface="Arial" panose="020B0604020202020204" pitchFamily="34" charset="0"/>
+                <a:ea typeface="微软雅黑" panose="020B0503020204020204" pitchFamily="34" charset="-122"/>
+                <a:cs typeface="Arial" panose="020B0604020202020204" pitchFamily="34" charset="0"/>
+              </a:rPr>
+              <a:t>opengauss.org</a:t>
+            </a:r>
+            <a:endParaRPr lang="en-US" sz="1200" u="sng" dirty="0">
+              <a:solidFill>
+                <a:schemeClr val="bg1"/>
+              </a:solidFill>
+              <a:latin typeface="Arial" panose="020B0604020202020204" pitchFamily="34" charset="0"/>
+              <a:ea typeface="微软雅黑" panose="020B0503020204020204" pitchFamily="34" charset="-122"/>
+              <a:cs typeface="Arial" panose="020B0604020202020204" pitchFamily="34" charset="0"/>
+            </a:endParaRPr>
+          </a:p>
+        </p:txBody>
+      </p:sp>
+    </p:spTree>
+    <p:extLst>
+      <p:ext uri="{BB962C8B-B14F-4D97-AF65-F5344CB8AC3E}">
+        <p14:creationId xmlns:p14="http://schemas.microsoft.com/office/powerpoint/2010/main" val="15123839"/>
+      </p:ext>
+    </p:extLst>
+  </p:cSld>
+  <p:clrMapOvr>
+    <a:masterClrMapping/>
+  </p:clrMapOvr>
+</p:sld>
+</file>
+
+<file path=ppt/slides/slide2.xml><?xml version="1.0" encoding="utf-8"?>
+<p:sld xmlns:a="http://schemas.openxmlformats.org/drawingml/2006/main" xmlns:r="http://schemas.openxmlformats.org/officeDocument/2006/relationships" xmlns:p="http://schemas.openxmlformats.org/presentationml/2006/main">
+  <p:cSld>
+    <p:spTree>
+      <p:nvGrpSpPr>
+        <p:cNvPr id="1" name=""/>
+        <p:cNvGrpSpPr/>
+        <p:nvPr/>
+      </p:nvGrpSpPr>
+      <p:grpSpPr>
+        <a:xfrm>
+          <a:off x="0" y="0"/>
+          <a:ext cx="0" cy="0"/>
+          <a:chOff x="0" y="0"/>
+          <a:chExt cx="0" cy="0"/>
+        </a:xfrm>
+      </p:grpSpPr>
+      <p:sp>
+        <p:nvSpPr>
+          <p:cNvPr id="2" name="文本占位符 1"/>
+          <p:cNvSpPr>
+            <a:spLocks noGrp="1"/>
+          </p:cNvSpPr>
+          <p:nvPr>
+            <p:ph type="body" idx="1"/>
+          </p:nvPr>
+        </p:nvSpPr>
+        <p:spPr/>
+        <p:txBody>
+          <a:bodyPr>
+            <a:normAutofit/>
+          </a:bodyPr>
+          <a:lstStyle/>
+          <a:p>
+            <a:endParaRPr lang="zh-CN" altLang="en-US"/>
+          </a:p>
+        </p:txBody>
+      </p:sp>
+      <p:sp>
+        <p:nvSpPr>
+          <p:cNvPr id="3" name="文本占位符 2"/>
+          <p:cNvSpPr>
+            <a:spLocks noGrp="1"/>
+          </p:cNvSpPr>
+          <p:nvPr>
+            <p:ph type="body" idx="10"/>
+          </p:nvPr>
+        </p:nvSpPr>
+        <p:spPr/>
+        <p:txBody>
+          <a:bodyPr/>
+          <a:lstStyle/>
+          <a:p>
+            <a:endParaRPr lang="zh-CN" altLang="en-US" dirty="0"/>
+          </a:p>
+        </p:txBody>
+      </p:sp>
+      <p:sp>
+        <p:nvSpPr>
+          <p:cNvPr id="4" name="文本占位符 3"/>
+          <p:cNvSpPr>
+            <a:spLocks noGrp="1"/>
+          </p:cNvSpPr>
+          <p:nvPr>
+            <p:ph type="body" idx="11"/>
+          </p:nvPr>
+        </p:nvSpPr>
+        <p:spPr/>
+        <p:txBody>
+          <a:bodyPr/>
+          <a:lstStyle/>
+          <a:p>
+            <a:endParaRPr lang="zh-CN" altLang="en-US"/>
+          </a:p>
+        </p:txBody>
+      </p:sp>
+      <p:sp>
+        <p:nvSpPr>
+          <p:cNvPr id="5" name="文本占位符 4"/>
+          <p:cNvSpPr>
+            <a:spLocks noGrp="1"/>
+          </p:cNvSpPr>
+          <p:nvPr>
+            <p:ph type="body" idx="12"/>
+          </p:nvPr>
+        </p:nvSpPr>
+        <p:spPr/>
+        <p:txBody>
+          <a:bodyPr/>
+          <a:lstStyle/>
+          <a:p>
+            <a:endParaRPr lang="zh-CN" altLang="en-US"/>
+          </a:p>
+        </p:txBody>
+      </p:sp>
+      <p:sp>
+        <p:nvSpPr>
+          <p:cNvPr id="6" name="文本占位符 5"/>
+          <p:cNvSpPr>
+            <a:spLocks noGrp="1"/>
+          </p:cNvSpPr>
+          <p:nvPr>
+            <p:ph type="body" idx="13"/>
+          </p:nvPr>
+        </p:nvSpPr>
+        <p:spPr/>
+        <p:txBody>
+          <a:bodyPr/>
+          <a:lstStyle/>
+          <a:p>
+            <a:endParaRPr lang="zh-CN" altLang="en-US"/>
+          </a:p>
+        </p:txBody>
+      </p:sp>
+    </p:spTree>
+    <p:extLst>
+      <p:ext uri="{BB962C8B-B14F-4D97-AF65-F5344CB8AC3E}">
+        <p14:creationId xmlns:p14="http://schemas.microsoft.com/office/powerpoint/2010/main" val="1012001644"/>
+      </p:ext>
+    </p:extLst>
+  </p:cSld>
+  <p:clrMapOvr>
+    <a:masterClrMapping/>
+  </p:clrMapOvr>
+</p:sld>
+</file>
+
+<file path=ppt/slides/slide3.xml><?xml version="1.0" encoding="utf-8"?>
+<p:sld xmlns:a="http://schemas.openxmlformats.org/drawingml/2006/main" xmlns:r="http://schemas.openxmlformats.org/officeDocument/2006/relationships" xmlns:p="http://schemas.openxmlformats.org/presentationml/2006/main">
+  <p:cSld>
+    <p:spTree>
+      <p:nvGrpSpPr>
+        <p:cNvPr id="1" name=""/>
+        <p:cNvGrpSpPr/>
+        <p:nvPr/>
+      </p:nvGrpSpPr>
+      <p:grpSpPr>
+        <a:xfrm>
+          <a:off x="0" y="0"/>
+          <a:ext cx="0" cy="0"/>
+          <a:chOff x="0" y="0"/>
+          <a:chExt cx="0" cy="0"/>
+        </a:xfrm>
+      </p:grpSpPr>
+      <p:pic>
+        <p:nvPicPr>
+          <p:cNvPr id="9" name="图片 8">
+            <a:extLst>
+              <a:ext uri="{FF2B5EF4-FFF2-40B4-BE49-F238E27FC236}">
+                <a16:creationId xmlns:a16="http://schemas.microsoft.com/office/drawing/2014/main" id="{436DA3AD-E32F-DE46-B22C-0E53BC1D89FE}"/>
+              </a:ext>
+            </a:extLst>
+          </p:cNvPr>
+          <p:cNvPicPr>
+            <a:picLocks noChangeAspect="1"/>
+          </p:cNvPicPr>
+          <p:nvPr/>
+        </p:nvPicPr>
+        <p:blipFill>
+          <a:blip r:embed="rId2">
+            <a:biLevel thresh="25000"/>
+          </a:blip>
+          <a:stretch>
+            <a:fillRect/>
+          </a:stretch>
+        </p:blipFill>
+        <p:spPr>
+          <a:xfrm>
+            <a:off x="11458742" y="6178531"/>
+            <a:ext cx="441605" cy="469792"/>
+          </a:xfrm>
+          <a:prstGeom prst="rect">
+            <a:avLst/>
+          </a:prstGeom>
+        </p:spPr>
+      </p:pic>
+      <p:sp>
+        <p:nvSpPr>
+          <p:cNvPr id="3" name="文本占位符 2"/>
+          <p:cNvSpPr>
+            <a:spLocks noGrp="1"/>
+          </p:cNvSpPr>
+          <p:nvPr>
+            <p:ph type="body" idx="1"/>
+          </p:nvPr>
+        </p:nvSpPr>
+        <p:spPr/>
+        <p:txBody>
+          <a:bodyPr>
+            <a:normAutofit/>
+          </a:bodyPr>
+          <a:lstStyle/>
+          <a:p>
+            <a:endParaRPr lang="zh-CN" altLang="en-US" dirty="0"/>
+          </a:p>
+        </p:txBody>
+      </p:sp>
+      <p:sp>
+        <p:nvSpPr>
+          <p:cNvPr id="4" name="内容占位符 3">
+            <a:extLst>
+              <a:ext uri="{FF2B5EF4-FFF2-40B4-BE49-F238E27FC236}">
+                <a16:creationId xmlns:a16="http://schemas.microsoft.com/office/drawing/2014/main" id="{39B7366C-D01D-D347-B961-5703C8491E2C}"/>
+              </a:ext>
+            </a:extLst>
+          </p:cNvPr>
+          <p:cNvSpPr>
+            <a:spLocks noGrp="1"/>
+          </p:cNvSpPr>
+          <p:nvPr>
+            <p:ph idx="10"/>
+          </p:nvPr>
+        </p:nvSpPr>
+        <p:spPr/>
+        <p:txBody>
+          <a:bodyPr/>
+          <a:lstStyle/>
+          <a:p>
+            <a:endParaRPr lang="zh-CN" altLang="en-US"/>
+          </a:p>
+        </p:txBody>
+      </p:sp>
+    </p:spTree>
+    <p:extLst>
+      <p:ext uri="{BB962C8B-B14F-4D97-AF65-F5344CB8AC3E}">
+        <p14:creationId xmlns:p14="http://schemas.microsoft.com/office/powerpoint/2010/main" val="2679698359"/>
+      </p:ext>
+    </p:extLst>
+  </p:cSld>
+  <p:clrMapOvr>
+    <a:masterClrMapping/>
+  </p:clrMapOvr>
+</p:sld>
+</file>
+
+<file path=ppt/slides/slide4.xml><?xml version="1.0" encoding="utf-8"?>
+<p:sld xmlns:a="http://schemas.openxmlformats.org/drawingml/2006/main" xmlns:r="http://schemas.openxmlformats.org/officeDocument/2006/relationships" xmlns:p="http://schemas.openxmlformats.org/presentationml/2006/main">
+  <p:cSld>
+    <p:spTree>
+      <p:nvGrpSpPr>
+        <p:cNvPr id="1" name=""/>
+        <p:cNvGrpSpPr/>
+        <p:nvPr/>
+      </p:nvGrpSpPr>
+      <p:grpSpPr>
+        <a:xfrm>
+          <a:off x="0" y="0"/>
+          <a:ext cx="0" cy="0"/>
+          <a:chOff x="0" y="0"/>
+          <a:chExt cx="0" cy="0"/>
+        </a:xfrm>
+      </p:grpSpPr>
+      <p:sp>
+        <p:nvSpPr>
+          <p:cNvPr id="2" name="标题 1">
+            <a:extLst>
+              <a:ext uri="{FF2B5EF4-FFF2-40B4-BE49-F238E27FC236}">
+                <a16:creationId xmlns:a16="http://schemas.microsoft.com/office/drawing/2014/main" id="{AA11F005-45A9-EE43-9F5B-6B5404B34B64}"/>
+              </a:ext>
+            </a:extLst>
+          </p:cNvPr>
+          <p:cNvSpPr>
+            <a:spLocks noGrp="1"/>
+          </p:cNvSpPr>
+          <p:nvPr>
+            <p:ph type="ctrTitle"/>
+          </p:nvPr>
+        </p:nvSpPr>
+        <p:spPr/>
+        <p:txBody>
+          <a:bodyPr>
+            <a:normAutofit/>
+          </a:bodyPr>
+          <a:lstStyle/>
+          <a:p>
+            <a:endParaRPr kumimoji="1" lang="zh-CN" altLang="en-US" sz="3200" dirty="0"/>
+          </a:p>
+        </p:txBody>
+      </p:sp>
+      <p:sp>
+        <p:nvSpPr>
+          <p:cNvPr id="3" name="副标题 2">
+            <a:extLst>
+              <a:ext uri="{FF2B5EF4-FFF2-40B4-BE49-F238E27FC236}">
+                <a16:creationId xmlns:a16="http://schemas.microsoft.com/office/drawing/2014/main" id="{2CAF12F3-2DD1-544C-ACB6-8CD2C6580802}"/>
+              </a:ext>
+            </a:extLst>
+          </p:cNvPr>
+          <p:cNvSpPr>
+            <a:spLocks noGrp="1"/>
+          </p:cNvSpPr>
+          <p:nvPr>
+            <p:ph type="subTitle" idx="1"/>
+          </p:nvPr>
+        </p:nvSpPr>
+        <p:spPr/>
+        <p:txBody>
+          <a:bodyPr/>
+          <a:lstStyle/>
+          <a:p>
+            <a:endParaRPr kumimoji="1" lang="zh-CN" altLang="en-US" dirty="0"/>
+          </a:p>
+        </p:txBody>
+      </p:sp>
+      <p:sp>
+        <p:nvSpPr>
+          <p:cNvPr id="4" name="内容占位符 3">
+            <a:extLst>
+              <a:ext uri="{FF2B5EF4-FFF2-40B4-BE49-F238E27FC236}">
+                <a16:creationId xmlns:a16="http://schemas.microsoft.com/office/drawing/2014/main" id="{6C320F4F-F501-464C-8597-5EF34C83D356}"/>
+              </a:ext>
+            </a:extLst>
+          </p:cNvPr>
+          <p:cNvSpPr>
+            <a:spLocks noGrp="1"/>
+          </p:cNvSpPr>
+          <p:nvPr>
+            <p:ph sz="half" idx="13"/>
+          </p:nvPr>
+        </p:nvSpPr>
+        <p:spPr/>
+        <p:txBody>
+          <a:bodyPr/>
+          <a:lstStyle/>
+          <a:p>
+            <a:endParaRPr kumimoji="1" lang="zh-CN" altLang="en-US" dirty="0"/>
+          </a:p>
+        </p:txBody>
+      </p:sp>
+    </p:spTree>
+    <p:extLst>
+      <p:ext uri="{BB962C8B-B14F-4D97-AF65-F5344CB8AC3E}">
+        <p14:creationId xmlns:p14="http://schemas.microsoft.com/office/powerpoint/2010/main" val="4267191706"/>
+      </p:ext>
+    </p:extLst>
+  </p:cSld>
+  <p:clrMapOvr>
+    <a:masterClrMapping/>
+  </p:clrMapOvr>
 </p:sld>
 </file>
 
@@ -2604,12 +6458,18 @@
       </p:grpSpPr>
       <p:sp>
         <p:nvSpPr>
-          <p:cNvPr id="2" name="文本占位符 1"/>
-          <p:cNvSpPr>
-            <a:spLocks noGrp="1"/>
-          </p:cNvSpPr>
-          <p:nvPr>
-            <p:ph type="body" idx="1"/>
+          <p:cNvPr id="2" name="标题 1">
+            <a:extLst>
+              <a:ext uri="{FF2B5EF4-FFF2-40B4-BE49-F238E27FC236}">
+                <a16:creationId xmlns:a16="http://schemas.microsoft.com/office/drawing/2014/main" id="{DAD114EB-B175-F04E-B55C-C918A72CE3FB}"/>
+              </a:ext>
+            </a:extLst>
+          </p:cNvPr>
+          <p:cNvSpPr>
+            <a:spLocks noGrp="1"/>
+          </p:cNvSpPr>
+          <p:nvPr>
+            <p:ph type="ctrTitle"/>
           </p:nvPr>
         </p:nvSpPr>
         <p:spPr/>
@@ -2617,36 +6477,370 @@
           <a:bodyPr/>
           <a:lstStyle/>
           <a:p>
-            <a:r>
-              <a:rPr lang="en-US" altLang="zh-CN" smtClean="0"/>
-              <a:t>Thank you!</a:t>
-            </a:r>
-            <a:endParaRPr lang="zh-CN" altLang="en-US"/>
+            <a:endParaRPr kumimoji="1" lang="zh-CN" altLang="en-US"/>
+          </a:p>
+        </p:txBody>
+      </p:sp>
+      <p:sp>
+        <p:nvSpPr>
+          <p:cNvPr id="3" name="副标题 2">
+            <a:extLst>
+              <a:ext uri="{FF2B5EF4-FFF2-40B4-BE49-F238E27FC236}">
+                <a16:creationId xmlns:a16="http://schemas.microsoft.com/office/drawing/2014/main" id="{AB2F6F8D-381C-AD46-9CB5-D82C80515291}"/>
+              </a:ext>
+            </a:extLst>
+          </p:cNvPr>
+          <p:cNvSpPr>
+            <a:spLocks noGrp="1"/>
+          </p:cNvSpPr>
+          <p:nvPr>
+            <p:ph type="subTitle" idx="1"/>
+          </p:nvPr>
+        </p:nvSpPr>
+        <p:spPr/>
+        <p:txBody>
+          <a:bodyPr/>
+          <a:lstStyle/>
+          <a:p>
+            <a:endParaRPr kumimoji="1" lang="zh-CN" altLang="en-US"/>
+          </a:p>
+        </p:txBody>
+      </p:sp>
+      <p:sp>
+        <p:nvSpPr>
+          <p:cNvPr id="4" name="内容占位符 3">
+            <a:extLst>
+              <a:ext uri="{FF2B5EF4-FFF2-40B4-BE49-F238E27FC236}">
+                <a16:creationId xmlns:a16="http://schemas.microsoft.com/office/drawing/2014/main" id="{B93CCA51-FD39-344D-8554-795AEED8947F}"/>
+              </a:ext>
+            </a:extLst>
+          </p:cNvPr>
+          <p:cNvSpPr>
+            <a:spLocks noGrp="1"/>
+          </p:cNvSpPr>
+          <p:nvPr>
+            <p:ph idx="13"/>
+          </p:nvPr>
+        </p:nvSpPr>
+        <p:spPr/>
+        <p:txBody>
+          <a:bodyPr/>
+          <a:lstStyle/>
+          <a:p>
+            <a:endParaRPr kumimoji="1" lang="zh-CN" altLang="en-US"/>
           </a:p>
         </p:txBody>
       </p:sp>
     </p:spTree>
     <p:extLst>
       <p:ext uri="{BB962C8B-B14F-4D97-AF65-F5344CB8AC3E}">
-        <p14:creationId xmlns:p14="http://schemas.microsoft.com/office/powerpoint/2010/main" val="1071154088"/>
+        <p14:creationId xmlns:p14="http://schemas.microsoft.com/office/powerpoint/2010/main" val="3044655894"/>
       </p:ext>
     </p:extLst>
   </p:cSld>
   <p:clrMapOvr>
     <a:masterClrMapping/>
   </p:clrMapOvr>
-  <p:timing>
-    <p:tnLst>
-      <p:par>
-        <p:cTn id="1" dur="indefinite" restart="never" nodeType="tmRoot"/>
-      </p:par>
-    </p:tnLst>
-  </p:timing>
+</p:sld>
+</file>
+
+<file path=ppt/slides/slide6.xml><?xml version="1.0" encoding="utf-8"?>
+<p:sld xmlns:a="http://schemas.openxmlformats.org/drawingml/2006/main" xmlns:r="http://schemas.openxmlformats.org/officeDocument/2006/relationships" xmlns:p="http://schemas.openxmlformats.org/presentationml/2006/main">
+  <p:cSld>
+    <p:spTree>
+      <p:nvGrpSpPr>
+        <p:cNvPr id="1" name=""/>
+        <p:cNvGrpSpPr/>
+        <p:nvPr/>
+      </p:nvGrpSpPr>
+      <p:grpSpPr>
+        <a:xfrm>
+          <a:off x="0" y="0"/>
+          <a:ext cx="0" cy="0"/>
+          <a:chOff x="0" y="0"/>
+          <a:chExt cx="0" cy="0"/>
+        </a:xfrm>
+      </p:grpSpPr>
+      <p:sp>
+        <p:nvSpPr>
+          <p:cNvPr id="2" name="标题 1">
+            <a:extLst>
+              <a:ext uri="{FF2B5EF4-FFF2-40B4-BE49-F238E27FC236}">
+                <a16:creationId xmlns:a16="http://schemas.microsoft.com/office/drawing/2014/main" id="{91AA23B4-9F4C-8643-A938-CE7861D8D6F8}"/>
+              </a:ext>
+            </a:extLst>
+          </p:cNvPr>
+          <p:cNvSpPr>
+            <a:spLocks noGrp="1"/>
+          </p:cNvSpPr>
+          <p:nvPr>
+            <p:ph type="ctrTitle"/>
+          </p:nvPr>
+        </p:nvSpPr>
+        <p:spPr/>
+        <p:txBody>
+          <a:bodyPr/>
+          <a:lstStyle/>
+          <a:p>
+            <a:endParaRPr kumimoji="1" lang="zh-CN" altLang="en-US"/>
+          </a:p>
+        </p:txBody>
+      </p:sp>
+      <p:sp>
+        <p:nvSpPr>
+          <p:cNvPr id="3" name="副标题 2">
+            <a:extLst>
+              <a:ext uri="{FF2B5EF4-FFF2-40B4-BE49-F238E27FC236}">
+                <a16:creationId xmlns:a16="http://schemas.microsoft.com/office/drawing/2014/main" id="{1E16FD35-EE54-174F-9257-B47A3468F249}"/>
+              </a:ext>
+            </a:extLst>
+          </p:cNvPr>
+          <p:cNvSpPr>
+            <a:spLocks noGrp="1"/>
+          </p:cNvSpPr>
+          <p:nvPr>
+            <p:ph type="subTitle" idx="1"/>
+          </p:nvPr>
+        </p:nvSpPr>
+        <p:spPr/>
+        <p:txBody>
+          <a:bodyPr/>
+          <a:lstStyle/>
+          <a:p>
+            <a:endParaRPr kumimoji="1" lang="zh-CN" altLang="en-US"/>
+          </a:p>
+        </p:txBody>
+      </p:sp>
+    </p:spTree>
+    <p:extLst>
+      <p:ext uri="{BB962C8B-B14F-4D97-AF65-F5344CB8AC3E}">
+        <p14:creationId xmlns:p14="http://schemas.microsoft.com/office/powerpoint/2010/main" val="3420893904"/>
+      </p:ext>
+    </p:extLst>
+  </p:cSld>
+  <p:clrMapOvr>
+    <a:masterClrMapping/>
+  </p:clrMapOvr>
+</p:sld>
+</file>
+
+<file path=ppt/slides/slide7.xml><?xml version="1.0" encoding="utf-8"?>
+<p:sld xmlns:a="http://schemas.openxmlformats.org/drawingml/2006/main" xmlns:r="http://schemas.openxmlformats.org/officeDocument/2006/relationships" xmlns:p="http://schemas.openxmlformats.org/presentationml/2006/main">
+  <p:cSld>
+    <p:spTree>
+      <p:nvGrpSpPr>
+        <p:cNvPr id="1" name=""/>
+        <p:cNvGrpSpPr/>
+        <p:nvPr/>
+      </p:nvGrpSpPr>
+      <p:grpSpPr>
+        <a:xfrm>
+          <a:off x="0" y="0"/>
+          <a:ext cx="0" cy="0"/>
+          <a:chOff x="0" y="0"/>
+          <a:chExt cx="0" cy="0"/>
+        </a:xfrm>
+      </p:grpSpPr>
+      <p:sp>
+        <p:nvSpPr>
+          <p:cNvPr id="2" name="标题 1">
+            <a:extLst>
+              <a:ext uri="{FF2B5EF4-FFF2-40B4-BE49-F238E27FC236}">
+                <a16:creationId xmlns:a16="http://schemas.microsoft.com/office/drawing/2014/main" id="{47E64B37-6760-F94F-9EC8-701D29827298}"/>
+              </a:ext>
+            </a:extLst>
+          </p:cNvPr>
+          <p:cNvSpPr>
+            <a:spLocks noGrp="1"/>
+          </p:cNvSpPr>
+          <p:nvPr>
+            <p:ph type="ctrTitle"/>
+          </p:nvPr>
+        </p:nvSpPr>
+        <p:spPr/>
+        <p:txBody>
+          <a:bodyPr/>
+          <a:lstStyle/>
+          <a:p>
+            <a:endParaRPr kumimoji="1" lang="zh-CN" altLang="en-US"/>
+          </a:p>
+        </p:txBody>
+      </p:sp>
+    </p:spTree>
+    <p:extLst>
+      <p:ext uri="{BB962C8B-B14F-4D97-AF65-F5344CB8AC3E}">
+        <p14:creationId xmlns:p14="http://schemas.microsoft.com/office/powerpoint/2010/main" val="822401228"/>
+      </p:ext>
+    </p:extLst>
+  </p:cSld>
+  <p:clrMapOvr>
+    <a:masterClrMapping/>
+  </p:clrMapOvr>
+</p:sld>
+</file>
+
+<file path=ppt/slides/slide8.xml><?xml version="1.0" encoding="utf-8"?>
+<p:sld xmlns:a="http://schemas.openxmlformats.org/drawingml/2006/main" xmlns:r="http://schemas.openxmlformats.org/officeDocument/2006/relationships" xmlns:p="http://schemas.openxmlformats.org/presentationml/2006/main">
+  <p:cSld>
+    <p:spTree>
+      <p:nvGrpSpPr>
+        <p:cNvPr id="1" name=""/>
+        <p:cNvGrpSpPr/>
+        <p:nvPr/>
+      </p:nvGrpSpPr>
+      <p:grpSpPr>
+        <a:xfrm>
+          <a:off x="0" y="0"/>
+          <a:ext cx="0" cy="0"/>
+          <a:chOff x="0" y="0"/>
+          <a:chExt cx="0" cy="0"/>
+        </a:xfrm>
+      </p:grpSpPr>
+      <p:sp>
+        <p:nvSpPr>
+          <p:cNvPr id="2" name="标题 1">
+            <a:extLst>
+              <a:ext uri="{FF2B5EF4-FFF2-40B4-BE49-F238E27FC236}">
+                <a16:creationId xmlns:a16="http://schemas.microsoft.com/office/drawing/2014/main" id="{30BAAD1D-CE1A-4F4C-9B01-C0B188C313FA}"/>
+              </a:ext>
+            </a:extLst>
+          </p:cNvPr>
+          <p:cNvSpPr>
+            <a:spLocks noGrp="1"/>
+          </p:cNvSpPr>
+          <p:nvPr>
+            <p:ph type="ctrTitle"/>
+          </p:nvPr>
+        </p:nvSpPr>
+        <p:spPr/>
+        <p:txBody>
+          <a:bodyPr/>
+          <a:lstStyle/>
+          <a:p>
+            <a:endParaRPr kumimoji="1" lang="zh-CN" altLang="en-US"/>
+          </a:p>
+        </p:txBody>
+      </p:sp>
+      <p:sp>
+        <p:nvSpPr>
+          <p:cNvPr id="3" name="副标题 2">
+            <a:extLst>
+              <a:ext uri="{FF2B5EF4-FFF2-40B4-BE49-F238E27FC236}">
+                <a16:creationId xmlns:a16="http://schemas.microsoft.com/office/drawing/2014/main" id="{D8AB0D53-9785-9644-BE1F-DAE605CF22B5}"/>
+              </a:ext>
+            </a:extLst>
+          </p:cNvPr>
+          <p:cNvSpPr>
+            <a:spLocks noGrp="1"/>
+          </p:cNvSpPr>
+          <p:nvPr>
+            <p:ph type="subTitle" idx="1"/>
+          </p:nvPr>
+        </p:nvSpPr>
+        <p:spPr/>
+        <p:txBody>
+          <a:bodyPr/>
+          <a:lstStyle/>
+          <a:p>
+            <a:endParaRPr kumimoji="1" lang="zh-CN" altLang="en-US"/>
+          </a:p>
+        </p:txBody>
+      </p:sp>
+    </p:spTree>
+    <p:extLst>
+      <p:ext uri="{BB962C8B-B14F-4D97-AF65-F5344CB8AC3E}">
+        <p14:creationId xmlns:p14="http://schemas.microsoft.com/office/powerpoint/2010/main" val="3883486403"/>
+      </p:ext>
+    </p:extLst>
+  </p:cSld>
+  <p:clrMapOvr>
+    <a:masterClrMapping/>
+  </p:clrMapOvr>
+</p:sld>
+</file>
+
+<file path=ppt/slides/slide9.xml><?xml version="1.0" encoding="utf-8"?>
+<p:sld xmlns:a="http://schemas.openxmlformats.org/drawingml/2006/main" xmlns:r="http://schemas.openxmlformats.org/officeDocument/2006/relationships" xmlns:p="http://schemas.openxmlformats.org/presentationml/2006/main">
+  <p:cSld>
+    <p:spTree>
+      <p:nvGrpSpPr>
+        <p:cNvPr id="1" name=""/>
+        <p:cNvGrpSpPr/>
+        <p:nvPr/>
+      </p:nvGrpSpPr>
+      <p:grpSpPr>
+        <a:xfrm>
+          <a:off x="0" y="0"/>
+          <a:ext cx="0" cy="0"/>
+          <a:chOff x="0" y="0"/>
+          <a:chExt cx="0" cy="0"/>
+        </a:xfrm>
+      </p:grpSpPr>
+      <p:sp>
+        <p:nvSpPr>
+          <p:cNvPr id="2" name="标题 1">
+            <a:extLst>
+              <a:ext uri="{FF2B5EF4-FFF2-40B4-BE49-F238E27FC236}">
+                <a16:creationId xmlns:a16="http://schemas.microsoft.com/office/drawing/2014/main" id="{28BB8ED9-55FC-6B4A-A04C-7392A09410E7}"/>
+              </a:ext>
+            </a:extLst>
+          </p:cNvPr>
+          <p:cNvSpPr>
+            <a:spLocks noGrp="1"/>
+          </p:cNvSpPr>
+          <p:nvPr>
+            <p:ph type="ctrTitle"/>
+          </p:nvPr>
+        </p:nvSpPr>
+        <p:spPr/>
+        <p:txBody>
+          <a:bodyPr/>
+          <a:lstStyle/>
+          <a:p>
+            <a:endParaRPr kumimoji="1" lang="zh-CN" altLang="en-US"/>
+          </a:p>
+        </p:txBody>
+      </p:sp>
+      <p:sp>
+        <p:nvSpPr>
+          <p:cNvPr id="3" name="文本占位符 2">
+            <a:extLst>
+              <a:ext uri="{FF2B5EF4-FFF2-40B4-BE49-F238E27FC236}">
+                <a16:creationId xmlns:a16="http://schemas.microsoft.com/office/drawing/2014/main" id="{BDB27E49-171B-5341-8586-DF629A6F9E7F}"/>
+              </a:ext>
+            </a:extLst>
+          </p:cNvPr>
+          <p:cNvSpPr>
+            <a:spLocks noGrp="1"/>
+          </p:cNvSpPr>
+          <p:nvPr>
+            <p:ph type="body" idx="1"/>
+          </p:nvPr>
+        </p:nvSpPr>
+        <p:spPr/>
+        <p:txBody>
+          <a:bodyPr/>
+          <a:lstStyle/>
+          <a:p>
+            <a:endParaRPr kumimoji="1" lang="zh-CN" altLang="en-US"/>
+          </a:p>
+        </p:txBody>
+      </p:sp>
+    </p:spTree>
+    <p:extLst>
+      <p:ext uri="{BB962C8B-B14F-4D97-AF65-F5344CB8AC3E}">
+        <p14:creationId xmlns:p14="http://schemas.microsoft.com/office/powerpoint/2010/main" val="2714842722"/>
+      </p:ext>
+    </p:extLst>
+  </p:cSld>
+  <p:clrMapOvr>
+    <a:masterClrMapping/>
+  </p:clrMapOvr>
 </p:sld>
 </file>
 
 <file path=ppt/theme/theme1.xml><?xml version="1.0" encoding="utf-8"?>
-<a:theme xmlns:a="http://schemas.openxmlformats.org/drawingml/2006/main" name="Office 主题">
+<a:theme xmlns:a="http://schemas.openxmlformats.org/drawingml/2006/main" name="Office 主题​​">
   <a:themeElements>
     <a:clrScheme name="Office">
       <a:dk1>
@@ -2662,7 +6856,7 @@
         <a:srgbClr val="E7E6E6"/>
       </a:lt2>
       <a:accent1>
-        <a:srgbClr val="5B9BD5"/>
+        <a:srgbClr val="4472C4"/>
       </a:accent1>
       <a:accent2>
         <a:srgbClr val="ED7D31"/>
@@ -2674,7 +6868,7 @@
         <a:srgbClr val="FFC000"/>
       </a:accent4>
       <a:accent5>
-        <a:srgbClr val="4472C4"/>
+        <a:srgbClr val="5B9BD5"/>
       </a:accent5>
       <a:accent6>
         <a:srgbClr val="70AD47"/>
@@ -2688,12 +6882,12 @@
     </a:clrScheme>
     <a:fontScheme name="Office">
       <a:majorFont>
-        <a:latin typeface="Calibri Light" panose="020F0302020204030204"/>
+        <a:latin typeface="等线 Light" panose="020F0302020204030204"/>
         <a:ea typeface=""/>
         <a:cs typeface=""/>
-        <a:font script="Jpan" typeface="ＭＳ Ｐゴシック"/>
+        <a:font script="Jpan" typeface="游ゴシック Light"/>
         <a:font script="Hang" typeface="맑은 고딕"/>
-        <a:font script="Hans" typeface="宋体"/>
+        <a:font script="Hans" typeface="等线 Light"/>
         <a:font script="Hant" typeface="新細明體"/>
         <a:font script="Arab" typeface="Times New Roman"/>
         <a:font script="Hebr" typeface="Times New Roman"/>
@@ -2721,14 +6915,31 @@
         <a:font script="Viet" typeface="Times New Roman"/>
         <a:font script="Uigh" typeface="Microsoft Uighur"/>
         <a:font script="Geor" typeface="Sylfaen"/>
+        <a:font script="Armn" typeface="Arial"/>
+        <a:font script="Bugi" typeface="Leelawadee UI"/>
+        <a:font script="Bopo" typeface="Microsoft JhengHei"/>
+        <a:font script="Java" typeface="Javanese Text"/>
+        <a:font script="Lisu" typeface="Segoe UI"/>
+        <a:font script="Mymr" typeface="Myanmar Text"/>
+        <a:font script="Nkoo" typeface="Ebrima"/>
+        <a:font script="Olck" typeface="Nirmala UI"/>
+        <a:font script="Osma" typeface="Ebrima"/>
+        <a:font script="Phag" typeface="Phagspa"/>
+        <a:font script="Syrn" typeface="Estrangelo Edessa"/>
+        <a:font script="Syrj" typeface="Estrangelo Edessa"/>
+        <a:font script="Syre" typeface="Estrangelo Edessa"/>
+        <a:font script="Sora" typeface="Nirmala UI"/>
+        <a:font script="Tale" typeface="Microsoft Tai Le"/>
+        <a:font script="Talu" typeface="Microsoft New Tai Lue"/>
+        <a:font script="Tfng" typeface="Ebrima"/>
       </a:majorFont>
       <a:minorFont>
-        <a:latin typeface="Calibri" panose="020F0502020204030204"/>
+        <a:latin typeface="等线" panose="020F0502020204030204"/>
         <a:ea typeface=""/>
         <a:cs typeface=""/>
-        <a:font script="Jpan" typeface="ＭＳ Ｐゴシック"/>
+        <a:font script="Jpan" typeface="游ゴシック"/>
         <a:font script="Hang" typeface="맑은 고딕"/>
-        <a:font script="Hans" typeface="宋体"/>
+        <a:font script="Hans" typeface="等线"/>
         <a:font script="Hant" typeface="新細明體"/>
         <a:font script="Arab" typeface="Arial"/>
         <a:font script="Hebr" typeface="Arial"/>
@@ -2756,6 +6967,23 @@
         <a:font script="Viet" typeface="Arial"/>
         <a:font script="Uigh" typeface="Microsoft Uighur"/>
         <a:font script="Geor" typeface="Sylfaen"/>
+        <a:font script="Armn" typeface="Arial"/>
+        <a:font script="Bugi" typeface="Leelawadee UI"/>
+        <a:font script="Bopo" typeface="Microsoft JhengHei"/>
+        <a:font script="Java" typeface="Javanese Text"/>
+        <a:font script="Lisu" typeface="Segoe UI"/>
+        <a:font script="Mymr" typeface="Myanmar Text"/>
+        <a:font script="Nkoo" typeface="Ebrima"/>
+        <a:font script="Olck" typeface="Nirmala UI"/>
+        <a:font script="Osma" typeface="Ebrima"/>
+        <a:font script="Phag" typeface="Phagspa"/>
+        <a:font script="Syrn" typeface="Estrangelo Edessa"/>
+        <a:font script="Syrj" typeface="Estrangelo Edessa"/>
+        <a:font script="Syre" typeface="Estrangelo Edessa"/>
+        <a:font script="Sora" typeface="Nirmala UI"/>
+        <a:font script="Tale" typeface="Microsoft Tai Le"/>
+        <a:font script="Talu" typeface="Microsoft New Tai Lue"/>
+        <a:font script="Tfng" typeface="Ebrima"/>
       </a:minorFont>
     </a:fontScheme>
     <a:fmtScheme name="Office">
